--- a/hw_1_images.pptx
+++ b/hw_1_images.pptx
@@ -9,6 +9,12 @@
     <p:sldId id="259" r:id="rId3"/>
     <p:sldId id="258" r:id="rId4"/>
     <p:sldId id="257" r:id="rId5"/>
+    <p:sldId id="261" r:id="rId6"/>
+    <p:sldId id="260" r:id="rId7"/>
+    <p:sldId id="262" r:id="rId8"/>
+    <p:sldId id="263" r:id="rId9"/>
+    <p:sldId id="265" r:id="rId10"/>
+    <p:sldId id="266" r:id="rId11"/>
   </p:sldIdLst>
   <p:sldSz cx="12192000" cy="6858000"/>
   <p:notesSz cx="6858000" cy="9144000"/>
@@ -107,6 +113,11 @@
       </a:defRPr>
     </a:lvl9pPr>
   </p:defaultTextStyle>
+  <p:extLst>
+    <p:ext uri="{EFAFB233-063F-42B5-8137-9DF3F51BA10A}">
+      <p15:sldGuideLst xmlns:p15="http://schemas.microsoft.com/office/powerpoint/2012/main"/>
+    </p:ext>
+  </p:extLst>
 </p:presentation>
 </file>
 
@@ -4718,6 +4729,102 @@
 </p:sld>
 </file>
 
+<file path=ppt/slides/slide10.xml><?xml version="1.0" encoding="utf-8"?>
+<p:sld xmlns:a="http://schemas.openxmlformats.org/drawingml/2006/main" xmlns:r="http://schemas.openxmlformats.org/officeDocument/2006/relationships" xmlns:p="http://schemas.openxmlformats.org/presentationml/2006/main">
+  <p:cSld>
+    <p:spTree>
+      <p:nvGrpSpPr>
+        <p:cNvPr id="1" name=""/>
+        <p:cNvGrpSpPr/>
+        <p:nvPr/>
+      </p:nvGrpSpPr>
+      <p:grpSpPr>
+        <a:xfrm>
+          <a:off x="0" y="0"/>
+          <a:ext cx="0" cy="0"/>
+          <a:chOff x="0" y="0"/>
+          <a:chExt cx="0" cy="0"/>
+        </a:xfrm>
+      </p:grpSpPr>
+      <p:pic>
+        <p:nvPicPr>
+          <p:cNvPr id="5" name="Picture 4">
+            <a:extLst>
+              <a:ext uri="{FF2B5EF4-FFF2-40B4-BE49-F238E27FC236}">
+                <a16:creationId xmlns:a16="http://schemas.microsoft.com/office/drawing/2014/main" id="{8ACD0F1D-337E-EE57-72D7-7026B2A2773E}"/>
+              </a:ext>
+            </a:extLst>
+          </p:cNvPr>
+          <p:cNvPicPr>
+            <a:picLocks noChangeAspect="1"/>
+          </p:cNvPicPr>
+          <p:nvPr/>
+        </p:nvPicPr>
+        <p:blipFill>
+          <a:blip r:embed="rId2"/>
+          <a:stretch>
+            <a:fillRect/>
+          </a:stretch>
+        </p:blipFill>
+        <p:spPr>
+          <a:xfrm>
+            <a:off x="2286000" y="1524000"/>
+            <a:ext cx="7620000" cy="3810000"/>
+          </a:xfrm>
+          <a:prstGeom prst="rect">
+            <a:avLst/>
+          </a:prstGeom>
+        </p:spPr>
+      </p:pic>
+      <p:sp>
+        <p:nvSpPr>
+          <p:cNvPr id="6" name="TextBox 5">
+            <a:extLst>
+              <a:ext uri="{FF2B5EF4-FFF2-40B4-BE49-F238E27FC236}">
+                <a16:creationId xmlns:a16="http://schemas.microsoft.com/office/drawing/2014/main" id="{380B0CAF-281B-B651-A05C-9EF1E6C6B8FC}"/>
+              </a:ext>
+            </a:extLst>
+          </p:cNvPr>
+          <p:cNvSpPr txBox="1"/>
+          <p:nvPr/>
+        </p:nvSpPr>
+        <p:spPr>
+          <a:xfrm>
+            <a:off x="1892808" y="566928"/>
+            <a:ext cx="437940" cy="369332"/>
+          </a:xfrm>
+          <a:prstGeom prst="rect">
+            <a:avLst/>
+          </a:prstGeom>
+          <a:noFill/>
+        </p:spPr>
+        <p:txBody>
+          <a:bodyPr wrap="none" rtlCol="0">
+            <a:spAutoFit/>
+          </a:bodyPr>
+          <a:lstStyle/>
+          <a:p>
+            <a:r>
+              <a:rPr lang="en-US" dirty="0"/>
+              <a:t>q2</a:t>
+            </a:r>
+            <a:endParaRPr lang="en-IL" dirty="0"/>
+          </a:p>
+        </p:txBody>
+      </p:sp>
+    </p:spTree>
+    <p:extLst>
+      <p:ext uri="{BB962C8B-B14F-4D97-AF65-F5344CB8AC3E}">
+        <p14:creationId xmlns:p14="http://schemas.microsoft.com/office/powerpoint/2010/main" val="2468771659"/>
+      </p:ext>
+    </p:extLst>
+  </p:cSld>
+  <p:clrMapOvr>
+    <a:masterClrMapping/>
+  </p:clrMapOvr>
+</p:sld>
+</file>
+
 <file path=ppt/slides/slide2.xml><?xml version="1.0" encoding="utf-8"?>
 <p:sld xmlns:a="http://schemas.openxmlformats.org/drawingml/2006/main" xmlns:r="http://schemas.openxmlformats.org/officeDocument/2006/relationships" xmlns:p="http://schemas.openxmlformats.org/presentationml/2006/main">
   <p:cSld>
@@ -4770,6 +4877,42 @@
           </a:xfrm>
         </p:spPr>
       </p:pic>
+      <p:sp>
+        <p:nvSpPr>
+          <p:cNvPr id="2" name="TextBox 1">
+            <a:extLst>
+              <a:ext uri="{FF2B5EF4-FFF2-40B4-BE49-F238E27FC236}">
+                <a16:creationId xmlns:a16="http://schemas.microsoft.com/office/drawing/2014/main" id="{843A37E2-0C72-5E5B-0B7A-0E065B1B3451}"/>
+              </a:ext>
+            </a:extLst>
+          </p:cNvPr>
+          <p:cNvSpPr txBox="1"/>
+          <p:nvPr/>
+        </p:nvSpPr>
+        <p:spPr>
+          <a:xfrm>
+            <a:off x="1892808" y="566928"/>
+            <a:ext cx="437940" cy="369332"/>
+          </a:xfrm>
+          <a:prstGeom prst="rect">
+            <a:avLst/>
+          </a:prstGeom>
+          <a:noFill/>
+        </p:spPr>
+        <p:txBody>
+          <a:bodyPr wrap="none" rtlCol="0">
+            <a:spAutoFit/>
+          </a:bodyPr>
+          <a:lstStyle/>
+          <a:p>
+            <a:r>
+              <a:rPr lang="en-US" dirty="0"/>
+              <a:t>q1</a:t>
+            </a:r>
+            <a:endParaRPr lang="en-IL" dirty="0"/>
+          </a:p>
+        </p:txBody>
+      </p:sp>
     </p:spTree>
     <p:extLst>
       <p:ext uri="{BB962C8B-B14F-4D97-AF65-F5344CB8AC3E}">
@@ -4835,6 +4978,42 @@
           </a:xfrm>
         </p:spPr>
       </p:pic>
+      <p:sp>
+        <p:nvSpPr>
+          <p:cNvPr id="2" name="TextBox 1">
+            <a:extLst>
+              <a:ext uri="{FF2B5EF4-FFF2-40B4-BE49-F238E27FC236}">
+                <a16:creationId xmlns:a16="http://schemas.microsoft.com/office/drawing/2014/main" id="{8F3278A9-6FF1-F9E9-AADF-EFCF05084FB8}"/>
+              </a:ext>
+            </a:extLst>
+          </p:cNvPr>
+          <p:cNvSpPr txBox="1"/>
+          <p:nvPr/>
+        </p:nvSpPr>
+        <p:spPr>
+          <a:xfrm>
+            <a:off x="1892808" y="566928"/>
+            <a:ext cx="437940" cy="369332"/>
+          </a:xfrm>
+          <a:prstGeom prst="rect">
+            <a:avLst/>
+          </a:prstGeom>
+          <a:noFill/>
+        </p:spPr>
+        <p:txBody>
+          <a:bodyPr wrap="none" rtlCol="0">
+            <a:spAutoFit/>
+          </a:bodyPr>
+          <a:lstStyle/>
+          <a:p>
+            <a:r>
+              <a:rPr lang="en-US" dirty="0"/>
+              <a:t>q1</a:t>
+            </a:r>
+            <a:endParaRPr lang="en-IL" dirty="0"/>
+          </a:p>
+        </p:txBody>
+      </p:sp>
     </p:spTree>
     <p:extLst>
       <p:ext uri="{BB962C8B-B14F-4D97-AF65-F5344CB8AC3E}">
@@ -4973,10 +5152,538 @@
           </a:prstGeom>
         </p:spPr>
       </p:pic>
+      <p:sp>
+        <p:nvSpPr>
+          <p:cNvPr id="2" name="TextBox 1">
+            <a:extLst>
+              <a:ext uri="{FF2B5EF4-FFF2-40B4-BE49-F238E27FC236}">
+                <a16:creationId xmlns:a16="http://schemas.microsoft.com/office/drawing/2014/main" id="{2040FBB2-E79C-3C12-AB89-14DFE8F0C6CE}"/>
+              </a:ext>
+            </a:extLst>
+          </p:cNvPr>
+          <p:cNvSpPr txBox="1"/>
+          <p:nvPr/>
+        </p:nvSpPr>
+        <p:spPr>
+          <a:xfrm>
+            <a:off x="1892808" y="566928"/>
+            <a:ext cx="437940" cy="369332"/>
+          </a:xfrm>
+          <a:prstGeom prst="rect">
+            <a:avLst/>
+          </a:prstGeom>
+          <a:noFill/>
+        </p:spPr>
+        <p:txBody>
+          <a:bodyPr wrap="none" rtlCol="0">
+            <a:spAutoFit/>
+          </a:bodyPr>
+          <a:lstStyle/>
+          <a:p>
+            <a:r>
+              <a:rPr lang="en-US" dirty="0"/>
+              <a:t>q1</a:t>
+            </a:r>
+            <a:endParaRPr lang="en-IL" dirty="0"/>
+          </a:p>
+        </p:txBody>
+      </p:sp>
     </p:spTree>
     <p:extLst>
       <p:ext uri="{BB962C8B-B14F-4D97-AF65-F5344CB8AC3E}">
         <p14:creationId xmlns:p14="http://schemas.microsoft.com/office/powerpoint/2010/main" val="2242172314"/>
+      </p:ext>
+    </p:extLst>
+  </p:cSld>
+  <p:clrMapOvr>
+    <a:masterClrMapping/>
+  </p:clrMapOvr>
+</p:sld>
+</file>
+
+<file path=ppt/slides/slide5.xml><?xml version="1.0" encoding="utf-8"?>
+<p:sld xmlns:a="http://schemas.openxmlformats.org/drawingml/2006/main" xmlns:r="http://schemas.openxmlformats.org/officeDocument/2006/relationships" xmlns:p="http://schemas.openxmlformats.org/presentationml/2006/main">
+  <p:cSld>
+    <p:spTree>
+      <p:nvGrpSpPr>
+        <p:cNvPr id="1" name=""/>
+        <p:cNvGrpSpPr/>
+        <p:nvPr/>
+      </p:nvGrpSpPr>
+      <p:grpSpPr>
+        <a:xfrm>
+          <a:off x="0" y="0"/>
+          <a:ext cx="0" cy="0"/>
+          <a:chOff x="0" y="0"/>
+          <a:chExt cx="0" cy="0"/>
+        </a:xfrm>
+      </p:grpSpPr>
+      <p:sp>
+        <p:nvSpPr>
+          <p:cNvPr id="4" name="TextBox 3">
+            <a:extLst>
+              <a:ext uri="{FF2B5EF4-FFF2-40B4-BE49-F238E27FC236}">
+                <a16:creationId xmlns:a16="http://schemas.microsoft.com/office/drawing/2014/main" id="{BBFCB2BD-192A-BA34-20DE-770542860CDA}"/>
+              </a:ext>
+            </a:extLst>
+          </p:cNvPr>
+          <p:cNvSpPr txBox="1"/>
+          <p:nvPr/>
+        </p:nvSpPr>
+        <p:spPr>
+          <a:xfrm>
+            <a:off x="1892808" y="566928"/>
+            <a:ext cx="437940" cy="369332"/>
+          </a:xfrm>
+          <a:prstGeom prst="rect">
+            <a:avLst/>
+          </a:prstGeom>
+          <a:noFill/>
+        </p:spPr>
+        <p:txBody>
+          <a:bodyPr wrap="none" rtlCol="0">
+            <a:spAutoFit/>
+          </a:bodyPr>
+          <a:lstStyle/>
+          <a:p>
+            <a:r>
+              <a:rPr lang="en-US" dirty="0"/>
+              <a:t>q2</a:t>
+            </a:r>
+            <a:endParaRPr lang="en-IL" dirty="0"/>
+          </a:p>
+        </p:txBody>
+      </p:sp>
+      <p:pic>
+        <p:nvPicPr>
+          <p:cNvPr id="6" name="Picture 5" descr="A graph of a train vs. validation loss&#10;&#10;AI-generated content may be incorrect.">
+            <a:extLst>
+              <a:ext uri="{FF2B5EF4-FFF2-40B4-BE49-F238E27FC236}">
+                <a16:creationId xmlns:a16="http://schemas.microsoft.com/office/drawing/2014/main" id="{5E9FEA45-576A-A5AB-EB71-11B3D68A38E0}"/>
+              </a:ext>
+            </a:extLst>
+          </p:cNvPr>
+          <p:cNvPicPr>
+            <a:picLocks noChangeAspect="1"/>
+          </p:cNvPicPr>
+          <p:nvPr/>
+        </p:nvPicPr>
+        <p:blipFill>
+          <a:blip r:embed="rId2">
+            <a:extLst>
+              <a:ext uri="{28A0092B-C50C-407E-A947-70E740481C1C}">
+                <a14:useLocalDpi xmlns:a14="http://schemas.microsoft.com/office/drawing/2010/main" val="0"/>
+              </a:ext>
+            </a:extLst>
+          </a:blip>
+          <a:stretch>
+            <a:fillRect/>
+          </a:stretch>
+        </p:blipFill>
+        <p:spPr>
+          <a:xfrm>
+            <a:off x="3048000" y="1143000"/>
+            <a:ext cx="6096000" cy="4572000"/>
+          </a:xfrm>
+          <a:prstGeom prst="rect">
+            <a:avLst/>
+          </a:prstGeom>
+        </p:spPr>
+      </p:pic>
+    </p:spTree>
+    <p:extLst>
+      <p:ext uri="{BB962C8B-B14F-4D97-AF65-F5344CB8AC3E}">
+        <p14:creationId xmlns:p14="http://schemas.microsoft.com/office/powerpoint/2010/main" val="3130758607"/>
+      </p:ext>
+    </p:extLst>
+  </p:cSld>
+  <p:clrMapOvr>
+    <a:masterClrMapping/>
+  </p:clrMapOvr>
+</p:sld>
+</file>
+
+<file path=ppt/slides/slide6.xml><?xml version="1.0" encoding="utf-8"?>
+<p:sld xmlns:a="http://schemas.openxmlformats.org/drawingml/2006/main" xmlns:r="http://schemas.openxmlformats.org/officeDocument/2006/relationships" xmlns:p="http://schemas.openxmlformats.org/presentationml/2006/main">
+  <p:cSld>
+    <p:spTree>
+      <p:nvGrpSpPr>
+        <p:cNvPr id="1" name=""/>
+        <p:cNvGrpSpPr/>
+        <p:nvPr/>
+      </p:nvGrpSpPr>
+      <p:grpSpPr>
+        <a:xfrm>
+          <a:off x="0" y="0"/>
+          <a:ext cx="0" cy="0"/>
+          <a:chOff x="0" y="0"/>
+          <a:chExt cx="0" cy="0"/>
+        </a:xfrm>
+      </p:grpSpPr>
+      <p:sp>
+        <p:nvSpPr>
+          <p:cNvPr id="5" name="TextBox 4">
+            <a:extLst>
+              <a:ext uri="{FF2B5EF4-FFF2-40B4-BE49-F238E27FC236}">
+                <a16:creationId xmlns:a16="http://schemas.microsoft.com/office/drawing/2014/main" id="{C6E1CBA5-49D2-233A-BE36-49DA35D6A1D8}"/>
+              </a:ext>
+            </a:extLst>
+          </p:cNvPr>
+          <p:cNvSpPr txBox="1"/>
+          <p:nvPr/>
+        </p:nvSpPr>
+        <p:spPr>
+          <a:xfrm>
+            <a:off x="1892808" y="566928"/>
+            <a:ext cx="437940" cy="369332"/>
+          </a:xfrm>
+          <a:prstGeom prst="rect">
+            <a:avLst/>
+          </a:prstGeom>
+          <a:noFill/>
+        </p:spPr>
+        <p:txBody>
+          <a:bodyPr wrap="none" rtlCol="0">
+            <a:spAutoFit/>
+          </a:bodyPr>
+          <a:lstStyle/>
+          <a:p>
+            <a:r>
+              <a:rPr lang="en-US" dirty="0"/>
+              <a:t>q2</a:t>
+            </a:r>
+            <a:endParaRPr lang="en-IL" dirty="0"/>
+          </a:p>
+        </p:txBody>
+      </p:sp>
+      <p:pic>
+        <p:nvPicPr>
+          <p:cNvPr id="7" name="Picture 6" descr="A graph with green squares&#10;&#10;AI-generated content may be incorrect.">
+            <a:extLst>
+              <a:ext uri="{FF2B5EF4-FFF2-40B4-BE49-F238E27FC236}">
+                <a16:creationId xmlns:a16="http://schemas.microsoft.com/office/drawing/2014/main" id="{40E48AD7-CC79-BEC0-3461-16246EFC7C1E}"/>
+              </a:ext>
+            </a:extLst>
+          </p:cNvPr>
+          <p:cNvPicPr>
+            <a:picLocks noChangeAspect="1"/>
+          </p:cNvPicPr>
+          <p:nvPr/>
+        </p:nvPicPr>
+        <p:blipFill>
+          <a:blip r:embed="rId2">
+            <a:extLst>
+              <a:ext uri="{28A0092B-C50C-407E-A947-70E740481C1C}">
+                <a14:useLocalDpi xmlns:a14="http://schemas.microsoft.com/office/drawing/2010/main" val="0"/>
+              </a:ext>
+            </a:extLst>
+          </a:blip>
+          <a:stretch>
+            <a:fillRect/>
+          </a:stretch>
+        </p:blipFill>
+        <p:spPr>
+          <a:xfrm>
+            <a:off x="3169914" y="1234435"/>
+            <a:ext cx="5852172" cy="4389129"/>
+          </a:xfrm>
+          <a:prstGeom prst="rect">
+            <a:avLst/>
+          </a:prstGeom>
+        </p:spPr>
+      </p:pic>
+    </p:spTree>
+    <p:extLst>
+      <p:ext uri="{BB962C8B-B14F-4D97-AF65-F5344CB8AC3E}">
+        <p14:creationId xmlns:p14="http://schemas.microsoft.com/office/powerpoint/2010/main" val="3143842451"/>
+      </p:ext>
+    </p:extLst>
+  </p:cSld>
+  <p:clrMapOvr>
+    <a:masterClrMapping/>
+  </p:clrMapOvr>
+</p:sld>
+</file>
+
+<file path=ppt/slides/slide7.xml><?xml version="1.0" encoding="utf-8"?>
+<p:sld xmlns:a="http://schemas.openxmlformats.org/drawingml/2006/main" xmlns:r="http://schemas.openxmlformats.org/officeDocument/2006/relationships" xmlns:p="http://schemas.openxmlformats.org/presentationml/2006/main">
+  <p:cSld>
+    <p:spTree>
+      <p:nvGrpSpPr>
+        <p:cNvPr id="1" name=""/>
+        <p:cNvGrpSpPr/>
+        <p:nvPr/>
+      </p:nvGrpSpPr>
+      <p:grpSpPr>
+        <a:xfrm>
+          <a:off x="0" y="0"/>
+          <a:ext cx="0" cy="0"/>
+          <a:chOff x="0" y="0"/>
+          <a:chExt cx="0" cy="0"/>
+        </a:xfrm>
+      </p:grpSpPr>
+      <p:pic>
+        <p:nvPicPr>
+          <p:cNvPr id="5" name="Picture 4">
+            <a:extLst>
+              <a:ext uri="{FF2B5EF4-FFF2-40B4-BE49-F238E27FC236}">
+                <a16:creationId xmlns:a16="http://schemas.microsoft.com/office/drawing/2014/main" id="{1A6FA13F-10B2-A6E0-4D48-78AE7EF4726A}"/>
+              </a:ext>
+            </a:extLst>
+          </p:cNvPr>
+          <p:cNvPicPr>
+            <a:picLocks noChangeAspect="1"/>
+          </p:cNvPicPr>
+          <p:nvPr/>
+        </p:nvPicPr>
+        <p:blipFill>
+          <a:blip r:embed="rId2"/>
+          <a:stretch>
+            <a:fillRect/>
+          </a:stretch>
+        </p:blipFill>
+        <p:spPr>
+          <a:xfrm>
+            <a:off x="2286000" y="1047750"/>
+            <a:ext cx="7620000" cy="4762500"/>
+          </a:xfrm>
+          <a:prstGeom prst="rect">
+            <a:avLst/>
+          </a:prstGeom>
+        </p:spPr>
+      </p:pic>
+      <p:sp>
+        <p:nvSpPr>
+          <p:cNvPr id="6" name="TextBox 5">
+            <a:extLst>
+              <a:ext uri="{FF2B5EF4-FFF2-40B4-BE49-F238E27FC236}">
+                <a16:creationId xmlns:a16="http://schemas.microsoft.com/office/drawing/2014/main" id="{DBE279E3-4EFA-DE1C-20CF-2EAB78D73474}"/>
+              </a:ext>
+            </a:extLst>
+          </p:cNvPr>
+          <p:cNvSpPr txBox="1"/>
+          <p:nvPr/>
+        </p:nvSpPr>
+        <p:spPr>
+          <a:xfrm>
+            <a:off x="1892808" y="566928"/>
+            <a:ext cx="437940" cy="369332"/>
+          </a:xfrm>
+          <a:prstGeom prst="rect">
+            <a:avLst/>
+          </a:prstGeom>
+          <a:noFill/>
+        </p:spPr>
+        <p:txBody>
+          <a:bodyPr wrap="none" rtlCol="0">
+            <a:spAutoFit/>
+          </a:bodyPr>
+          <a:lstStyle/>
+          <a:p>
+            <a:r>
+              <a:rPr lang="en-US" dirty="0"/>
+              <a:t>q2</a:t>
+            </a:r>
+            <a:endParaRPr lang="en-IL" dirty="0"/>
+          </a:p>
+        </p:txBody>
+      </p:sp>
+    </p:spTree>
+    <p:extLst>
+      <p:ext uri="{BB962C8B-B14F-4D97-AF65-F5344CB8AC3E}">
+        <p14:creationId xmlns:p14="http://schemas.microsoft.com/office/powerpoint/2010/main" val="2192902738"/>
+      </p:ext>
+    </p:extLst>
+  </p:cSld>
+  <p:clrMapOvr>
+    <a:masterClrMapping/>
+  </p:clrMapOvr>
+</p:sld>
+</file>
+
+<file path=ppt/slides/slide8.xml><?xml version="1.0" encoding="utf-8"?>
+<p:sld xmlns:a="http://schemas.openxmlformats.org/drawingml/2006/main" xmlns:r="http://schemas.openxmlformats.org/officeDocument/2006/relationships" xmlns:p="http://schemas.openxmlformats.org/presentationml/2006/main">
+  <p:cSld>
+    <p:spTree>
+      <p:nvGrpSpPr>
+        <p:cNvPr id="1" name=""/>
+        <p:cNvGrpSpPr/>
+        <p:nvPr/>
+      </p:nvGrpSpPr>
+      <p:grpSpPr>
+        <a:xfrm>
+          <a:off x="0" y="0"/>
+          <a:ext cx="0" cy="0"/>
+          <a:chOff x="0" y="0"/>
+          <a:chExt cx="0" cy="0"/>
+        </a:xfrm>
+      </p:grpSpPr>
+      <p:pic>
+        <p:nvPicPr>
+          <p:cNvPr id="5" name="Picture 4">
+            <a:extLst>
+              <a:ext uri="{FF2B5EF4-FFF2-40B4-BE49-F238E27FC236}">
+                <a16:creationId xmlns:a16="http://schemas.microsoft.com/office/drawing/2014/main" id="{A31A28AE-9097-3C7A-1BB3-C2454160DF85}"/>
+              </a:ext>
+            </a:extLst>
+          </p:cNvPr>
+          <p:cNvPicPr>
+            <a:picLocks noChangeAspect="1"/>
+          </p:cNvPicPr>
+          <p:nvPr/>
+        </p:nvPicPr>
+        <p:blipFill>
+          <a:blip r:embed="rId2"/>
+          <a:stretch>
+            <a:fillRect/>
+          </a:stretch>
+        </p:blipFill>
+        <p:spPr>
+          <a:xfrm>
+            <a:off x="2286000" y="1524000"/>
+            <a:ext cx="7620000" cy="3810000"/>
+          </a:xfrm>
+          <a:prstGeom prst="rect">
+            <a:avLst/>
+          </a:prstGeom>
+        </p:spPr>
+      </p:pic>
+      <p:sp>
+        <p:nvSpPr>
+          <p:cNvPr id="6" name="TextBox 5">
+            <a:extLst>
+              <a:ext uri="{FF2B5EF4-FFF2-40B4-BE49-F238E27FC236}">
+                <a16:creationId xmlns:a16="http://schemas.microsoft.com/office/drawing/2014/main" id="{830FC197-008C-2BE1-C576-499604F1EBE3}"/>
+              </a:ext>
+            </a:extLst>
+          </p:cNvPr>
+          <p:cNvSpPr txBox="1"/>
+          <p:nvPr/>
+        </p:nvSpPr>
+        <p:spPr>
+          <a:xfrm>
+            <a:off x="1892808" y="566928"/>
+            <a:ext cx="437940" cy="369332"/>
+          </a:xfrm>
+          <a:prstGeom prst="rect">
+            <a:avLst/>
+          </a:prstGeom>
+          <a:noFill/>
+        </p:spPr>
+        <p:txBody>
+          <a:bodyPr wrap="none" rtlCol="0">
+            <a:spAutoFit/>
+          </a:bodyPr>
+          <a:lstStyle/>
+          <a:p>
+            <a:r>
+              <a:rPr lang="en-US" dirty="0"/>
+              <a:t>q2</a:t>
+            </a:r>
+            <a:endParaRPr lang="en-IL" dirty="0"/>
+          </a:p>
+        </p:txBody>
+      </p:sp>
+    </p:spTree>
+    <p:extLst>
+      <p:ext uri="{BB962C8B-B14F-4D97-AF65-F5344CB8AC3E}">
+        <p14:creationId xmlns:p14="http://schemas.microsoft.com/office/powerpoint/2010/main" val="2671251749"/>
+      </p:ext>
+    </p:extLst>
+  </p:cSld>
+  <p:clrMapOvr>
+    <a:masterClrMapping/>
+  </p:clrMapOvr>
+</p:sld>
+</file>
+
+<file path=ppt/slides/slide9.xml><?xml version="1.0" encoding="utf-8"?>
+<p:sld xmlns:a="http://schemas.openxmlformats.org/drawingml/2006/main" xmlns:r="http://schemas.openxmlformats.org/officeDocument/2006/relationships" xmlns:p="http://schemas.openxmlformats.org/presentationml/2006/main">
+  <p:cSld>
+    <p:spTree>
+      <p:nvGrpSpPr>
+        <p:cNvPr id="1" name=""/>
+        <p:cNvGrpSpPr/>
+        <p:nvPr/>
+      </p:nvGrpSpPr>
+      <p:grpSpPr>
+        <a:xfrm>
+          <a:off x="0" y="0"/>
+          <a:ext cx="0" cy="0"/>
+          <a:chOff x="0" y="0"/>
+          <a:chExt cx="0" cy="0"/>
+        </a:xfrm>
+      </p:grpSpPr>
+      <p:sp>
+        <p:nvSpPr>
+          <p:cNvPr id="4" name="TextBox 3">
+            <a:extLst>
+              <a:ext uri="{FF2B5EF4-FFF2-40B4-BE49-F238E27FC236}">
+                <a16:creationId xmlns:a16="http://schemas.microsoft.com/office/drawing/2014/main" id="{C1398661-1654-0166-B5B9-09A829BBF066}"/>
+              </a:ext>
+            </a:extLst>
+          </p:cNvPr>
+          <p:cNvSpPr txBox="1"/>
+          <p:nvPr/>
+        </p:nvSpPr>
+        <p:spPr>
+          <a:xfrm>
+            <a:off x="1892808" y="566928"/>
+            <a:ext cx="437940" cy="369332"/>
+          </a:xfrm>
+          <a:prstGeom prst="rect">
+            <a:avLst/>
+          </a:prstGeom>
+          <a:noFill/>
+        </p:spPr>
+        <p:txBody>
+          <a:bodyPr wrap="none" rtlCol="0">
+            <a:spAutoFit/>
+          </a:bodyPr>
+          <a:lstStyle/>
+          <a:p>
+            <a:r>
+              <a:rPr lang="en-US" dirty="0"/>
+              <a:t>q2</a:t>
+            </a:r>
+            <a:endParaRPr lang="en-IL" dirty="0"/>
+          </a:p>
+        </p:txBody>
+      </p:sp>
+      <p:pic>
+        <p:nvPicPr>
+          <p:cNvPr id="6" name="Picture 5">
+            <a:extLst>
+              <a:ext uri="{FF2B5EF4-FFF2-40B4-BE49-F238E27FC236}">
+                <a16:creationId xmlns:a16="http://schemas.microsoft.com/office/drawing/2014/main" id="{BCDD23CE-66BD-7FB2-6E11-FF968A2195F9}"/>
+              </a:ext>
+            </a:extLst>
+          </p:cNvPr>
+          <p:cNvPicPr>
+            <a:picLocks noChangeAspect="1"/>
+          </p:cNvPicPr>
+          <p:nvPr/>
+        </p:nvPicPr>
+        <p:blipFill>
+          <a:blip r:embed="rId2"/>
+          <a:stretch>
+            <a:fillRect/>
+          </a:stretch>
+        </p:blipFill>
+        <p:spPr>
+          <a:xfrm>
+            <a:off x="2286000" y="1524000"/>
+            <a:ext cx="7620000" cy="3810000"/>
+          </a:xfrm>
+          <a:prstGeom prst="rect">
+            <a:avLst/>
+          </a:prstGeom>
+        </p:spPr>
+      </p:pic>
+    </p:spTree>
+    <p:extLst>
+      <p:ext uri="{BB962C8B-B14F-4D97-AF65-F5344CB8AC3E}">
+        <p14:creationId xmlns:p14="http://schemas.microsoft.com/office/powerpoint/2010/main" val="3143617862"/>
       </p:ext>
     </p:extLst>
   </p:cSld>

--- a/hw_1_images.pptx
+++ b/hw_1_images.pptx
@@ -5,16 +5,28 @@
     <p:sldMasterId id="2147483648" r:id="rId1"/>
   </p:sldMasterIdLst>
   <p:sldIdLst>
-    <p:sldId id="256" r:id="rId2"/>
-    <p:sldId id="259" r:id="rId3"/>
-    <p:sldId id="258" r:id="rId4"/>
-    <p:sldId id="257" r:id="rId5"/>
-    <p:sldId id="261" r:id="rId6"/>
-    <p:sldId id="260" r:id="rId7"/>
-    <p:sldId id="262" r:id="rId8"/>
-    <p:sldId id="263" r:id="rId9"/>
-    <p:sldId id="265" r:id="rId10"/>
-    <p:sldId id="266" r:id="rId11"/>
+    <p:sldId id="270" r:id="rId2"/>
+    <p:sldId id="256" r:id="rId3"/>
+    <p:sldId id="259" r:id="rId4"/>
+    <p:sldId id="258" r:id="rId5"/>
+    <p:sldId id="257" r:id="rId6"/>
+    <p:sldId id="271" r:id="rId7"/>
+    <p:sldId id="261" r:id="rId8"/>
+    <p:sldId id="260" r:id="rId9"/>
+    <p:sldId id="262" r:id="rId10"/>
+    <p:sldId id="263" r:id="rId11"/>
+    <p:sldId id="265" r:id="rId12"/>
+    <p:sldId id="266" r:id="rId13"/>
+    <p:sldId id="272" r:id="rId14"/>
+    <p:sldId id="267" r:id="rId15"/>
+    <p:sldId id="268" r:id="rId16"/>
+    <p:sldId id="269" r:id="rId17"/>
+    <p:sldId id="273" r:id="rId18"/>
+    <p:sldId id="274" r:id="rId19"/>
+    <p:sldId id="275" r:id="rId20"/>
+    <p:sldId id="276" r:id="rId21"/>
+    <p:sldId id="277" r:id="rId22"/>
+    <p:sldId id="278" r:id="rId23"/>
   </p:sldIdLst>
   <p:sldSz cx="12192000" cy="6858000"/>
   <p:notesSz cx="6858000" cy="9144000"/>
@@ -270,7 +282,7 @@
           <a:p>
             <a:fld id="{02864A93-54B3-4EE9-BB0A-817031CA5E38}" type="datetimeFigureOut">
               <a:rPr lang="en-IL" smtClean="0"/>
-              <a:t>03/04/2025</a:t>
+              <a:t>05/04/2025</a:t>
             </a:fld>
             <a:endParaRPr lang="en-IL"/>
           </a:p>
@@ -470,7 +482,7 @@
           <a:p>
             <a:fld id="{02864A93-54B3-4EE9-BB0A-817031CA5E38}" type="datetimeFigureOut">
               <a:rPr lang="en-IL" smtClean="0"/>
-              <a:t>03/04/2025</a:t>
+              <a:t>05/04/2025</a:t>
             </a:fld>
             <a:endParaRPr lang="en-IL"/>
           </a:p>
@@ -680,7 +692,7 @@
           <a:p>
             <a:fld id="{02864A93-54B3-4EE9-BB0A-817031CA5E38}" type="datetimeFigureOut">
               <a:rPr lang="en-IL" smtClean="0"/>
-              <a:t>03/04/2025</a:t>
+              <a:t>05/04/2025</a:t>
             </a:fld>
             <a:endParaRPr lang="en-IL"/>
           </a:p>
@@ -880,7 +892,7 @@
           <a:p>
             <a:fld id="{02864A93-54B3-4EE9-BB0A-817031CA5E38}" type="datetimeFigureOut">
               <a:rPr lang="en-IL" smtClean="0"/>
-              <a:t>03/04/2025</a:t>
+              <a:t>05/04/2025</a:t>
             </a:fld>
             <a:endParaRPr lang="en-IL"/>
           </a:p>
@@ -1156,7 +1168,7 @@
           <a:p>
             <a:fld id="{02864A93-54B3-4EE9-BB0A-817031CA5E38}" type="datetimeFigureOut">
               <a:rPr lang="en-IL" smtClean="0"/>
-              <a:t>03/04/2025</a:t>
+              <a:t>05/04/2025</a:t>
             </a:fld>
             <a:endParaRPr lang="en-IL"/>
           </a:p>
@@ -1424,7 +1436,7 @@
           <a:p>
             <a:fld id="{02864A93-54B3-4EE9-BB0A-817031CA5E38}" type="datetimeFigureOut">
               <a:rPr lang="en-IL" smtClean="0"/>
-              <a:t>03/04/2025</a:t>
+              <a:t>05/04/2025</a:t>
             </a:fld>
             <a:endParaRPr lang="en-IL"/>
           </a:p>
@@ -1839,7 +1851,7 @@
           <a:p>
             <a:fld id="{02864A93-54B3-4EE9-BB0A-817031CA5E38}" type="datetimeFigureOut">
               <a:rPr lang="en-IL" smtClean="0"/>
-              <a:t>03/04/2025</a:t>
+              <a:t>05/04/2025</a:t>
             </a:fld>
             <a:endParaRPr lang="en-IL"/>
           </a:p>
@@ -1981,7 +1993,7 @@
           <a:p>
             <a:fld id="{02864A93-54B3-4EE9-BB0A-817031CA5E38}" type="datetimeFigureOut">
               <a:rPr lang="en-IL" smtClean="0"/>
-              <a:t>03/04/2025</a:t>
+              <a:t>05/04/2025</a:t>
             </a:fld>
             <a:endParaRPr lang="en-IL"/>
           </a:p>
@@ -2094,7 +2106,7 @@
           <a:p>
             <a:fld id="{02864A93-54B3-4EE9-BB0A-817031CA5E38}" type="datetimeFigureOut">
               <a:rPr lang="en-IL" smtClean="0"/>
-              <a:t>03/04/2025</a:t>
+              <a:t>05/04/2025</a:t>
             </a:fld>
             <a:endParaRPr lang="en-IL"/>
           </a:p>
@@ -2407,7 +2419,7 @@
           <a:p>
             <a:fld id="{02864A93-54B3-4EE9-BB0A-817031CA5E38}" type="datetimeFigureOut">
               <a:rPr lang="en-IL" smtClean="0"/>
-              <a:t>03/04/2025</a:t>
+              <a:t>05/04/2025</a:t>
             </a:fld>
             <a:endParaRPr lang="en-IL"/>
           </a:p>
@@ -2696,7 +2708,7 @@
           <a:p>
             <a:fld id="{02864A93-54B3-4EE9-BB0A-817031CA5E38}" type="datetimeFigureOut">
               <a:rPr lang="en-IL" smtClean="0"/>
-              <a:t>03/04/2025</a:t>
+              <a:t>05/04/2025</a:t>
             </a:fld>
             <a:endParaRPr lang="en-IL"/>
           </a:p>
@@ -2939,7 +2951,7 @@
           <a:p>
             <a:fld id="{02864A93-54B3-4EE9-BB0A-817031CA5E38}" type="datetimeFigureOut">
               <a:rPr lang="en-IL" smtClean="0"/>
-              <a:t>03/04/2025</a:t>
+              <a:t>05/04/2025</a:t>
             </a:fld>
             <a:endParaRPr lang="en-IL"/>
           </a:p>
@@ -3356,111 +3368,12 @@
           <a:chExt cx="0" cy="0"/>
         </a:xfrm>
       </p:grpSpPr>
-      <p:pic>
-        <p:nvPicPr>
-          <p:cNvPr id="6" name="Picture 5">
-            <a:extLst>
-              <a:ext uri="{FF2B5EF4-FFF2-40B4-BE49-F238E27FC236}">
-                <a16:creationId xmlns:a16="http://schemas.microsoft.com/office/drawing/2014/main" id="{7BD7E6B1-1EBE-194E-CA9D-E7CF5CBB0DC7}"/>
-              </a:ext>
-            </a:extLst>
-          </p:cNvPr>
-          <p:cNvPicPr>
-            <a:picLocks noChangeAspect="1"/>
-          </p:cNvPicPr>
-          <p:nvPr/>
-        </p:nvPicPr>
-        <p:blipFill>
-          <a:blip r:embed="rId2"/>
-          <a:stretch>
-            <a:fillRect/>
-          </a:stretch>
-        </p:blipFill>
-        <p:spPr>
-          <a:xfrm>
-            <a:off x="1873200" y="1437894"/>
-            <a:ext cx="9307528" cy="3153252"/>
-          </a:xfrm>
-          <a:prstGeom prst="rect">
-            <a:avLst/>
-          </a:prstGeom>
-        </p:spPr>
-      </p:pic>
-      <p:pic>
-        <p:nvPicPr>
-          <p:cNvPr id="13" name="Picture 12">
-            <a:extLst>
-              <a:ext uri="{FF2B5EF4-FFF2-40B4-BE49-F238E27FC236}">
-                <a16:creationId xmlns:a16="http://schemas.microsoft.com/office/drawing/2014/main" id="{52096EDF-F0EF-40DA-4DA8-444900B56743}"/>
-              </a:ext>
-            </a:extLst>
-          </p:cNvPr>
-          <p:cNvPicPr>
-            <a:picLocks noChangeAspect="1"/>
-          </p:cNvPicPr>
-          <p:nvPr/>
-        </p:nvPicPr>
-        <p:blipFill>
-          <a:blip r:embed="rId3"/>
-          <a:stretch>
-            <a:fillRect/>
-          </a:stretch>
-        </p:blipFill>
-        <p:spPr>
-          <a:xfrm>
-            <a:off x="1743075" y="2347379"/>
-            <a:ext cx="683971" cy="1447543"/>
-          </a:xfrm>
-          <a:prstGeom prst="rect">
-            <a:avLst/>
-          </a:prstGeom>
-        </p:spPr>
-      </p:pic>
-      <p:cxnSp>
-        <p:nvCxnSpPr>
-          <p:cNvPr id="15" name="Straight Arrow Connector 14">
-            <a:extLst>
-              <a:ext uri="{FF2B5EF4-FFF2-40B4-BE49-F238E27FC236}">
-                <a16:creationId xmlns:a16="http://schemas.microsoft.com/office/drawing/2014/main" id="{28C2E2C2-8E41-E724-9F91-1F104B1B8F53}"/>
-              </a:ext>
-            </a:extLst>
-          </p:cNvPr>
-          <p:cNvCxnSpPr/>
-          <p:nvPr/>
-        </p:nvCxnSpPr>
-        <p:spPr>
-          <a:xfrm>
-            <a:off x="2286000" y="3071150"/>
-            <a:ext cx="276225" cy="0"/>
-          </a:xfrm>
-          <a:prstGeom prst="straightConnector1">
-            <a:avLst/>
-          </a:prstGeom>
-          <a:ln>
-            <a:tailEnd type="triangle"/>
-          </a:ln>
-        </p:spPr>
-        <p:style>
-          <a:lnRef idx="2">
-            <a:schemeClr val="accent1"/>
-          </a:lnRef>
-          <a:fillRef idx="0">
-            <a:schemeClr val="accent1"/>
-          </a:fillRef>
-          <a:effectRef idx="1">
-            <a:schemeClr val="accent1"/>
-          </a:effectRef>
-          <a:fontRef idx="minor">
-            <a:schemeClr val="tx1"/>
-          </a:fontRef>
-        </p:style>
-      </p:cxnSp>
-      <p:sp>
-        <p:nvSpPr>
-          <p:cNvPr id="16" name="TextBox 15">
-            <a:extLst>
-              <a:ext uri="{FF2B5EF4-FFF2-40B4-BE49-F238E27FC236}">
-                <a16:creationId xmlns:a16="http://schemas.microsoft.com/office/drawing/2014/main" id="{045861E9-A9A8-709A-17B7-7835998DC630}"/>
+      <p:sp>
+        <p:nvSpPr>
+          <p:cNvPr id="4" name="TextBox 3">
+            <a:extLst>
+              <a:ext uri="{FF2B5EF4-FFF2-40B4-BE49-F238E27FC236}">
+                <a16:creationId xmlns:a16="http://schemas.microsoft.com/office/drawing/2014/main" id="{2312BDE2-86BE-C2F1-50BF-6E0EEC137595}"/>
               </a:ext>
             </a:extLst>
           </p:cNvPr>
@@ -3469,8 +3382,8 @@
         </p:nvSpPr>
         <p:spPr>
           <a:xfrm>
-            <a:off x="1683371" y="3671811"/>
-            <a:ext cx="718466" cy="246221"/>
+            <a:off x="6096000" y="2917371"/>
+            <a:ext cx="1354858" cy="1200329"/>
           </a:xfrm>
           <a:prstGeom prst="rect">
             <a:avLst/>
@@ -3484,1242 +3397,17 @@
           <a:lstStyle/>
           <a:p>
             <a:r>
-              <a:rPr lang="en-US" sz="1000" dirty="0"/>
-              <a:t>[1x28x28]</a:t>
-            </a:r>
-            <a:endParaRPr lang="en-IL" sz="1000" dirty="0"/>
-          </a:p>
-        </p:txBody>
-      </p:sp>
-      <p:sp>
-        <p:nvSpPr>
-          <p:cNvPr id="17" name="TextBox 16">
-            <a:extLst>
-              <a:ext uri="{FF2B5EF4-FFF2-40B4-BE49-F238E27FC236}">
-                <a16:creationId xmlns:a16="http://schemas.microsoft.com/office/drawing/2014/main" id="{F3E74EA6-3DA2-655D-DEE2-477767180869}"/>
-              </a:ext>
-            </a:extLst>
-          </p:cNvPr>
-          <p:cNvSpPr txBox="1"/>
-          <p:nvPr/>
-        </p:nvSpPr>
-        <p:spPr>
-          <a:xfrm>
-            <a:off x="1743075" y="2255046"/>
-            <a:ext cx="872355" cy="246221"/>
-          </a:xfrm>
-          <a:prstGeom prst="rect">
-            <a:avLst/>
-          </a:prstGeom>
-          <a:noFill/>
-        </p:spPr>
-        <p:txBody>
-          <a:bodyPr wrap="none" rtlCol="0">
-            <a:spAutoFit/>
-          </a:bodyPr>
-          <a:lstStyle/>
-          <a:p>
-            <a:r>
-              <a:rPr lang="en-US" sz="1000" b="1" dirty="0"/>
-              <a:t>Input image</a:t>
-            </a:r>
-            <a:endParaRPr lang="en-IL" sz="1000" b="1" dirty="0"/>
-          </a:p>
-        </p:txBody>
-      </p:sp>
-      <p:sp>
-        <p:nvSpPr>
-          <p:cNvPr id="19" name="TextBox 18">
-            <a:extLst>
-              <a:ext uri="{FF2B5EF4-FFF2-40B4-BE49-F238E27FC236}">
-                <a16:creationId xmlns:a16="http://schemas.microsoft.com/office/drawing/2014/main" id="{0FCCC738-A8D3-24DE-F55F-3BE65D3AAD1F}"/>
-              </a:ext>
-            </a:extLst>
-          </p:cNvPr>
-          <p:cNvSpPr txBox="1"/>
-          <p:nvPr/>
-        </p:nvSpPr>
-        <p:spPr>
-          <a:xfrm>
-            <a:off x="2661020" y="2255046"/>
-            <a:ext cx="829073" cy="246221"/>
-          </a:xfrm>
-          <a:prstGeom prst="rect">
-            <a:avLst/>
-          </a:prstGeom>
-          <a:noFill/>
-        </p:spPr>
-        <p:txBody>
-          <a:bodyPr wrap="none" rtlCol="0">
-            <a:spAutoFit/>
-          </a:bodyPr>
-          <a:lstStyle/>
-          <a:p>
-            <a:r>
-              <a:rPr lang="en-US" sz="1000" b="1" dirty="0"/>
-              <a:t>Conv Layer</a:t>
-            </a:r>
-            <a:endParaRPr lang="en-IL" sz="1000" b="1" dirty="0"/>
-          </a:p>
-        </p:txBody>
-      </p:sp>
-      <p:sp>
-        <p:nvSpPr>
-          <p:cNvPr id="20" name="TextBox 19">
-            <a:extLst>
-              <a:ext uri="{FF2B5EF4-FFF2-40B4-BE49-F238E27FC236}">
-                <a16:creationId xmlns:a16="http://schemas.microsoft.com/office/drawing/2014/main" id="{4FA186FE-E2D3-46F8-B833-227C913ECAD2}"/>
-              </a:ext>
-            </a:extLst>
-          </p:cNvPr>
-          <p:cNvSpPr txBox="1"/>
-          <p:nvPr/>
-        </p:nvSpPr>
-        <p:spPr>
-          <a:xfrm>
-            <a:off x="2591666" y="3648848"/>
-            <a:ext cx="1130438" cy="707886"/>
-          </a:xfrm>
-          <a:prstGeom prst="rect">
-            <a:avLst/>
-          </a:prstGeom>
-          <a:noFill/>
-        </p:spPr>
-        <p:txBody>
-          <a:bodyPr wrap="none" rtlCol="0">
-            <a:spAutoFit/>
-          </a:bodyPr>
-          <a:lstStyle/>
-          <a:p>
-            <a:r>
-              <a:rPr lang="en-US" sz="1000" dirty="0"/>
-              <a:t>In channels: 1</a:t>
-            </a:r>
-          </a:p>
-          <a:p>
-            <a:r>
-              <a:rPr lang="en-US" sz="1000" dirty="0"/>
-              <a:t>Out channels: 16</a:t>
-            </a:r>
-          </a:p>
-          <a:p>
-            <a:r>
-              <a:rPr lang="en-US" sz="1000" dirty="0"/>
-              <a:t>Kernel: 3x3</a:t>
-            </a:r>
-          </a:p>
-          <a:p>
-            <a:r>
-              <a:rPr lang="en-US" sz="1000" dirty="0"/>
-              <a:t>Padding: 1</a:t>
-            </a:r>
-          </a:p>
-        </p:txBody>
-      </p:sp>
-      <p:sp>
-        <p:nvSpPr>
-          <p:cNvPr id="21" name="TextBox 20">
-            <a:extLst>
-              <a:ext uri="{FF2B5EF4-FFF2-40B4-BE49-F238E27FC236}">
-                <a16:creationId xmlns:a16="http://schemas.microsoft.com/office/drawing/2014/main" id="{51D76F85-3FB0-1207-22BF-D2A85F9057D3}"/>
-              </a:ext>
-            </a:extLst>
-          </p:cNvPr>
-          <p:cNvSpPr txBox="1"/>
-          <p:nvPr/>
-        </p:nvSpPr>
-        <p:spPr>
-          <a:xfrm>
-            <a:off x="2635496" y="4339021"/>
-            <a:ext cx="585417" cy="246221"/>
-          </a:xfrm>
-          <a:prstGeom prst="rect">
-            <a:avLst/>
-          </a:prstGeom>
-          <a:noFill/>
-        </p:spPr>
-        <p:txBody>
-          <a:bodyPr wrap="none" rtlCol="0">
-            <a:spAutoFit/>
-          </a:bodyPr>
-          <a:lstStyle/>
-          <a:p>
-            <a:r>
-              <a:rPr lang="en-US" sz="1000" dirty="0"/>
-              <a:t>+ ReLu </a:t>
-            </a:r>
-            <a:endParaRPr lang="en-IL" sz="1000" dirty="0"/>
-          </a:p>
-        </p:txBody>
-      </p:sp>
-      <p:sp>
-        <p:nvSpPr>
-          <p:cNvPr id="22" name="TextBox 21">
-            <a:extLst>
-              <a:ext uri="{FF2B5EF4-FFF2-40B4-BE49-F238E27FC236}">
-                <a16:creationId xmlns:a16="http://schemas.microsoft.com/office/drawing/2014/main" id="{C17E53B6-74A4-75CB-2BEF-CD8827D1D1F0}"/>
-              </a:ext>
-            </a:extLst>
-          </p:cNvPr>
-          <p:cNvSpPr txBox="1"/>
-          <p:nvPr/>
-        </p:nvSpPr>
-        <p:spPr>
-          <a:xfrm>
-            <a:off x="3948930" y="2255046"/>
-            <a:ext cx="829073" cy="246221"/>
-          </a:xfrm>
-          <a:prstGeom prst="rect">
-            <a:avLst/>
-          </a:prstGeom>
-          <a:noFill/>
-        </p:spPr>
-        <p:txBody>
-          <a:bodyPr wrap="none" rtlCol="0">
-            <a:spAutoFit/>
-          </a:bodyPr>
-          <a:lstStyle/>
-          <a:p>
-            <a:r>
-              <a:rPr lang="en-US" sz="1000" b="1" dirty="0"/>
-              <a:t>Conv Layer</a:t>
-            </a:r>
-            <a:endParaRPr lang="en-IL" sz="1000" b="1" dirty="0"/>
-          </a:p>
-        </p:txBody>
-      </p:sp>
-      <p:sp>
-        <p:nvSpPr>
-          <p:cNvPr id="23" name="TextBox 22">
-            <a:extLst>
-              <a:ext uri="{FF2B5EF4-FFF2-40B4-BE49-F238E27FC236}">
-                <a16:creationId xmlns:a16="http://schemas.microsoft.com/office/drawing/2014/main" id="{42AFA903-BCCF-1AAA-B4FD-ABAD70C9754A}"/>
-              </a:ext>
-            </a:extLst>
-          </p:cNvPr>
-          <p:cNvSpPr txBox="1"/>
-          <p:nvPr/>
-        </p:nvSpPr>
-        <p:spPr>
-          <a:xfrm>
-            <a:off x="3785675" y="3648848"/>
-            <a:ext cx="1130438" cy="707886"/>
-          </a:xfrm>
-          <a:prstGeom prst="rect">
-            <a:avLst/>
-          </a:prstGeom>
-          <a:noFill/>
-        </p:spPr>
-        <p:txBody>
-          <a:bodyPr wrap="none" rtlCol="0">
-            <a:spAutoFit/>
-          </a:bodyPr>
-          <a:lstStyle/>
-          <a:p>
-            <a:r>
-              <a:rPr lang="en-US" sz="1000" dirty="0"/>
-              <a:t>In channels: 16</a:t>
-            </a:r>
-          </a:p>
-          <a:p>
-            <a:r>
-              <a:rPr lang="en-US" sz="1000" dirty="0"/>
-              <a:t>Out channels: 32</a:t>
-            </a:r>
-          </a:p>
-          <a:p>
-            <a:r>
-              <a:rPr lang="en-US" sz="1000" dirty="0"/>
-              <a:t>Kernel: 3x3</a:t>
-            </a:r>
-          </a:p>
-          <a:p>
-            <a:r>
-              <a:rPr lang="en-US" sz="1000" dirty="0"/>
-              <a:t>Padding: 1</a:t>
-            </a:r>
-          </a:p>
-        </p:txBody>
-      </p:sp>
-      <p:sp>
-        <p:nvSpPr>
-          <p:cNvPr id="24" name="TextBox 23">
-            <a:extLst>
-              <a:ext uri="{FF2B5EF4-FFF2-40B4-BE49-F238E27FC236}">
-                <a16:creationId xmlns:a16="http://schemas.microsoft.com/office/drawing/2014/main" id="{76453293-6515-B261-D9FF-83DC10D0A36E}"/>
-              </a:ext>
-            </a:extLst>
-          </p:cNvPr>
-          <p:cNvSpPr txBox="1"/>
-          <p:nvPr/>
-        </p:nvSpPr>
-        <p:spPr>
-          <a:xfrm>
-            <a:off x="3829505" y="4348643"/>
-            <a:ext cx="585417" cy="246221"/>
-          </a:xfrm>
-          <a:prstGeom prst="rect">
-            <a:avLst/>
-          </a:prstGeom>
-          <a:noFill/>
-        </p:spPr>
-        <p:txBody>
-          <a:bodyPr wrap="none" rtlCol="0">
-            <a:spAutoFit/>
-          </a:bodyPr>
-          <a:lstStyle/>
-          <a:p>
-            <a:r>
-              <a:rPr lang="en-US" sz="1000" dirty="0"/>
-              <a:t>+ ReLu </a:t>
-            </a:r>
-            <a:endParaRPr lang="en-IL" sz="1000" dirty="0"/>
-          </a:p>
-        </p:txBody>
-      </p:sp>
-      <p:sp>
-        <p:nvSpPr>
-          <p:cNvPr id="25" name="TextBox 24">
-            <a:extLst>
-              <a:ext uri="{FF2B5EF4-FFF2-40B4-BE49-F238E27FC236}">
-                <a16:creationId xmlns:a16="http://schemas.microsoft.com/office/drawing/2014/main" id="{A5BC6359-4B52-CA4D-39A9-56DCAE3A58EA}"/>
-              </a:ext>
-            </a:extLst>
-          </p:cNvPr>
-          <p:cNvSpPr txBox="1"/>
-          <p:nvPr/>
-        </p:nvSpPr>
-        <p:spPr>
-          <a:xfrm>
-            <a:off x="2615430" y="4564771"/>
-            <a:ext cx="787395" cy="400110"/>
-          </a:xfrm>
-          <a:prstGeom prst="rect">
-            <a:avLst/>
-          </a:prstGeom>
-          <a:noFill/>
-        </p:spPr>
-        <p:txBody>
-          <a:bodyPr wrap="none" rtlCol="0">
-            <a:spAutoFit/>
-          </a:bodyPr>
-          <a:lstStyle/>
-          <a:p>
-            <a:r>
-              <a:rPr lang="en-US" sz="1000" dirty="0"/>
-              <a:t>Output:</a:t>
-            </a:r>
-          </a:p>
-          <a:p>
-            <a:r>
-              <a:rPr lang="en-US" sz="1000" dirty="0"/>
-              <a:t>[16x28x28]</a:t>
-            </a:r>
-            <a:endParaRPr lang="en-IL" sz="1000" dirty="0"/>
-          </a:p>
-        </p:txBody>
-      </p:sp>
-      <p:sp>
-        <p:nvSpPr>
-          <p:cNvPr id="26" name="TextBox 25">
-            <a:extLst>
-              <a:ext uri="{FF2B5EF4-FFF2-40B4-BE49-F238E27FC236}">
-                <a16:creationId xmlns:a16="http://schemas.microsoft.com/office/drawing/2014/main" id="{ADD112E5-8D1B-A78B-79C0-6D3272566ED0}"/>
-              </a:ext>
-            </a:extLst>
-          </p:cNvPr>
-          <p:cNvSpPr txBox="1"/>
-          <p:nvPr/>
-        </p:nvSpPr>
-        <p:spPr>
-          <a:xfrm>
-            <a:off x="3785675" y="4564771"/>
-            <a:ext cx="787395" cy="400110"/>
-          </a:xfrm>
-          <a:prstGeom prst="rect">
-            <a:avLst/>
-          </a:prstGeom>
-          <a:noFill/>
-        </p:spPr>
-        <p:txBody>
-          <a:bodyPr wrap="none" rtlCol="0">
-            <a:spAutoFit/>
-          </a:bodyPr>
-          <a:lstStyle/>
-          <a:p>
-            <a:r>
-              <a:rPr lang="en-US" sz="1000" dirty="0"/>
-              <a:t>Output:</a:t>
-            </a:r>
-          </a:p>
-          <a:p>
-            <a:r>
-              <a:rPr lang="en-US" sz="1000" dirty="0"/>
-              <a:t>[32x28x28]</a:t>
-            </a:r>
-            <a:endParaRPr lang="en-IL" sz="1000" dirty="0"/>
-          </a:p>
-        </p:txBody>
-      </p:sp>
-      <p:sp>
-        <p:nvSpPr>
-          <p:cNvPr id="27" name="TextBox 26">
-            <a:extLst>
-              <a:ext uri="{FF2B5EF4-FFF2-40B4-BE49-F238E27FC236}">
-                <a16:creationId xmlns:a16="http://schemas.microsoft.com/office/drawing/2014/main" id="{C5E89BFE-7E74-A2CD-33FC-F6F1ACDBDCAE}"/>
-              </a:ext>
-            </a:extLst>
-          </p:cNvPr>
-          <p:cNvSpPr txBox="1"/>
-          <p:nvPr/>
-        </p:nvSpPr>
-        <p:spPr>
-          <a:xfrm>
-            <a:off x="1550320" y="5733885"/>
-            <a:ext cx="1946367" cy="246221"/>
-          </a:xfrm>
-          <a:prstGeom prst="rect">
-            <a:avLst/>
-          </a:prstGeom>
-          <a:noFill/>
-        </p:spPr>
-        <p:txBody>
-          <a:bodyPr wrap="none" rtlCol="0">
-            <a:spAutoFit/>
-          </a:bodyPr>
-          <a:lstStyle/>
-          <a:p>
-            <a:r>
-              <a:rPr lang="en-US" sz="1000" dirty="0"/>
-              <a:t>* Sizes written in Pytorch format</a:t>
-            </a:r>
-            <a:endParaRPr lang="en-IL" sz="1000" dirty="0"/>
-          </a:p>
-        </p:txBody>
-      </p:sp>
-      <p:sp>
-        <p:nvSpPr>
-          <p:cNvPr id="28" name="TextBox 27">
-            <a:extLst>
-              <a:ext uri="{FF2B5EF4-FFF2-40B4-BE49-F238E27FC236}">
-                <a16:creationId xmlns:a16="http://schemas.microsoft.com/office/drawing/2014/main" id="{4B05258B-469C-6711-5DFC-E2B55990C839}"/>
-              </a:ext>
-            </a:extLst>
-          </p:cNvPr>
-          <p:cNvSpPr txBox="1"/>
-          <p:nvPr/>
-        </p:nvSpPr>
-        <p:spPr>
-          <a:xfrm>
-            <a:off x="5272650" y="2255045"/>
-            <a:ext cx="713657" cy="246221"/>
-          </a:xfrm>
-          <a:prstGeom prst="rect">
-            <a:avLst/>
-          </a:prstGeom>
-          <a:noFill/>
-        </p:spPr>
-        <p:txBody>
-          <a:bodyPr wrap="none" rtlCol="0">
-            <a:spAutoFit/>
-          </a:bodyPr>
-          <a:lstStyle/>
-          <a:p>
-            <a:r>
-              <a:rPr lang="en-US" sz="1000" b="1" dirty="0"/>
-              <a:t>Max Pool</a:t>
-            </a:r>
-            <a:endParaRPr lang="en-IL" sz="1000" b="1" dirty="0"/>
-          </a:p>
-        </p:txBody>
-      </p:sp>
-      <p:sp>
-        <p:nvSpPr>
-          <p:cNvPr id="29" name="TextBox 28">
-            <a:extLst>
-              <a:ext uri="{FF2B5EF4-FFF2-40B4-BE49-F238E27FC236}">
-                <a16:creationId xmlns:a16="http://schemas.microsoft.com/office/drawing/2014/main" id="{0D4636A7-EF10-94A1-1A4C-962B60B7FCE9}"/>
-              </a:ext>
-            </a:extLst>
-          </p:cNvPr>
-          <p:cNvSpPr txBox="1"/>
-          <p:nvPr/>
-        </p:nvSpPr>
-        <p:spPr>
-          <a:xfrm>
-            <a:off x="5221922" y="3594867"/>
-            <a:ext cx="795411" cy="400110"/>
-          </a:xfrm>
-          <a:prstGeom prst="rect">
-            <a:avLst/>
-          </a:prstGeom>
-          <a:noFill/>
-        </p:spPr>
-        <p:txBody>
-          <a:bodyPr wrap="none" rtlCol="0">
-            <a:spAutoFit/>
-          </a:bodyPr>
-          <a:lstStyle/>
-          <a:p>
-            <a:r>
-              <a:rPr lang="en-US" sz="1000" dirty="0"/>
-              <a:t>Kernel: 2x2</a:t>
-            </a:r>
-          </a:p>
-          <a:p>
-            <a:r>
-              <a:rPr lang="en-US" sz="1000" dirty="0"/>
-              <a:t>Stride: 2</a:t>
-            </a:r>
-          </a:p>
-        </p:txBody>
-      </p:sp>
-      <p:sp>
-        <p:nvSpPr>
-          <p:cNvPr id="30" name="TextBox 29">
-            <a:extLst>
-              <a:ext uri="{FF2B5EF4-FFF2-40B4-BE49-F238E27FC236}">
-                <a16:creationId xmlns:a16="http://schemas.microsoft.com/office/drawing/2014/main" id="{16C41FDA-2201-B250-FEB5-CABE8FD83E2B}"/>
-              </a:ext>
-            </a:extLst>
-          </p:cNvPr>
-          <p:cNvSpPr txBox="1"/>
-          <p:nvPr/>
-        </p:nvSpPr>
-        <p:spPr>
-          <a:xfrm>
-            <a:off x="6584926" y="2255045"/>
-            <a:ext cx="829073" cy="246221"/>
-          </a:xfrm>
-          <a:prstGeom prst="rect">
-            <a:avLst/>
-          </a:prstGeom>
-          <a:noFill/>
-        </p:spPr>
-        <p:txBody>
-          <a:bodyPr wrap="none" rtlCol="0">
-            <a:spAutoFit/>
-          </a:bodyPr>
-          <a:lstStyle/>
-          <a:p>
-            <a:r>
-              <a:rPr lang="en-US" sz="1000" b="1" dirty="0"/>
-              <a:t>Conv Layer</a:t>
-            </a:r>
-            <a:endParaRPr lang="en-IL" sz="1000" b="1" dirty="0"/>
-          </a:p>
-        </p:txBody>
-      </p:sp>
-      <p:sp>
-        <p:nvSpPr>
-          <p:cNvPr id="31" name="TextBox 30">
-            <a:extLst>
-              <a:ext uri="{FF2B5EF4-FFF2-40B4-BE49-F238E27FC236}">
-                <a16:creationId xmlns:a16="http://schemas.microsoft.com/office/drawing/2014/main" id="{FCA691D1-E3F8-7457-6F41-D7C7CBA5C725}"/>
-              </a:ext>
-            </a:extLst>
-          </p:cNvPr>
-          <p:cNvSpPr txBox="1"/>
-          <p:nvPr/>
-        </p:nvSpPr>
-        <p:spPr>
-          <a:xfrm>
-            <a:off x="6415931" y="3648848"/>
-            <a:ext cx="1130438" cy="707886"/>
-          </a:xfrm>
-          <a:prstGeom prst="rect">
-            <a:avLst/>
-          </a:prstGeom>
-          <a:noFill/>
-        </p:spPr>
-        <p:txBody>
-          <a:bodyPr wrap="none" rtlCol="0">
-            <a:spAutoFit/>
-          </a:bodyPr>
-          <a:lstStyle/>
-          <a:p>
-            <a:r>
-              <a:rPr lang="en-US" sz="1000" dirty="0"/>
-              <a:t>In channels: 32</a:t>
-            </a:r>
-          </a:p>
-          <a:p>
-            <a:r>
-              <a:rPr lang="en-US" sz="1000" dirty="0"/>
-              <a:t>Out channels: 64</a:t>
-            </a:r>
-          </a:p>
-          <a:p>
-            <a:r>
-              <a:rPr lang="en-US" sz="1000" dirty="0"/>
-              <a:t>Kernel: 3x3</a:t>
-            </a:r>
-          </a:p>
-          <a:p>
-            <a:r>
-              <a:rPr lang="en-US" sz="1000" dirty="0"/>
-              <a:t>Padding: 1</a:t>
-            </a:r>
-          </a:p>
-        </p:txBody>
-      </p:sp>
-      <p:sp>
-        <p:nvSpPr>
-          <p:cNvPr id="32" name="TextBox 31">
-            <a:extLst>
-              <a:ext uri="{FF2B5EF4-FFF2-40B4-BE49-F238E27FC236}">
-                <a16:creationId xmlns:a16="http://schemas.microsoft.com/office/drawing/2014/main" id="{23030C02-23CC-D3B2-7CD8-F1C1D8F49533}"/>
-              </a:ext>
-            </a:extLst>
-          </p:cNvPr>
-          <p:cNvSpPr txBox="1"/>
-          <p:nvPr/>
-        </p:nvSpPr>
-        <p:spPr>
-          <a:xfrm>
-            <a:off x="6459761" y="4348643"/>
-            <a:ext cx="585417" cy="246221"/>
-          </a:xfrm>
-          <a:prstGeom prst="rect">
-            <a:avLst/>
-          </a:prstGeom>
-          <a:noFill/>
-        </p:spPr>
-        <p:txBody>
-          <a:bodyPr wrap="none" rtlCol="0">
-            <a:spAutoFit/>
-          </a:bodyPr>
-          <a:lstStyle/>
-          <a:p>
-            <a:r>
-              <a:rPr lang="en-US" sz="1000" dirty="0"/>
-              <a:t>+ ReLu </a:t>
-            </a:r>
-            <a:endParaRPr lang="en-IL" sz="1000" dirty="0"/>
-          </a:p>
-        </p:txBody>
-      </p:sp>
-      <p:sp>
-        <p:nvSpPr>
-          <p:cNvPr id="33" name="TextBox 32">
-            <a:extLst>
-              <a:ext uri="{FF2B5EF4-FFF2-40B4-BE49-F238E27FC236}">
-                <a16:creationId xmlns:a16="http://schemas.microsoft.com/office/drawing/2014/main" id="{46AD72C2-F7E6-B1FD-E869-481E7CB38CE1}"/>
-              </a:ext>
-            </a:extLst>
-          </p:cNvPr>
-          <p:cNvSpPr txBox="1"/>
-          <p:nvPr/>
-        </p:nvSpPr>
-        <p:spPr>
-          <a:xfrm>
-            <a:off x="6415931" y="4564771"/>
-            <a:ext cx="787395" cy="400110"/>
-          </a:xfrm>
-          <a:prstGeom prst="rect">
-            <a:avLst/>
-          </a:prstGeom>
-          <a:noFill/>
-        </p:spPr>
-        <p:txBody>
-          <a:bodyPr wrap="none" rtlCol="0">
-            <a:spAutoFit/>
-          </a:bodyPr>
-          <a:lstStyle/>
-          <a:p>
-            <a:r>
-              <a:rPr lang="en-US" sz="1000" dirty="0"/>
-              <a:t>Output:</a:t>
-            </a:r>
-          </a:p>
-          <a:p>
-            <a:r>
-              <a:rPr lang="en-US" sz="1000" dirty="0"/>
-              <a:t>[64x28x28]</a:t>
-            </a:r>
-            <a:endParaRPr lang="en-IL" sz="1000" dirty="0"/>
-          </a:p>
-        </p:txBody>
-      </p:sp>
-      <p:sp>
-        <p:nvSpPr>
-          <p:cNvPr id="34" name="TextBox 33">
-            <a:extLst>
-              <a:ext uri="{FF2B5EF4-FFF2-40B4-BE49-F238E27FC236}">
-                <a16:creationId xmlns:a16="http://schemas.microsoft.com/office/drawing/2014/main" id="{1734DAB1-D604-A4AE-04BE-402FF107AD7E}"/>
-              </a:ext>
-            </a:extLst>
-          </p:cNvPr>
-          <p:cNvSpPr txBox="1"/>
-          <p:nvPr/>
-        </p:nvSpPr>
-        <p:spPr>
-          <a:xfrm>
-            <a:off x="5272650" y="4564771"/>
-            <a:ext cx="787395" cy="400110"/>
-          </a:xfrm>
-          <a:prstGeom prst="rect">
-            <a:avLst/>
-          </a:prstGeom>
-          <a:noFill/>
-        </p:spPr>
-        <p:txBody>
-          <a:bodyPr wrap="none" rtlCol="0">
-            <a:spAutoFit/>
-          </a:bodyPr>
-          <a:lstStyle/>
-          <a:p>
-            <a:r>
-              <a:rPr lang="en-US" sz="1000" dirty="0"/>
-              <a:t>Output:</a:t>
-            </a:r>
-          </a:p>
-          <a:p>
-            <a:r>
-              <a:rPr lang="en-US" sz="1000" dirty="0"/>
-              <a:t>[32x14x14]</a:t>
-            </a:r>
-            <a:endParaRPr lang="en-IL" sz="1000" dirty="0"/>
-          </a:p>
-        </p:txBody>
-      </p:sp>
-      <p:sp>
-        <p:nvSpPr>
-          <p:cNvPr id="36" name="TextBox 35">
-            <a:extLst>
-              <a:ext uri="{FF2B5EF4-FFF2-40B4-BE49-F238E27FC236}">
-                <a16:creationId xmlns:a16="http://schemas.microsoft.com/office/drawing/2014/main" id="{F760F29A-F46F-1412-0EA2-93246EAA607F}"/>
-              </a:ext>
-            </a:extLst>
-          </p:cNvPr>
-          <p:cNvSpPr txBox="1"/>
-          <p:nvPr/>
-        </p:nvSpPr>
-        <p:spPr>
-          <a:xfrm>
-            <a:off x="7888148" y="2255045"/>
-            <a:ext cx="713657" cy="246221"/>
-          </a:xfrm>
-          <a:prstGeom prst="rect">
-            <a:avLst/>
-          </a:prstGeom>
-          <a:noFill/>
-        </p:spPr>
-        <p:txBody>
-          <a:bodyPr wrap="none" rtlCol="0">
-            <a:spAutoFit/>
-          </a:bodyPr>
-          <a:lstStyle/>
-          <a:p>
-            <a:r>
-              <a:rPr lang="en-US" sz="1000" b="1" dirty="0"/>
-              <a:t>Max Pool</a:t>
-            </a:r>
-            <a:endParaRPr lang="en-IL" sz="1000" b="1" dirty="0"/>
-          </a:p>
-        </p:txBody>
-      </p:sp>
-      <p:sp>
-        <p:nvSpPr>
-          <p:cNvPr id="37" name="TextBox 36">
-            <a:extLst>
-              <a:ext uri="{FF2B5EF4-FFF2-40B4-BE49-F238E27FC236}">
-                <a16:creationId xmlns:a16="http://schemas.microsoft.com/office/drawing/2014/main" id="{A8581C16-A3B5-C6AA-92BE-BF33DF657138}"/>
-              </a:ext>
-            </a:extLst>
-          </p:cNvPr>
-          <p:cNvSpPr txBox="1"/>
-          <p:nvPr/>
-        </p:nvSpPr>
-        <p:spPr>
-          <a:xfrm>
-            <a:off x="7876862" y="3879917"/>
-            <a:ext cx="795411" cy="400110"/>
-          </a:xfrm>
-          <a:prstGeom prst="rect">
-            <a:avLst/>
-          </a:prstGeom>
-          <a:noFill/>
-        </p:spPr>
-        <p:txBody>
-          <a:bodyPr wrap="none" rtlCol="0">
-            <a:spAutoFit/>
-          </a:bodyPr>
-          <a:lstStyle/>
-          <a:p>
-            <a:r>
-              <a:rPr lang="en-US" sz="1000" dirty="0"/>
-              <a:t>Kernel: 2x2</a:t>
-            </a:r>
-          </a:p>
-          <a:p>
-            <a:r>
-              <a:rPr lang="en-US" sz="1000" dirty="0"/>
-              <a:t>Stride: 2</a:t>
-            </a:r>
-          </a:p>
-        </p:txBody>
-      </p:sp>
-      <p:sp>
-        <p:nvSpPr>
-          <p:cNvPr id="38" name="TextBox 37">
-            <a:extLst>
-              <a:ext uri="{FF2B5EF4-FFF2-40B4-BE49-F238E27FC236}">
-                <a16:creationId xmlns:a16="http://schemas.microsoft.com/office/drawing/2014/main" id="{180A903F-8713-876E-B9F3-CFE5977EBE3D}"/>
-              </a:ext>
-            </a:extLst>
-          </p:cNvPr>
-          <p:cNvSpPr txBox="1"/>
-          <p:nvPr/>
-        </p:nvSpPr>
-        <p:spPr>
-          <a:xfrm>
-            <a:off x="7927590" y="4849821"/>
-            <a:ext cx="649537" cy="400110"/>
-          </a:xfrm>
-          <a:prstGeom prst="rect">
-            <a:avLst/>
-          </a:prstGeom>
-          <a:noFill/>
-        </p:spPr>
-        <p:txBody>
-          <a:bodyPr wrap="none" rtlCol="0">
-            <a:spAutoFit/>
-          </a:bodyPr>
-          <a:lstStyle/>
-          <a:p>
-            <a:r>
-              <a:rPr lang="en-US" sz="1000" dirty="0"/>
-              <a:t>Output:</a:t>
-            </a:r>
-          </a:p>
-          <a:p>
-            <a:r>
-              <a:rPr lang="en-US" sz="1000" dirty="0"/>
-              <a:t>[64x7x7]</a:t>
-            </a:r>
-            <a:endParaRPr lang="en-IL" sz="1000" dirty="0"/>
-          </a:p>
-        </p:txBody>
-      </p:sp>
-      <p:sp>
-        <p:nvSpPr>
-          <p:cNvPr id="39" name="TextBox 38">
-            <a:extLst>
-              <a:ext uri="{FF2B5EF4-FFF2-40B4-BE49-F238E27FC236}">
-                <a16:creationId xmlns:a16="http://schemas.microsoft.com/office/drawing/2014/main" id="{D4786D3B-34EE-C5DA-3CC3-1330A6F74ACE}"/>
-              </a:ext>
-            </a:extLst>
-          </p:cNvPr>
-          <p:cNvSpPr txBox="1"/>
-          <p:nvPr/>
-        </p:nvSpPr>
-        <p:spPr>
-          <a:xfrm>
-            <a:off x="9189720" y="2042160"/>
-            <a:ext cx="45719" cy="369332"/>
-          </a:xfrm>
-          <a:prstGeom prst="rect">
-            <a:avLst/>
-          </a:prstGeom>
-          <a:noFill/>
-        </p:spPr>
-        <p:txBody>
-          <a:bodyPr wrap="square" rtlCol="0">
-            <a:spAutoFit/>
-          </a:bodyPr>
-          <a:lstStyle/>
-          <a:p>
-            <a:endParaRPr lang="en-IL" dirty="0"/>
-          </a:p>
-        </p:txBody>
-      </p:sp>
-      <p:sp>
-        <p:nvSpPr>
-          <p:cNvPr id="40" name="TextBox 39">
-            <a:extLst>
-              <a:ext uri="{FF2B5EF4-FFF2-40B4-BE49-F238E27FC236}">
-                <a16:creationId xmlns:a16="http://schemas.microsoft.com/office/drawing/2014/main" id="{28FA4D08-BD68-C8A8-EE8C-B77251C09016}"/>
-              </a:ext>
-            </a:extLst>
-          </p:cNvPr>
-          <p:cNvSpPr txBox="1"/>
-          <p:nvPr/>
-        </p:nvSpPr>
-        <p:spPr>
-          <a:xfrm>
-            <a:off x="8855686" y="1915331"/>
-            <a:ext cx="546945" cy="246221"/>
-          </a:xfrm>
-          <a:prstGeom prst="rect">
-            <a:avLst/>
-          </a:prstGeom>
-          <a:noFill/>
-        </p:spPr>
-        <p:txBody>
-          <a:bodyPr wrap="none" rtlCol="0">
-            <a:spAutoFit/>
-          </a:bodyPr>
-          <a:lstStyle/>
-          <a:p>
-            <a:r>
-              <a:rPr lang="en-US" sz="1000" b="1" dirty="0"/>
-              <a:t>Linear</a:t>
-            </a:r>
-            <a:endParaRPr lang="en-IL" sz="1000" b="1" dirty="0"/>
-          </a:p>
-        </p:txBody>
-      </p:sp>
-      <p:sp>
-        <p:nvSpPr>
-          <p:cNvPr id="41" name="TextBox 40">
-            <a:extLst>
-              <a:ext uri="{FF2B5EF4-FFF2-40B4-BE49-F238E27FC236}">
-                <a16:creationId xmlns:a16="http://schemas.microsoft.com/office/drawing/2014/main" id="{1BFAC343-DFD2-F1EE-5D40-502E00F23D9A}"/>
-              </a:ext>
-            </a:extLst>
-          </p:cNvPr>
-          <p:cNvSpPr txBox="1"/>
-          <p:nvPr/>
-        </p:nvSpPr>
-        <p:spPr>
-          <a:xfrm>
-            <a:off x="8525292" y="4306128"/>
-            <a:ext cx="1175322" cy="400110"/>
-          </a:xfrm>
-          <a:prstGeom prst="rect">
-            <a:avLst/>
-          </a:prstGeom>
-          <a:noFill/>
-        </p:spPr>
-        <p:txBody>
-          <a:bodyPr wrap="none" rtlCol="0">
-            <a:spAutoFit/>
-          </a:bodyPr>
-          <a:lstStyle/>
-          <a:p>
-            <a:r>
-              <a:rPr lang="en-US" sz="1000" dirty="0"/>
-              <a:t>In features: 3136</a:t>
-            </a:r>
-          </a:p>
-          <a:p>
-            <a:r>
-              <a:rPr lang="en-US" sz="1000" dirty="0"/>
-              <a:t>Out features : 300</a:t>
-            </a:r>
-          </a:p>
-        </p:txBody>
-      </p:sp>
-      <p:sp>
-        <p:nvSpPr>
-          <p:cNvPr id="42" name="TextBox 41">
-            <a:extLst>
-              <a:ext uri="{FF2B5EF4-FFF2-40B4-BE49-F238E27FC236}">
-                <a16:creationId xmlns:a16="http://schemas.microsoft.com/office/drawing/2014/main" id="{440588BD-C5B8-807E-A547-102C76FD300C}"/>
-              </a:ext>
-            </a:extLst>
-          </p:cNvPr>
-          <p:cNvSpPr txBox="1"/>
-          <p:nvPr/>
-        </p:nvSpPr>
-        <p:spPr>
-          <a:xfrm>
-            <a:off x="9517438" y="2213967"/>
-            <a:ext cx="546945" cy="246221"/>
-          </a:xfrm>
-          <a:prstGeom prst="rect">
-            <a:avLst/>
-          </a:prstGeom>
-          <a:noFill/>
-        </p:spPr>
-        <p:txBody>
-          <a:bodyPr wrap="none" rtlCol="0">
-            <a:spAutoFit/>
-          </a:bodyPr>
-          <a:lstStyle/>
-          <a:p>
-            <a:r>
-              <a:rPr lang="en-US" sz="1000" b="1" dirty="0"/>
-              <a:t>Linear</a:t>
-            </a:r>
-            <a:endParaRPr lang="en-IL" sz="1000" b="1" dirty="0"/>
-          </a:p>
-        </p:txBody>
-      </p:sp>
-      <p:sp>
-        <p:nvSpPr>
-          <p:cNvPr id="43" name="TextBox 42">
-            <a:extLst>
-              <a:ext uri="{FF2B5EF4-FFF2-40B4-BE49-F238E27FC236}">
-                <a16:creationId xmlns:a16="http://schemas.microsoft.com/office/drawing/2014/main" id="{068CD701-D0DE-6A55-604F-CE07E489F306}"/>
-              </a:ext>
-            </a:extLst>
-          </p:cNvPr>
-          <p:cNvSpPr txBox="1"/>
-          <p:nvPr/>
-        </p:nvSpPr>
-        <p:spPr>
-          <a:xfrm>
-            <a:off x="9302782" y="3948533"/>
-            <a:ext cx="1106393" cy="400110"/>
-          </a:xfrm>
-          <a:prstGeom prst="rect">
-            <a:avLst/>
-          </a:prstGeom>
-          <a:noFill/>
-        </p:spPr>
-        <p:txBody>
-          <a:bodyPr wrap="none" rtlCol="0">
-            <a:spAutoFit/>
-          </a:bodyPr>
-          <a:lstStyle/>
-          <a:p>
-            <a:r>
-              <a:rPr lang="en-US" sz="1000" dirty="0"/>
-              <a:t>In features: 300</a:t>
-            </a:r>
-          </a:p>
-          <a:p>
-            <a:r>
-              <a:rPr lang="en-US" sz="1000" dirty="0"/>
-              <a:t>Out features : 10</a:t>
-            </a:r>
-          </a:p>
-        </p:txBody>
-      </p:sp>
-      <p:sp>
-        <p:nvSpPr>
-          <p:cNvPr id="44" name="TextBox 43">
-            <a:extLst>
-              <a:ext uri="{FF2B5EF4-FFF2-40B4-BE49-F238E27FC236}">
-                <a16:creationId xmlns:a16="http://schemas.microsoft.com/office/drawing/2014/main" id="{121E8E4C-FCD1-92E9-F636-E2B7ADB5DC3C}"/>
-              </a:ext>
-            </a:extLst>
-          </p:cNvPr>
-          <p:cNvSpPr txBox="1"/>
-          <p:nvPr/>
-        </p:nvSpPr>
-        <p:spPr>
-          <a:xfrm>
-            <a:off x="10064383" y="2641529"/>
-            <a:ext cx="938077" cy="246221"/>
-          </a:xfrm>
-          <a:prstGeom prst="rect">
-            <a:avLst/>
-          </a:prstGeom>
-          <a:noFill/>
-        </p:spPr>
-        <p:txBody>
-          <a:bodyPr wrap="none" rtlCol="0">
-            <a:spAutoFit/>
-          </a:bodyPr>
-          <a:lstStyle/>
-          <a:p>
-            <a:r>
-              <a:rPr lang="en-US" sz="1000" b="1" dirty="0"/>
-              <a:t>Output Layer</a:t>
-            </a:r>
-            <a:endParaRPr lang="en-IL" sz="1000" b="1" dirty="0"/>
-          </a:p>
-        </p:txBody>
-      </p:sp>
-      <p:sp>
-        <p:nvSpPr>
-          <p:cNvPr id="45" name="TextBox 44">
-            <a:extLst>
-              <a:ext uri="{FF2B5EF4-FFF2-40B4-BE49-F238E27FC236}">
-                <a16:creationId xmlns:a16="http://schemas.microsoft.com/office/drawing/2014/main" id="{0B322DA7-F549-A07B-4C34-E791D503EC11}"/>
-              </a:ext>
-            </a:extLst>
-          </p:cNvPr>
-          <p:cNvSpPr txBox="1"/>
-          <p:nvPr/>
-        </p:nvSpPr>
-        <p:spPr>
-          <a:xfrm>
-            <a:off x="10246377" y="3633696"/>
-            <a:ext cx="524503" cy="246221"/>
-          </a:xfrm>
-          <a:prstGeom prst="rect">
-            <a:avLst/>
-          </a:prstGeom>
-          <a:noFill/>
-        </p:spPr>
-        <p:txBody>
-          <a:bodyPr wrap="none" rtlCol="0">
-            <a:spAutoFit/>
-          </a:bodyPr>
-          <a:lstStyle/>
-          <a:p>
-            <a:r>
-              <a:rPr lang="en-US" sz="1000" dirty="0"/>
-              <a:t>[1x10]</a:t>
-            </a:r>
-            <a:endParaRPr lang="en-IL" sz="1000" dirty="0"/>
-          </a:p>
-        </p:txBody>
-      </p:sp>
-      <p:sp>
-        <p:nvSpPr>
-          <p:cNvPr id="48" name="TextBox 47">
-            <a:extLst>
-              <a:ext uri="{FF2B5EF4-FFF2-40B4-BE49-F238E27FC236}">
-                <a16:creationId xmlns:a16="http://schemas.microsoft.com/office/drawing/2014/main" id="{ACE8E1D2-1725-06CC-7393-88B502F446BA}"/>
-              </a:ext>
-            </a:extLst>
-          </p:cNvPr>
-          <p:cNvSpPr txBox="1"/>
-          <p:nvPr/>
-        </p:nvSpPr>
-        <p:spPr>
-          <a:xfrm>
-            <a:off x="8821221" y="4863778"/>
-            <a:ext cx="615874" cy="400110"/>
-          </a:xfrm>
-          <a:prstGeom prst="rect">
-            <a:avLst/>
-          </a:prstGeom>
-          <a:noFill/>
-        </p:spPr>
-        <p:txBody>
-          <a:bodyPr wrap="none" rtlCol="0">
-            <a:spAutoFit/>
-          </a:bodyPr>
-          <a:lstStyle/>
-          <a:p>
-            <a:r>
-              <a:rPr lang="en-US" sz="1000" dirty="0"/>
-              <a:t>Output:</a:t>
-            </a:r>
-          </a:p>
-          <a:p>
-            <a:r>
-              <a:rPr lang="en-US" sz="1000" dirty="0"/>
-              <a:t>[1x300]</a:t>
-            </a:r>
-            <a:endParaRPr lang="en-IL" sz="1000" dirty="0"/>
-          </a:p>
-        </p:txBody>
-      </p:sp>
-      <p:sp>
-        <p:nvSpPr>
-          <p:cNvPr id="49" name="TextBox 48">
-            <a:extLst>
-              <a:ext uri="{FF2B5EF4-FFF2-40B4-BE49-F238E27FC236}">
-                <a16:creationId xmlns:a16="http://schemas.microsoft.com/office/drawing/2014/main" id="{F0729AA5-E6DC-9917-0559-0726CD1A0CA7}"/>
-              </a:ext>
-            </a:extLst>
-          </p:cNvPr>
-          <p:cNvSpPr txBox="1"/>
-          <p:nvPr/>
-        </p:nvSpPr>
-        <p:spPr>
-          <a:xfrm>
-            <a:off x="9564865" y="4863778"/>
-            <a:ext cx="615874" cy="400110"/>
-          </a:xfrm>
-          <a:prstGeom prst="rect">
-            <a:avLst/>
-          </a:prstGeom>
-          <a:noFill/>
-        </p:spPr>
-        <p:txBody>
-          <a:bodyPr wrap="none" rtlCol="0">
-            <a:spAutoFit/>
-          </a:bodyPr>
-          <a:lstStyle/>
-          <a:p>
-            <a:r>
-              <a:rPr lang="en-US" sz="1000" dirty="0"/>
-              <a:t>Output:</a:t>
-            </a:r>
-          </a:p>
-          <a:p>
-            <a:r>
-              <a:rPr lang="en-US" sz="1000" dirty="0"/>
-              <a:t>[1x10]</a:t>
-            </a:r>
-            <a:endParaRPr lang="en-IL" sz="1000" dirty="0"/>
-          </a:p>
-        </p:txBody>
-      </p:sp>
-      <p:sp>
-        <p:nvSpPr>
-          <p:cNvPr id="50" name="TextBox 49">
-            <a:extLst>
-              <a:ext uri="{FF2B5EF4-FFF2-40B4-BE49-F238E27FC236}">
-                <a16:creationId xmlns:a16="http://schemas.microsoft.com/office/drawing/2014/main" id="{E0F80283-E181-006C-335E-53C00E6C95D0}"/>
-              </a:ext>
-            </a:extLst>
-          </p:cNvPr>
-          <p:cNvSpPr txBox="1"/>
-          <p:nvPr/>
-        </p:nvSpPr>
-        <p:spPr>
-          <a:xfrm>
-            <a:off x="8829148" y="4661898"/>
-            <a:ext cx="585417" cy="246221"/>
-          </a:xfrm>
-          <a:prstGeom prst="rect">
-            <a:avLst/>
-          </a:prstGeom>
-          <a:noFill/>
-        </p:spPr>
-        <p:txBody>
-          <a:bodyPr wrap="none" rtlCol="0">
-            <a:spAutoFit/>
-          </a:bodyPr>
-          <a:lstStyle/>
-          <a:p>
-            <a:r>
-              <a:rPr lang="en-US" sz="1000" dirty="0"/>
-              <a:t>+ ReLu </a:t>
-            </a:r>
-            <a:endParaRPr lang="en-IL" sz="1000" dirty="0"/>
-          </a:p>
-        </p:txBody>
-      </p:sp>
-      <p:sp>
-        <p:nvSpPr>
-          <p:cNvPr id="51" name="TextBox 50">
-            <a:extLst>
-              <a:ext uri="{FF2B5EF4-FFF2-40B4-BE49-F238E27FC236}">
-                <a16:creationId xmlns:a16="http://schemas.microsoft.com/office/drawing/2014/main" id="{D74EA98D-09AC-18D1-BEC5-974AF01BFF33}"/>
-              </a:ext>
-            </a:extLst>
-          </p:cNvPr>
-          <p:cNvSpPr txBox="1"/>
-          <p:nvPr/>
-        </p:nvSpPr>
-        <p:spPr>
-          <a:xfrm>
-            <a:off x="9544690" y="4411558"/>
-            <a:ext cx="761747" cy="246221"/>
-          </a:xfrm>
-          <a:prstGeom prst="rect">
-            <a:avLst/>
-          </a:prstGeom>
-          <a:noFill/>
-        </p:spPr>
-        <p:txBody>
-          <a:bodyPr wrap="none" rtlCol="0">
-            <a:spAutoFit/>
-          </a:bodyPr>
-          <a:lstStyle/>
-          <a:p>
-            <a:r>
-              <a:rPr lang="en-US" sz="1000" dirty="0"/>
-              <a:t>+ SoftMax </a:t>
-            </a:r>
-            <a:endParaRPr lang="en-IL" sz="1000" dirty="0"/>
+              <a:rPr lang="en-US" sz="7200" dirty="0"/>
+              <a:t>Q1</a:t>
+            </a:r>
+            <a:endParaRPr lang="en-IL" sz="7200" dirty="0"/>
           </a:p>
         </p:txBody>
       </p:sp>
     </p:spTree>
     <p:extLst>
       <p:ext uri="{BB962C8B-B14F-4D97-AF65-F5344CB8AC3E}">
-        <p14:creationId xmlns:p14="http://schemas.microsoft.com/office/powerpoint/2010/main" val="326524742"/>
+        <p14:creationId xmlns:p14="http://schemas.microsoft.com/office/powerpoint/2010/main" val="74748551"/>
       </p:ext>
     </p:extLst>
   </p:cSld>
@@ -4751,7 +3439,7 @@
           <p:cNvPr id="5" name="Picture 4">
             <a:extLst>
               <a:ext uri="{FF2B5EF4-FFF2-40B4-BE49-F238E27FC236}">
-                <a16:creationId xmlns:a16="http://schemas.microsoft.com/office/drawing/2014/main" id="{8ACD0F1D-337E-EE57-72D7-7026B2A2773E}"/>
+                <a16:creationId xmlns:a16="http://schemas.microsoft.com/office/drawing/2014/main" id="{A31A28AE-9097-3C7A-1BB3-C2454160DF85}"/>
               </a:ext>
             </a:extLst>
           </p:cNvPr>
@@ -4781,6 +3469,198 @@
           <p:cNvPr id="6" name="TextBox 5">
             <a:extLst>
               <a:ext uri="{FF2B5EF4-FFF2-40B4-BE49-F238E27FC236}">
+                <a16:creationId xmlns:a16="http://schemas.microsoft.com/office/drawing/2014/main" id="{830FC197-008C-2BE1-C576-499604F1EBE3}"/>
+              </a:ext>
+            </a:extLst>
+          </p:cNvPr>
+          <p:cNvSpPr txBox="1"/>
+          <p:nvPr/>
+        </p:nvSpPr>
+        <p:spPr>
+          <a:xfrm>
+            <a:off x="1892808" y="566928"/>
+            <a:ext cx="437940" cy="369332"/>
+          </a:xfrm>
+          <a:prstGeom prst="rect">
+            <a:avLst/>
+          </a:prstGeom>
+          <a:noFill/>
+        </p:spPr>
+        <p:txBody>
+          <a:bodyPr wrap="none" rtlCol="0">
+            <a:spAutoFit/>
+          </a:bodyPr>
+          <a:lstStyle/>
+          <a:p>
+            <a:r>
+              <a:rPr lang="en-US" dirty="0"/>
+              <a:t>q2</a:t>
+            </a:r>
+            <a:endParaRPr lang="en-IL" dirty="0"/>
+          </a:p>
+        </p:txBody>
+      </p:sp>
+    </p:spTree>
+    <p:extLst>
+      <p:ext uri="{BB962C8B-B14F-4D97-AF65-F5344CB8AC3E}">
+        <p14:creationId xmlns:p14="http://schemas.microsoft.com/office/powerpoint/2010/main" val="2671251749"/>
+      </p:ext>
+    </p:extLst>
+  </p:cSld>
+  <p:clrMapOvr>
+    <a:masterClrMapping/>
+  </p:clrMapOvr>
+</p:sld>
+</file>
+
+<file path=ppt/slides/slide11.xml><?xml version="1.0" encoding="utf-8"?>
+<p:sld xmlns:a="http://schemas.openxmlformats.org/drawingml/2006/main" xmlns:r="http://schemas.openxmlformats.org/officeDocument/2006/relationships" xmlns:p="http://schemas.openxmlformats.org/presentationml/2006/main">
+  <p:cSld>
+    <p:spTree>
+      <p:nvGrpSpPr>
+        <p:cNvPr id="1" name=""/>
+        <p:cNvGrpSpPr/>
+        <p:nvPr/>
+      </p:nvGrpSpPr>
+      <p:grpSpPr>
+        <a:xfrm>
+          <a:off x="0" y="0"/>
+          <a:ext cx="0" cy="0"/>
+          <a:chOff x="0" y="0"/>
+          <a:chExt cx="0" cy="0"/>
+        </a:xfrm>
+      </p:grpSpPr>
+      <p:sp>
+        <p:nvSpPr>
+          <p:cNvPr id="4" name="TextBox 3">
+            <a:extLst>
+              <a:ext uri="{FF2B5EF4-FFF2-40B4-BE49-F238E27FC236}">
+                <a16:creationId xmlns:a16="http://schemas.microsoft.com/office/drawing/2014/main" id="{C1398661-1654-0166-B5B9-09A829BBF066}"/>
+              </a:ext>
+            </a:extLst>
+          </p:cNvPr>
+          <p:cNvSpPr txBox="1"/>
+          <p:nvPr/>
+        </p:nvSpPr>
+        <p:spPr>
+          <a:xfrm>
+            <a:off x="1892808" y="566928"/>
+            <a:ext cx="437940" cy="369332"/>
+          </a:xfrm>
+          <a:prstGeom prst="rect">
+            <a:avLst/>
+          </a:prstGeom>
+          <a:noFill/>
+        </p:spPr>
+        <p:txBody>
+          <a:bodyPr wrap="none" rtlCol="0">
+            <a:spAutoFit/>
+          </a:bodyPr>
+          <a:lstStyle/>
+          <a:p>
+            <a:r>
+              <a:rPr lang="en-US" dirty="0"/>
+              <a:t>q2</a:t>
+            </a:r>
+            <a:endParaRPr lang="en-IL" dirty="0"/>
+          </a:p>
+        </p:txBody>
+      </p:sp>
+      <p:pic>
+        <p:nvPicPr>
+          <p:cNvPr id="6" name="Picture 5">
+            <a:extLst>
+              <a:ext uri="{FF2B5EF4-FFF2-40B4-BE49-F238E27FC236}">
+                <a16:creationId xmlns:a16="http://schemas.microsoft.com/office/drawing/2014/main" id="{BCDD23CE-66BD-7FB2-6E11-FF968A2195F9}"/>
+              </a:ext>
+            </a:extLst>
+          </p:cNvPr>
+          <p:cNvPicPr>
+            <a:picLocks noChangeAspect="1"/>
+          </p:cNvPicPr>
+          <p:nvPr/>
+        </p:nvPicPr>
+        <p:blipFill>
+          <a:blip r:embed="rId2"/>
+          <a:stretch>
+            <a:fillRect/>
+          </a:stretch>
+        </p:blipFill>
+        <p:spPr>
+          <a:xfrm>
+            <a:off x="2286000" y="1524000"/>
+            <a:ext cx="7620000" cy="3810000"/>
+          </a:xfrm>
+          <a:prstGeom prst="rect">
+            <a:avLst/>
+          </a:prstGeom>
+        </p:spPr>
+      </p:pic>
+    </p:spTree>
+    <p:extLst>
+      <p:ext uri="{BB962C8B-B14F-4D97-AF65-F5344CB8AC3E}">
+        <p14:creationId xmlns:p14="http://schemas.microsoft.com/office/powerpoint/2010/main" val="3143617862"/>
+      </p:ext>
+    </p:extLst>
+  </p:cSld>
+  <p:clrMapOvr>
+    <a:masterClrMapping/>
+  </p:clrMapOvr>
+</p:sld>
+</file>
+
+<file path=ppt/slides/slide12.xml><?xml version="1.0" encoding="utf-8"?>
+<p:sld xmlns:a="http://schemas.openxmlformats.org/drawingml/2006/main" xmlns:r="http://schemas.openxmlformats.org/officeDocument/2006/relationships" xmlns:p="http://schemas.openxmlformats.org/presentationml/2006/main">
+  <p:cSld>
+    <p:spTree>
+      <p:nvGrpSpPr>
+        <p:cNvPr id="1" name=""/>
+        <p:cNvGrpSpPr/>
+        <p:nvPr/>
+      </p:nvGrpSpPr>
+      <p:grpSpPr>
+        <a:xfrm>
+          <a:off x="0" y="0"/>
+          <a:ext cx="0" cy="0"/>
+          <a:chOff x="0" y="0"/>
+          <a:chExt cx="0" cy="0"/>
+        </a:xfrm>
+      </p:grpSpPr>
+      <p:pic>
+        <p:nvPicPr>
+          <p:cNvPr id="5" name="Picture 4">
+            <a:extLst>
+              <a:ext uri="{FF2B5EF4-FFF2-40B4-BE49-F238E27FC236}">
+                <a16:creationId xmlns:a16="http://schemas.microsoft.com/office/drawing/2014/main" id="{8ACD0F1D-337E-EE57-72D7-7026B2A2773E}"/>
+              </a:ext>
+            </a:extLst>
+          </p:cNvPr>
+          <p:cNvPicPr>
+            <a:picLocks noChangeAspect="1"/>
+          </p:cNvPicPr>
+          <p:nvPr/>
+        </p:nvPicPr>
+        <p:blipFill>
+          <a:blip r:embed="rId2"/>
+          <a:stretch>
+            <a:fillRect/>
+          </a:stretch>
+        </p:blipFill>
+        <p:spPr>
+          <a:xfrm>
+            <a:off x="2286000" y="1524000"/>
+            <a:ext cx="7620000" cy="3810000"/>
+          </a:xfrm>
+          <a:prstGeom prst="rect">
+            <a:avLst/>
+          </a:prstGeom>
+        </p:spPr>
+      </p:pic>
+      <p:sp>
+        <p:nvSpPr>
+          <p:cNvPr id="6" name="TextBox 5">
+            <a:extLst>
+              <a:ext uri="{FF2B5EF4-FFF2-40B4-BE49-F238E27FC236}">
                 <a16:creationId xmlns:a16="http://schemas.microsoft.com/office/drawing/2014/main" id="{380B0CAF-281B-B651-A05C-9EF1E6C6B8FC}"/>
               </a:ext>
             </a:extLst>
@@ -4816,6 +3696,800 @@
     <p:extLst>
       <p:ext uri="{BB962C8B-B14F-4D97-AF65-F5344CB8AC3E}">
         <p14:creationId xmlns:p14="http://schemas.microsoft.com/office/powerpoint/2010/main" val="2468771659"/>
+      </p:ext>
+    </p:extLst>
+  </p:cSld>
+  <p:clrMapOvr>
+    <a:masterClrMapping/>
+  </p:clrMapOvr>
+</p:sld>
+</file>
+
+<file path=ppt/slides/slide13.xml><?xml version="1.0" encoding="utf-8"?>
+<p:sld xmlns:a="http://schemas.openxmlformats.org/drawingml/2006/main" xmlns:r="http://schemas.openxmlformats.org/officeDocument/2006/relationships" xmlns:p="http://schemas.openxmlformats.org/presentationml/2006/main">
+  <p:cSld>
+    <p:spTree>
+      <p:nvGrpSpPr>
+        <p:cNvPr id="1" name=""/>
+        <p:cNvGrpSpPr/>
+        <p:nvPr/>
+      </p:nvGrpSpPr>
+      <p:grpSpPr>
+        <a:xfrm>
+          <a:off x="0" y="0"/>
+          <a:ext cx="0" cy="0"/>
+          <a:chOff x="0" y="0"/>
+          <a:chExt cx="0" cy="0"/>
+        </a:xfrm>
+      </p:grpSpPr>
+      <p:sp>
+        <p:nvSpPr>
+          <p:cNvPr id="4" name="TextBox 3">
+            <a:extLst>
+              <a:ext uri="{FF2B5EF4-FFF2-40B4-BE49-F238E27FC236}">
+                <a16:creationId xmlns:a16="http://schemas.microsoft.com/office/drawing/2014/main" id="{A4CC2D66-DDAE-CFAA-0FB0-8E656FE10C0C}"/>
+              </a:ext>
+            </a:extLst>
+          </p:cNvPr>
+          <p:cNvSpPr txBox="1"/>
+          <p:nvPr/>
+        </p:nvSpPr>
+        <p:spPr>
+          <a:xfrm>
+            <a:off x="6096000" y="2917371"/>
+            <a:ext cx="1354858" cy="1200329"/>
+          </a:xfrm>
+          <a:prstGeom prst="rect">
+            <a:avLst/>
+          </a:prstGeom>
+          <a:noFill/>
+        </p:spPr>
+        <p:txBody>
+          <a:bodyPr wrap="none" rtlCol="0">
+            <a:spAutoFit/>
+          </a:bodyPr>
+          <a:lstStyle/>
+          <a:p>
+            <a:r>
+              <a:rPr lang="en-US" sz="7200" dirty="0"/>
+              <a:t>Q3</a:t>
+            </a:r>
+            <a:endParaRPr lang="en-IL" sz="7200" dirty="0"/>
+          </a:p>
+        </p:txBody>
+      </p:sp>
+    </p:spTree>
+    <p:extLst>
+      <p:ext uri="{BB962C8B-B14F-4D97-AF65-F5344CB8AC3E}">
+        <p14:creationId xmlns:p14="http://schemas.microsoft.com/office/powerpoint/2010/main" val="2104505044"/>
+      </p:ext>
+    </p:extLst>
+  </p:cSld>
+  <p:clrMapOvr>
+    <a:masterClrMapping/>
+  </p:clrMapOvr>
+</p:sld>
+</file>
+
+<file path=ppt/slides/slide14.xml><?xml version="1.0" encoding="utf-8"?>
+<p:sld xmlns:a="http://schemas.openxmlformats.org/drawingml/2006/main" xmlns:r="http://schemas.openxmlformats.org/officeDocument/2006/relationships" xmlns:p="http://schemas.openxmlformats.org/presentationml/2006/main">
+  <p:cSld>
+    <p:spTree>
+      <p:nvGrpSpPr>
+        <p:cNvPr id="1" name=""/>
+        <p:cNvGrpSpPr/>
+        <p:nvPr/>
+      </p:nvGrpSpPr>
+      <p:grpSpPr>
+        <a:xfrm>
+          <a:off x="0" y="0"/>
+          <a:ext cx="0" cy="0"/>
+          <a:chOff x="0" y="0"/>
+          <a:chExt cx="0" cy="0"/>
+        </a:xfrm>
+      </p:grpSpPr>
+      <p:pic>
+        <p:nvPicPr>
+          <p:cNvPr id="5" name="Picture 4">
+            <a:extLst>
+              <a:ext uri="{FF2B5EF4-FFF2-40B4-BE49-F238E27FC236}">
+                <a16:creationId xmlns:a16="http://schemas.microsoft.com/office/drawing/2014/main" id="{643E4989-CC3A-A2BF-50D1-F6874941224E}"/>
+              </a:ext>
+            </a:extLst>
+          </p:cNvPr>
+          <p:cNvPicPr>
+            <a:picLocks noChangeAspect="1"/>
+          </p:cNvPicPr>
+          <p:nvPr/>
+        </p:nvPicPr>
+        <p:blipFill>
+          <a:blip r:embed="rId2"/>
+          <a:stretch>
+            <a:fillRect/>
+          </a:stretch>
+        </p:blipFill>
+        <p:spPr>
+          <a:xfrm>
+            <a:off x="3048000" y="1143000"/>
+            <a:ext cx="6096000" cy="4572000"/>
+          </a:xfrm>
+          <a:prstGeom prst="rect">
+            <a:avLst/>
+          </a:prstGeom>
+        </p:spPr>
+      </p:pic>
+      <p:cxnSp>
+        <p:nvCxnSpPr>
+          <p:cNvPr id="7" name="Straight Connector 6">
+            <a:extLst>
+              <a:ext uri="{FF2B5EF4-FFF2-40B4-BE49-F238E27FC236}">
+                <a16:creationId xmlns:a16="http://schemas.microsoft.com/office/drawing/2014/main" id="{D56D869B-4B54-FDDC-FBC2-95DBCFE8D5DA}"/>
+              </a:ext>
+            </a:extLst>
+          </p:cNvPr>
+          <p:cNvCxnSpPr>
+            <a:cxnSpLocks/>
+          </p:cNvCxnSpPr>
+          <p:nvPr/>
+        </p:nvCxnSpPr>
+        <p:spPr>
+          <a:xfrm>
+            <a:off x="8162925" y="4086225"/>
+            <a:ext cx="0" cy="1066800"/>
+          </a:xfrm>
+          <a:prstGeom prst="line">
+            <a:avLst/>
+          </a:prstGeom>
+          <a:ln>
+            <a:solidFill>
+              <a:srgbClr val="FF0000"/>
+            </a:solidFill>
+            <a:prstDash val="dash"/>
+          </a:ln>
+        </p:spPr>
+        <p:style>
+          <a:lnRef idx="2">
+            <a:schemeClr val="accent1"/>
+          </a:lnRef>
+          <a:fillRef idx="0">
+            <a:schemeClr val="accent1"/>
+          </a:fillRef>
+          <a:effectRef idx="1">
+            <a:schemeClr val="accent1"/>
+          </a:effectRef>
+          <a:fontRef idx="minor">
+            <a:schemeClr val="tx1"/>
+          </a:fontRef>
+        </p:style>
+      </p:cxnSp>
+      <p:sp>
+        <p:nvSpPr>
+          <p:cNvPr id="9" name="Star: 5 Points 8">
+            <a:extLst>
+              <a:ext uri="{FF2B5EF4-FFF2-40B4-BE49-F238E27FC236}">
+                <a16:creationId xmlns:a16="http://schemas.microsoft.com/office/drawing/2014/main" id="{B75F04AA-B3C7-B59A-DAE0-CFEAC1C6226F}"/>
+              </a:ext>
+            </a:extLst>
+          </p:cNvPr>
+          <p:cNvSpPr/>
+          <p:nvPr/>
+        </p:nvSpPr>
+        <p:spPr>
+          <a:xfrm>
+            <a:off x="7915275" y="3562350"/>
+            <a:ext cx="523875" cy="523875"/>
+          </a:xfrm>
+          <a:prstGeom prst="star5">
+            <a:avLst/>
+          </a:prstGeom>
+          <a:solidFill>
+            <a:srgbClr val="FF0000"/>
+          </a:solidFill>
+          <a:ln>
+            <a:noFill/>
+          </a:ln>
+        </p:spPr>
+        <p:style>
+          <a:lnRef idx="2">
+            <a:schemeClr val="accent1">
+              <a:shade val="15000"/>
+            </a:schemeClr>
+          </a:lnRef>
+          <a:fillRef idx="1">
+            <a:schemeClr val="accent1"/>
+          </a:fillRef>
+          <a:effectRef idx="0">
+            <a:schemeClr val="accent1"/>
+          </a:effectRef>
+          <a:fontRef idx="minor">
+            <a:schemeClr val="lt1"/>
+          </a:fontRef>
+        </p:style>
+        <p:txBody>
+          <a:bodyPr rtlCol="0" anchor="ctr"/>
+          <a:lstStyle/>
+          <a:p>
+            <a:pPr algn="ctr"/>
+            <a:endParaRPr lang="en-IL"/>
+          </a:p>
+        </p:txBody>
+      </p:sp>
+      <p:sp>
+        <p:nvSpPr>
+          <p:cNvPr id="10" name="TextBox 9">
+            <a:extLst>
+              <a:ext uri="{FF2B5EF4-FFF2-40B4-BE49-F238E27FC236}">
+                <a16:creationId xmlns:a16="http://schemas.microsoft.com/office/drawing/2014/main" id="{1E6927FA-58AD-5252-042D-BCEEF79DD6A6}"/>
+              </a:ext>
+            </a:extLst>
+          </p:cNvPr>
+          <p:cNvSpPr txBox="1"/>
+          <p:nvPr/>
+        </p:nvSpPr>
+        <p:spPr>
+          <a:xfrm>
+            <a:off x="7527707" y="3110984"/>
+            <a:ext cx="1299010" cy="369332"/>
+          </a:xfrm>
+          <a:prstGeom prst="rect">
+            <a:avLst/>
+          </a:prstGeom>
+          <a:noFill/>
+        </p:spPr>
+        <p:txBody>
+          <a:bodyPr wrap="none" rtlCol="0">
+            <a:spAutoFit/>
+          </a:bodyPr>
+          <a:lstStyle/>
+          <a:p>
+            <a:r>
+              <a:rPr lang="en-US" dirty="0">
+                <a:solidFill>
+                  <a:srgbClr val="FF0000"/>
+                </a:solidFill>
+              </a:rPr>
+              <a:t>Best Model</a:t>
+            </a:r>
+            <a:endParaRPr lang="en-IL" dirty="0">
+              <a:solidFill>
+                <a:srgbClr val="FF0000"/>
+              </a:solidFill>
+            </a:endParaRPr>
+          </a:p>
+        </p:txBody>
+      </p:sp>
+      <p:sp>
+        <p:nvSpPr>
+          <p:cNvPr id="11" name="TextBox 10">
+            <a:extLst>
+              <a:ext uri="{FF2B5EF4-FFF2-40B4-BE49-F238E27FC236}">
+                <a16:creationId xmlns:a16="http://schemas.microsoft.com/office/drawing/2014/main" id="{D4C12F40-5767-6DB0-4E98-1CE73FED6FBD}"/>
+              </a:ext>
+            </a:extLst>
+          </p:cNvPr>
+          <p:cNvSpPr txBox="1"/>
+          <p:nvPr/>
+        </p:nvSpPr>
+        <p:spPr>
+          <a:xfrm>
+            <a:off x="1892808" y="566928"/>
+            <a:ext cx="1759584" cy="369332"/>
+          </a:xfrm>
+          <a:prstGeom prst="rect">
+            <a:avLst/>
+          </a:prstGeom>
+          <a:noFill/>
+        </p:spPr>
+        <p:txBody>
+          <a:bodyPr wrap="none" rtlCol="0">
+            <a:spAutoFit/>
+          </a:bodyPr>
+          <a:lstStyle/>
+          <a:p>
+            <a:r>
+              <a:rPr lang="en-US" dirty="0"/>
+              <a:t>Q3-EARLY STOP</a:t>
+            </a:r>
+            <a:endParaRPr lang="en-IL" dirty="0"/>
+          </a:p>
+        </p:txBody>
+      </p:sp>
+    </p:spTree>
+    <p:extLst>
+      <p:ext uri="{BB962C8B-B14F-4D97-AF65-F5344CB8AC3E}">
+        <p14:creationId xmlns:p14="http://schemas.microsoft.com/office/powerpoint/2010/main" val="3290100791"/>
+      </p:ext>
+    </p:extLst>
+  </p:cSld>
+  <p:clrMapOvr>
+    <a:masterClrMapping/>
+  </p:clrMapOvr>
+</p:sld>
+</file>
+
+<file path=ppt/slides/slide15.xml><?xml version="1.0" encoding="utf-8"?>
+<p:sld xmlns:a="http://schemas.openxmlformats.org/drawingml/2006/main" xmlns:r="http://schemas.openxmlformats.org/officeDocument/2006/relationships" xmlns:p="http://schemas.openxmlformats.org/presentationml/2006/main">
+  <p:cSld>
+    <p:spTree>
+      <p:nvGrpSpPr>
+        <p:cNvPr id="1" name=""/>
+        <p:cNvGrpSpPr/>
+        <p:nvPr/>
+      </p:nvGrpSpPr>
+      <p:grpSpPr>
+        <a:xfrm>
+          <a:off x="0" y="0"/>
+          <a:ext cx="0" cy="0"/>
+          <a:chOff x="0" y="0"/>
+          <a:chExt cx="0" cy="0"/>
+        </a:xfrm>
+      </p:grpSpPr>
+      <p:pic>
+        <p:nvPicPr>
+          <p:cNvPr id="5" name="Picture 4">
+            <a:extLst>
+              <a:ext uri="{FF2B5EF4-FFF2-40B4-BE49-F238E27FC236}">
+                <a16:creationId xmlns:a16="http://schemas.microsoft.com/office/drawing/2014/main" id="{CA83FEF8-B471-5E60-4372-C3266C137178}"/>
+              </a:ext>
+            </a:extLst>
+          </p:cNvPr>
+          <p:cNvPicPr>
+            <a:picLocks noChangeAspect="1"/>
+          </p:cNvPicPr>
+          <p:nvPr/>
+        </p:nvPicPr>
+        <p:blipFill>
+          <a:blip r:embed="rId2"/>
+          <a:stretch>
+            <a:fillRect/>
+          </a:stretch>
+        </p:blipFill>
+        <p:spPr>
+          <a:xfrm>
+            <a:off x="3048000" y="1143000"/>
+            <a:ext cx="6096000" cy="4572000"/>
+          </a:xfrm>
+          <a:prstGeom prst="rect">
+            <a:avLst/>
+          </a:prstGeom>
+        </p:spPr>
+      </p:pic>
+      <p:sp>
+        <p:nvSpPr>
+          <p:cNvPr id="7" name="TextBox 6">
+            <a:extLst>
+              <a:ext uri="{FF2B5EF4-FFF2-40B4-BE49-F238E27FC236}">
+                <a16:creationId xmlns:a16="http://schemas.microsoft.com/office/drawing/2014/main" id="{6D5F83DC-C86E-2F69-6181-A6B92188964C}"/>
+              </a:ext>
+            </a:extLst>
+          </p:cNvPr>
+          <p:cNvSpPr txBox="1"/>
+          <p:nvPr/>
+        </p:nvSpPr>
+        <p:spPr>
+          <a:xfrm>
+            <a:off x="1892808" y="566928"/>
+            <a:ext cx="1759584" cy="369332"/>
+          </a:xfrm>
+          <a:prstGeom prst="rect">
+            <a:avLst/>
+          </a:prstGeom>
+          <a:noFill/>
+        </p:spPr>
+        <p:txBody>
+          <a:bodyPr wrap="none" rtlCol="0">
+            <a:spAutoFit/>
+          </a:bodyPr>
+          <a:lstStyle/>
+          <a:p>
+            <a:r>
+              <a:rPr lang="en-US" dirty="0"/>
+              <a:t>Q3-EARLY STOP</a:t>
+            </a:r>
+            <a:endParaRPr lang="en-IL" dirty="0"/>
+          </a:p>
+        </p:txBody>
+      </p:sp>
+    </p:spTree>
+    <p:extLst>
+      <p:ext uri="{BB962C8B-B14F-4D97-AF65-F5344CB8AC3E}">
+        <p14:creationId xmlns:p14="http://schemas.microsoft.com/office/powerpoint/2010/main" val="3878941367"/>
+      </p:ext>
+    </p:extLst>
+  </p:cSld>
+  <p:clrMapOvr>
+    <a:masterClrMapping/>
+  </p:clrMapOvr>
+</p:sld>
+</file>
+
+<file path=ppt/slides/slide16.xml><?xml version="1.0" encoding="utf-8"?>
+<p:sld xmlns:a="http://schemas.openxmlformats.org/drawingml/2006/main" xmlns:r="http://schemas.openxmlformats.org/officeDocument/2006/relationships" xmlns:p="http://schemas.openxmlformats.org/presentationml/2006/main">
+  <p:cSld>
+    <p:spTree>
+      <p:nvGrpSpPr>
+        <p:cNvPr id="1" name=""/>
+        <p:cNvGrpSpPr/>
+        <p:nvPr/>
+      </p:nvGrpSpPr>
+      <p:grpSpPr>
+        <a:xfrm>
+          <a:off x="0" y="0"/>
+          <a:ext cx="0" cy="0"/>
+          <a:chOff x="0" y="0"/>
+          <a:chExt cx="0" cy="0"/>
+        </a:xfrm>
+      </p:grpSpPr>
+      <p:pic>
+        <p:nvPicPr>
+          <p:cNvPr id="5" name="Picture 4">
+            <a:extLst>
+              <a:ext uri="{FF2B5EF4-FFF2-40B4-BE49-F238E27FC236}">
+                <a16:creationId xmlns:a16="http://schemas.microsoft.com/office/drawing/2014/main" id="{E26C3AB9-DCDA-5C8D-EF6B-6DAF1A5C442B}"/>
+              </a:ext>
+            </a:extLst>
+          </p:cNvPr>
+          <p:cNvPicPr>
+            <a:picLocks noChangeAspect="1"/>
+          </p:cNvPicPr>
+          <p:nvPr/>
+        </p:nvPicPr>
+        <p:blipFill>
+          <a:blip r:embed="rId2"/>
+          <a:stretch>
+            <a:fillRect/>
+          </a:stretch>
+        </p:blipFill>
+        <p:spPr>
+          <a:xfrm>
+            <a:off x="2286000" y="1047750"/>
+            <a:ext cx="7620000" cy="4762500"/>
+          </a:xfrm>
+          <a:prstGeom prst="rect">
+            <a:avLst/>
+          </a:prstGeom>
+        </p:spPr>
+      </p:pic>
+      <p:sp>
+        <p:nvSpPr>
+          <p:cNvPr id="7" name="TextBox 6">
+            <a:extLst>
+              <a:ext uri="{FF2B5EF4-FFF2-40B4-BE49-F238E27FC236}">
+                <a16:creationId xmlns:a16="http://schemas.microsoft.com/office/drawing/2014/main" id="{79BB73E6-8E56-4FA8-49C4-CC156586EF31}"/>
+              </a:ext>
+            </a:extLst>
+          </p:cNvPr>
+          <p:cNvSpPr txBox="1"/>
+          <p:nvPr/>
+        </p:nvSpPr>
+        <p:spPr>
+          <a:xfrm>
+            <a:off x="1892808" y="566928"/>
+            <a:ext cx="1759584" cy="369332"/>
+          </a:xfrm>
+          <a:prstGeom prst="rect">
+            <a:avLst/>
+          </a:prstGeom>
+          <a:noFill/>
+        </p:spPr>
+        <p:txBody>
+          <a:bodyPr wrap="none" rtlCol="0">
+            <a:spAutoFit/>
+          </a:bodyPr>
+          <a:lstStyle/>
+          <a:p>
+            <a:r>
+              <a:rPr lang="en-US" dirty="0"/>
+              <a:t>Q3-EARLY STOP</a:t>
+            </a:r>
+            <a:endParaRPr lang="en-IL" dirty="0"/>
+          </a:p>
+        </p:txBody>
+      </p:sp>
+    </p:spTree>
+    <p:extLst>
+      <p:ext uri="{BB962C8B-B14F-4D97-AF65-F5344CB8AC3E}">
+        <p14:creationId xmlns:p14="http://schemas.microsoft.com/office/powerpoint/2010/main" val="577061944"/>
+      </p:ext>
+    </p:extLst>
+  </p:cSld>
+  <p:clrMapOvr>
+    <a:masterClrMapping/>
+  </p:clrMapOvr>
+</p:sld>
+</file>
+
+<file path=ppt/slides/slide17.xml><?xml version="1.0" encoding="utf-8"?>
+<p:sld xmlns:a="http://schemas.openxmlformats.org/drawingml/2006/main" xmlns:r="http://schemas.openxmlformats.org/officeDocument/2006/relationships" xmlns:p="http://schemas.openxmlformats.org/presentationml/2006/main">
+  <p:cSld>
+    <p:spTree>
+      <p:nvGrpSpPr>
+        <p:cNvPr id="1" name=""/>
+        <p:cNvGrpSpPr/>
+        <p:nvPr/>
+      </p:nvGrpSpPr>
+      <p:grpSpPr>
+        <a:xfrm>
+          <a:off x="0" y="0"/>
+          <a:ext cx="0" cy="0"/>
+          <a:chOff x="0" y="0"/>
+          <a:chExt cx="0" cy="0"/>
+        </a:xfrm>
+      </p:grpSpPr>
+      <p:sp>
+        <p:nvSpPr>
+          <p:cNvPr id="4" name="TextBox 3">
+            <a:extLst>
+              <a:ext uri="{FF2B5EF4-FFF2-40B4-BE49-F238E27FC236}">
+                <a16:creationId xmlns:a16="http://schemas.microsoft.com/office/drawing/2014/main" id="{D4549716-B808-FB54-3D50-2244D9DC3F83}"/>
+              </a:ext>
+            </a:extLst>
+          </p:cNvPr>
+          <p:cNvSpPr txBox="1"/>
+          <p:nvPr/>
+        </p:nvSpPr>
+        <p:spPr>
+          <a:xfrm>
+            <a:off x="1892808" y="566928"/>
+            <a:ext cx="1345305" cy="369332"/>
+          </a:xfrm>
+          <a:prstGeom prst="rect">
+            <a:avLst/>
+          </a:prstGeom>
+          <a:noFill/>
+        </p:spPr>
+        <p:txBody>
+          <a:bodyPr wrap="none" rtlCol="0">
+            <a:spAutoFit/>
+          </a:bodyPr>
+          <a:lstStyle/>
+          <a:p>
+            <a:r>
+              <a:rPr lang="en-US" dirty="0"/>
+              <a:t>Q3-dropout</a:t>
+            </a:r>
+            <a:endParaRPr lang="en-IL" dirty="0"/>
+          </a:p>
+        </p:txBody>
+      </p:sp>
+      <p:pic>
+        <p:nvPicPr>
+          <p:cNvPr id="6" name="Picture 5">
+            <a:extLst>
+              <a:ext uri="{FF2B5EF4-FFF2-40B4-BE49-F238E27FC236}">
+                <a16:creationId xmlns:a16="http://schemas.microsoft.com/office/drawing/2014/main" id="{30CAFF54-60D7-BF41-E3DB-EA4224D04E9A}"/>
+              </a:ext>
+            </a:extLst>
+          </p:cNvPr>
+          <p:cNvPicPr>
+            <a:picLocks noChangeAspect="1"/>
+          </p:cNvPicPr>
+          <p:nvPr/>
+        </p:nvPicPr>
+        <p:blipFill>
+          <a:blip r:embed="rId2"/>
+          <a:stretch>
+            <a:fillRect/>
+          </a:stretch>
+        </p:blipFill>
+        <p:spPr>
+          <a:xfrm>
+            <a:off x="3048000" y="1143000"/>
+            <a:ext cx="6096000" cy="4572000"/>
+          </a:xfrm>
+          <a:prstGeom prst="rect">
+            <a:avLst/>
+          </a:prstGeom>
+        </p:spPr>
+      </p:pic>
+    </p:spTree>
+    <p:extLst>
+      <p:ext uri="{BB962C8B-B14F-4D97-AF65-F5344CB8AC3E}">
+        <p14:creationId xmlns:p14="http://schemas.microsoft.com/office/powerpoint/2010/main" val="3154099825"/>
+      </p:ext>
+    </p:extLst>
+  </p:cSld>
+  <p:clrMapOvr>
+    <a:masterClrMapping/>
+  </p:clrMapOvr>
+</p:sld>
+</file>
+
+<file path=ppt/slides/slide18.xml><?xml version="1.0" encoding="utf-8"?>
+<p:sld xmlns:a="http://schemas.openxmlformats.org/drawingml/2006/main" xmlns:r="http://schemas.openxmlformats.org/officeDocument/2006/relationships" xmlns:p="http://schemas.openxmlformats.org/presentationml/2006/main">
+  <p:cSld>
+    <p:spTree>
+      <p:nvGrpSpPr>
+        <p:cNvPr id="1" name="">
+          <a:extLst>
+            <a:ext uri="{FF2B5EF4-FFF2-40B4-BE49-F238E27FC236}">
+              <a16:creationId xmlns:a16="http://schemas.microsoft.com/office/drawing/2014/main" id="{4B6906AD-8DB2-12A1-E130-4D7FB1475FDB}"/>
+            </a:ext>
+          </a:extLst>
+        </p:cNvPr>
+        <p:cNvGrpSpPr/>
+        <p:nvPr/>
+      </p:nvGrpSpPr>
+      <p:grpSpPr>
+        <a:xfrm>
+          <a:off x="0" y="0"/>
+          <a:ext cx="0" cy="0"/>
+          <a:chOff x="0" y="0"/>
+          <a:chExt cx="0" cy="0"/>
+        </a:xfrm>
+      </p:grpSpPr>
+      <p:sp>
+        <p:nvSpPr>
+          <p:cNvPr id="4" name="TextBox 3">
+            <a:extLst>
+              <a:ext uri="{FF2B5EF4-FFF2-40B4-BE49-F238E27FC236}">
+                <a16:creationId xmlns:a16="http://schemas.microsoft.com/office/drawing/2014/main" id="{ABCAC7BF-73F4-8A45-D397-6F018C6ACBD1}"/>
+              </a:ext>
+            </a:extLst>
+          </p:cNvPr>
+          <p:cNvSpPr txBox="1"/>
+          <p:nvPr/>
+        </p:nvSpPr>
+        <p:spPr>
+          <a:xfrm>
+            <a:off x="1892808" y="566928"/>
+            <a:ext cx="1345305" cy="369332"/>
+          </a:xfrm>
+          <a:prstGeom prst="rect">
+            <a:avLst/>
+          </a:prstGeom>
+          <a:noFill/>
+        </p:spPr>
+        <p:txBody>
+          <a:bodyPr wrap="none" rtlCol="0">
+            <a:spAutoFit/>
+          </a:bodyPr>
+          <a:lstStyle/>
+          <a:p>
+            <a:r>
+              <a:rPr lang="en-US" dirty="0"/>
+              <a:t>Q3-dropout</a:t>
+            </a:r>
+            <a:endParaRPr lang="en-IL" dirty="0"/>
+          </a:p>
+        </p:txBody>
+      </p:sp>
+      <p:pic>
+        <p:nvPicPr>
+          <p:cNvPr id="3" name="Picture 2">
+            <a:extLst>
+              <a:ext uri="{FF2B5EF4-FFF2-40B4-BE49-F238E27FC236}">
+                <a16:creationId xmlns:a16="http://schemas.microsoft.com/office/drawing/2014/main" id="{835980A3-76C0-DE35-0EAD-6AF25B8CC959}"/>
+              </a:ext>
+            </a:extLst>
+          </p:cNvPr>
+          <p:cNvPicPr>
+            <a:picLocks noChangeAspect="1"/>
+          </p:cNvPicPr>
+          <p:nvPr/>
+        </p:nvPicPr>
+        <p:blipFill>
+          <a:blip r:embed="rId2"/>
+          <a:stretch>
+            <a:fillRect/>
+          </a:stretch>
+        </p:blipFill>
+        <p:spPr>
+          <a:xfrm>
+            <a:off x="2286000" y="1047750"/>
+            <a:ext cx="7620000" cy="4762500"/>
+          </a:xfrm>
+          <a:prstGeom prst="rect">
+            <a:avLst/>
+          </a:prstGeom>
+        </p:spPr>
+      </p:pic>
+    </p:spTree>
+    <p:extLst>
+      <p:ext uri="{BB962C8B-B14F-4D97-AF65-F5344CB8AC3E}">
+        <p14:creationId xmlns:p14="http://schemas.microsoft.com/office/powerpoint/2010/main" val="2911225600"/>
+      </p:ext>
+    </p:extLst>
+  </p:cSld>
+  <p:clrMapOvr>
+    <a:masterClrMapping/>
+  </p:clrMapOvr>
+</p:sld>
+</file>
+
+<file path=ppt/slides/slide19.xml><?xml version="1.0" encoding="utf-8"?>
+<p:sld xmlns:a="http://schemas.openxmlformats.org/drawingml/2006/main" xmlns:r="http://schemas.openxmlformats.org/officeDocument/2006/relationships" xmlns:p="http://schemas.openxmlformats.org/presentationml/2006/main">
+  <p:cSld>
+    <p:spTree>
+      <p:nvGrpSpPr>
+        <p:cNvPr id="1" name="">
+          <a:extLst>
+            <a:ext uri="{FF2B5EF4-FFF2-40B4-BE49-F238E27FC236}">
+              <a16:creationId xmlns:a16="http://schemas.microsoft.com/office/drawing/2014/main" id="{554E42AF-0EA3-789F-6EEF-085F1D5C53B4}"/>
+            </a:ext>
+          </a:extLst>
+        </p:cNvPr>
+        <p:cNvGrpSpPr/>
+        <p:nvPr/>
+      </p:nvGrpSpPr>
+      <p:grpSpPr>
+        <a:xfrm>
+          <a:off x="0" y="0"/>
+          <a:ext cx="0" cy="0"/>
+          <a:chOff x="0" y="0"/>
+          <a:chExt cx="0" cy="0"/>
+        </a:xfrm>
+      </p:grpSpPr>
+      <p:sp>
+        <p:nvSpPr>
+          <p:cNvPr id="4" name="TextBox 3">
+            <a:extLst>
+              <a:ext uri="{FF2B5EF4-FFF2-40B4-BE49-F238E27FC236}">
+                <a16:creationId xmlns:a16="http://schemas.microsoft.com/office/drawing/2014/main" id="{6B85FAD8-9855-15A4-8FD1-22DF5ACDE902}"/>
+              </a:ext>
+            </a:extLst>
+          </p:cNvPr>
+          <p:cNvSpPr txBox="1"/>
+          <p:nvPr/>
+        </p:nvSpPr>
+        <p:spPr>
+          <a:xfrm>
+            <a:off x="1892808" y="566928"/>
+            <a:ext cx="1345305" cy="369332"/>
+          </a:xfrm>
+          <a:prstGeom prst="rect">
+            <a:avLst/>
+          </a:prstGeom>
+          <a:noFill/>
+        </p:spPr>
+        <p:txBody>
+          <a:bodyPr wrap="none" rtlCol="0">
+            <a:spAutoFit/>
+          </a:bodyPr>
+          <a:lstStyle/>
+          <a:p>
+            <a:r>
+              <a:rPr lang="en-US" dirty="0"/>
+              <a:t>Q3-dropout</a:t>
+            </a:r>
+            <a:endParaRPr lang="en-IL" dirty="0"/>
+          </a:p>
+        </p:txBody>
+      </p:sp>
+      <p:pic>
+        <p:nvPicPr>
+          <p:cNvPr id="3" name="Picture 2">
+            <a:extLst>
+              <a:ext uri="{FF2B5EF4-FFF2-40B4-BE49-F238E27FC236}">
+                <a16:creationId xmlns:a16="http://schemas.microsoft.com/office/drawing/2014/main" id="{D2395AD8-613A-23EF-F4BF-4F0883D53700}"/>
+              </a:ext>
+            </a:extLst>
+          </p:cNvPr>
+          <p:cNvPicPr>
+            <a:picLocks noChangeAspect="1"/>
+          </p:cNvPicPr>
+          <p:nvPr/>
+        </p:nvPicPr>
+        <p:blipFill>
+          <a:blip r:embed="rId2"/>
+          <a:stretch>
+            <a:fillRect/>
+          </a:stretch>
+        </p:blipFill>
+        <p:spPr>
+          <a:xfrm>
+            <a:off x="3048000" y="1143000"/>
+            <a:ext cx="6096000" cy="4572000"/>
+          </a:xfrm>
+          <a:prstGeom prst="rect">
+            <a:avLst/>
+          </a:prstGeom>
+        </p:spPr>
+      </p:pic>
+    </p:spTree>
+    <p:extLst>
+      <p:ext uri="{BB962C8B-B14F-4D97-AF65-F5344CB8AC3E}">
+        <p14:creationId xmlns:p14="http://schemas.microsoft.com/office/powerpoint/2010/main" val="3562433116"/>
       </p:ext>
     </p:extLst>
   </p:cSld>
@@ -4844,45 +4518,109 @@
       </p:grpSpPr>
       <p:pic>
         <p:nvPicPr>
-          <p:cNvPr id="5" name="Content Placeholder 4" descr="A graph of a train&#10;&#10;AI-generated content may be incorrect.">
-            <a:extLst>
-              <a:ext uri="{FF2B5EF4-FFF2-40B4-BE49-F238E27FC236}">
-                <a16:creationId xmlns:a16="http://schemas.microsoft.com/office/drawing/2014/main" id="{DBD03F75-0BAC-FA1E-A1BF-7D11CF1F6E9C}"/>
+          <p:cNvPr id="6" name="Picture 5">
+            <a:extLst>
+              <a:ext uri="{FF2B5EF4-FFF2-40B4-BE49-F238E27FC236}">
+                <a16:creationId xmlns:a16="http://schemas.microsoft.com/office/drawing/2014/main" id="{7BD7E6B1-1EBE-194E-CA9D-E7CF5CBB0DC7}"/>
               </a:ext>
             </a:extLst>
           </p:cNvPr>
           <p:cNvPicPr>
-            <a:picLocks noGrp="1" noChangeAspect="1"/>
+            <a:picLocks noChangeAspect="1"/>
           </p:cNvPicPr>
-          <p:nvPr>
-            <p:ph idx="1"/>
-          </p:nvPr>
+          <p:nvPr/>
         </p:nvPicPr>
         <p:blipFill>
-          <a:blip r:embed="rId2">
-            <a:extLst>
-              <a:ext uri="{28A0092B-C50C-407E-A947-70E740481C1C}">
-                <a14:useLocalDpi xmlns:a14="http://schemas.microsoft.com/office/drawing/2010/main" val="0"/>
-              </a:ext>
-            </a:extLst>
-          </a:blip>
+          <a:blip r:embed="rId2"/>
           <a:stretch>
             <a:fillRect/>
           </a:stretch>
         </p:blipFill>
         <p:spPr>
           <a:xfrm>
-            <a:off x="3195108" y="1253331"/>
-            <a:ext cx="5801784" cy="4351338"/>
-          </a:xfrm>
+            <a:off x="1873200" y="1437894"/>
+            <a:ext cx="9307528" cy="3153252"/>
+          </a:xfrm>
+          <a:prstGeom prst="rect">
+            <a:avLst/>
+          </a:prstGeom>
         </p:spPr>
       </p:pic>
-      <p:sp>
-        <p:nvSpPr>
-          <p:cNvPr id="2" name="TextBox 1">
-            <a:extLst>
-              <a:ext uri="{FF2B5EF4-FFF2-40B4-BE49-F238E27FC236}">
-                <a16:creationId xmlns:a16="http://schemas.microsoft.com/office/drawing/2014/main" id="{843A37E2-0C72-5E5B-0B7A-0E065B1B3451}"/>
+      <p:pic>
+        <p:nvPicPr>
+          <p:cNvPr id="13" name="Picture 12">
+            <a:extLst>
+              <a:ext uri="{FF2B5EF4-FFF2-40B4-BE49-F238E27FC236}">
+                <a16:creationId xmlns:a16="http://schemas.microsoft.com/office/drawing/2014/main" id="{52096EDF-F0EF-40DA-4DA8-444900B56743}"/>
+              </a:ext>
+            </a:extLst>
+          </p:cNvPr>
+          <p:cNvPicPr>
+            <a:picLocks noChangeAspect="1"/>
+          </p:cNvPicPr>
+          <p:nvPr/>
+        </p:nvPicPr>
+        <p:blipFill>
+          <a:blip r:embed="rId3"/>
+          <a:stretch>
+            <a:fillRect/>
+          </a:stretch>
+        </p:blipFill>
+        <p:spPr>
+          <a:xfrm>
+            <a:off x="1743075" y="2347379"/>
+            <a:ext cx="683971" cy="1447543"/>
+          </a:xfrm>
+          <a:prstGeom prst="rect">
+            <a:avLst/>
+          </a:prstGeom>
+        </p:spPr>
+      </p:pic>
+      <p:cxnSp>
+        <p:nvCxnSpPr>
+          <p:cNvPr id="15" name="Straight Arrow Connector 14">
+            <a:extLst>
+              <a:ext uri="{FF2B5EF4-FFF2-40B4-BE49-F238E27FC236}">
+                <a16:creationId xmlns:a16="http://schemas.microsoft.com/office/drawing/2014/main" id="{28C2E2C2-8E41-E724-9F91-1F104B1B8F53}"/>
+              </a:ext>
+            </a:extLst>
+          </p:cNvPr>
+          <p:cNvCxnSpPr/>
+          <p:nvPr/>
+        </p:nvCxnSpPr>
+        <p:spPr>
+          <a:xfrm>
+            <a:off x="2286000" y="3071150"/>
+            <a:ext cx="276225" cy="0"/>
+          </a:xfrm>
+          <a:prstGeom prst="straightConnector1">
+            <a:avLst/>
+          </a:prstGeom>
+          <a:ln>
+            <a:tailEnd type="triangle"/>
+          </a:ln>
+        </p:spPr>
+        <p:style>
+          <a:lnRef idx="2">
+            <a:schemeClr val="accent1"/>
+          </a:lnRef>
+          <a:fillRef idx="0">
+            <a:schemeClr val="accent1"/>
+          </a:fillRef>
+          <a:effectRef idx="1">
+            <a:schemeClr val="accent1"/>
+          </a:effectRef>
+          <a:fontRef idx="minor">
+            <a:schemeClr val="tx1"/>
+          </a:fontRef>
+        </p:style>
+      </p:cxnSp>
+      <p:sp>
+        <p:nvSpPr>
+          <p:cNvPr id="16" name="TextBox 15">
+            <a:extLst>
+              <a:ext uri="{FF2B5EF4-FFF2-40B4-BE49-F238E27FC236}">
+                <a16:creationId xmlns:a16="http://schemas.microsoft.com/office/drawing/2014/main" id="{045861E9-A9A8-709A-17B7-7835998DC630}"/>
               </a:ext>
             </a:extLst>
           </p:cNvPr>
@@ -4891,8 +4629,8 @@
         </p:nvSpPr>
         <p:spPr>
           <a:xfrm>
-            <a:off x="1892808" y="566928"/>
-            <a:ext cx="437940" cy="369332"/>
+            <a:off x="1683371" y="3671811"/>
+            <a:ext cx="718466" cy="246221"/>
           </a:xfrm>
           <a:prstGeom prst="rect">
             <a:avLst/>
@@ -4906,17 +4644,1542 @@
           <a:lstStyle/>
           <a:p>
             <a:r>
-              <a:rPr lang="en-US" dirty="0"/>
-              <a:t>q1</a:t>
-            </a:r>
+              <a:rPr lang="en-US" sz="1000" dirty="0"/>
+              <a:t>[1x28x28]</a:t>
+            </a:r>
+            <a:endParaRPr lang="en-IL" sz="1000" dirty="0"/>
+          </a:p>
+        </p:txBody>
+      </p:sp>
+      <p:sp>
+        <p:nvSpPr>
+          <p:cNvPr id="17" name="TextBox 16">
+            <a:extLst>
+              <a:ext uri="{FF2B5EF4-FFF2-40B4-BE49-F238E27FC236}">
+                <a16:creationId xmlns:a16="http://schemas.microsoft.com/office/drawing/2014/main" id="{F3E74EA6-3DA2-655D-DEE2-477767180869}"/>
+              </a:ext>
+            </a:extLst>
+          </p:cNvPr>
+          <p:cNvSpPr txBox="1"/>
+          <p:nvPr/>
+        </p:nvSpPr>
+        <p:spPr>
+          <a:xfrm>
+            <a:off x="1743075" y="2255046"/>
+            <a:ext cx="872355" cy="246221"/>
+          </a:xfrm>
+          <a:prstGeom prst="rect">
+            <a:avLst/>
+          </a:prstGeom>
+          <a:noFill/>
+        </p:spPr>
+        <p:txBody>
+          <a:bodyPr wrap="none" rtlCol="0">
+            <a:spAutoFit/>
+          </a:bodyPr>
+          <a:lstStyle/>
+          <a:p>
+            <a:r>
+              <a:rPr lang="en-US" sz="1000" b="1" dirty="0"/>
+              <a:t>Input image</a:t>
+            </a:r>
+            <a:endParaRPr lang="en-IL" sz="1000" b="1" dirty="0"/>
+          </a:p>
+        </p:txBody>
+      </p:sp>
+      <p:sp>
+        <p:nvSpPr>
+          <p:cNvPr id="19" name="TextBox 18">
+            <a:extLst>
+              <a:ext uri="{FF2B5EF4-FFF2-40B4-BE49-F238E27FC236}">
+                <a16:creationId xmlns:a16="http://schemas.microsoft.com/office/drawing/2014/main" id="{0FCCC738-A8D3-24DE-F55F-3BE65D3AAD1F}"/>
+              </a:ext>
+            </a:extLst>
+          </p:cNvPr>
+          <p:cNvSpPr txBox="1"/>
+          <p:nvPr/>
+        </p:nvSpPr>
+        <p:spPr>
+          <a:xfrm>
+            <a:off x="2661020" y="2255046"/>
+            <a:ext cx="829073" cy="246221"/>
+          </a:xfrm>
+          <a:prstGeom prst="rect">
+            <a:avLst/>
+          </a:prstGeom>
+          <a:noFill/>
+        </p:spPr>
+        <p:txBody>
+          <a:bodyPr wrap="none" rtlCol="0">
+            <a:spAutoFit/>
+          </a:bodyPr>
+          <a:lstStyle/>
+          <a:p>
+            <a:r>
+              <a:rPr lang="en-US" sz="1000" b="1" dirty="0"/>
+              <a:t>Conv Layer</a:t>
+            </a:r>
+            <a:endParaRPr lang="en-IL" sz="1000" b="1" dirty="0"/>
+          </a:p>
+        </p:txBody>
+      </p:sp>
+      <p:sp>
+        <p:nvSpPr>
+          <p:cNvPr id="20" name="TextBox 19">
+            <a:extLst>
+              <a:ext uri="{FF2B5EF4-FFF2-40B4-BE49-F238E27FC236}">
+                <a16:creationId xmlns:a16="http://schemas.microsoft.com/office/drawing/2014/main" id="{4FA186FE-E2D3-46F8-B833-227C913ECAD2}"/>
+              </a:ext>
+            </a:extLst>
+          </p:cNvPr>
+          <p:cNvSpPr txBox="1"/>
+          <p:nvPr/>
+        </p:nvSpPr>
+        <p:spPr>
+          <a:xfrm>
+            <a:off x="2591666" y="3648848"/>
+            <a:ext cx="1130438" cy="707886"/>
+          </a:xfrm>
+          <a:prstGeom prst="rect">
+            <a:avLst/>
+          </a:prstGeom>
+          <a:noFill/>
+        </p:spPr>
+        <p:txBody>
+          <a:bodyPr wrap="none" rtlCol="0">
+            <a:spAutoFit/>
+          </a:bodyPr>
+          <a:lstStyle/>
+          <a:p>
+            <a:r>
+              <a:rPr lang="en-US" sz="1000" dirty="0"/>
+              <a:t>In channels: 1</a:t>
+            </a:r>
+          </a:p>
+          <a:p>
+            <a:r>
+              <a:rPr lang="en-US" sz="1000" dirty="0"/>
+              <a:t>Out channels: 16</a:t>
+            </a:r>
+          </a:p>
+          <a:p>
+            <a:r>
+              <a:rPr lang="en-US" sz="1000" dirty="0"/>
+              <a:t>Kernel: 3x3</a:t>
+            </a:r>
+          </a:p>
+          <a:p>
+            <a:r>
+              <a:rPr lang="en-US" sz="1000" dirty="0"/>
+              <a:t>Padding: 1</a:t>
+            </a:r>
+          </a:p>
+        </p:txBody>
+      </p:sp>
+      <p:sp>
+        <p:nvSpPr>
+          <p:cNvPr id="21" name="TextBox 20">
+            <a:extLst>
+              <a:ext uri="{FF2B5EF4-FFF2-40B4-BE49-F238E27FC236}">
+                <a16:creationId xmlns:a16="http://schemas.microsoft.com/office/drawing/2014/main" id="{51D76F85-3FB0-1207-22BF-D2A85F9057D3}"/>
+              </a:ext>
+            </a:extLst>
+          </p:cNvPr>
+          <p:cNvSpPr txBox="1"/>
+          <p:nvPr/>
+        </p:nvSpPr>
+        <p:spPr>
+          <a:xfrm>
+            <a:off x="2635496" y="4339021"/>
+            <a:ext cx="585417" cy="246221"/>
+          </a:xfrm>
+          <a:prstGeom prst="rect">
+            <a:avLst/>
+          </a:prstGeom>
+          <a:noFill/>
+        </p:spPr>
+        <p:txBody>
+          <a:bodyPr wrap="none" rtlCol="0">
+            <a:spAutoFit/>
+          </a:bodyPr>
+          <a:lstStyle/>
+          <a:p>
+            <a:r>
+              <a:rPr lang="en-US" sz="1000" dirty="0"/>
+              <a:t>+ ReLu </a:t>
+            </a:r>
+            <a:endParaRPr lang="en-IL" sz="1000" dirty="0"/>
+          </a:p>
+        </p:txBody>
+      </p:sp>
+      <p:sp>
+        <p:nvSpPr>
+          <p:cNvPr id="22" name="TextBox 21">
+            <a:extLst>
+              <a:ext uri="{FF2B5EF4-FFF2-40B4-BE49-F238E27FC236}">
+                <a16:creationId xmlns:a16="http://schemas.microsoft.com/office/drawing/2014/main" id="{C17E53B6-74A4-75CB-2BEF-CD8827D1D1F0}"/>
+              </a:ext>
+            </a:extLst>
+          </p:cNvPr>
+          <p:cNvSpPr txBox="1"/>
+          <p:nvPr/>
+        </p:nvSpPr>
+        <p:spPr>
+          <a:xfrm>
+            <a:off x="3948930" y="2255046"/>
+            <a:ext cx="829073" cy="246221"/>
+          </a:xfrm>
+          <a:prstGeom prst="rect">
+            <a:avLst/>
+          </a:prstGeom>
+          <a:noFill/>
+        </p:spPr>
+        <p:txBody>
+          <a:bodyPr wrap="none" rtlCol="0">
+            <a:spAutoFit/>
+          </a:bodyPr>
+          <a:lstStyle/>
+          <a:p>
+            <a:r>
+              <a:rPr lang="en-US" sz="1000" b="1" dirty="0"/>
+              <a:t>Conv Layer</a:t>
+            </a:r>
+            <a:endParaRPr lang="en-IL" sz="1000" b="1" dirty="0"/>
+          </a:p>
+        </p:txBody>
+      </p:sp>
+      <p:sp>
+        <p:nvSpPr>
+          <p:cNvPr id="23" name="TextBox 22">
+            <a:extLst>
+              <a:ext uri="{FF2B5EF4-FFF2-40B4-BE49-F238E27FC236}">
+                <a16:creationId xmlns:a16="http://schemas.microsoft.com/office/drawing/2014/main" id="{42AFA903-BCCF-1AAA-B4FD-ABAD70C9754A}"/>
+              </a:ext>
+            </a:extLst>
+          </p:cNvPr>
+          <p:cNvSpPr txBox="1"/>
+          <p:nvPr/>
+        </p:nvSpPr>
+        <p:spPr>
+          <a:xfrm>
+            <a:off x="3785675" y="3648848"/>
+            <a:ext cx="1130438" cy="707886"/>
+          </a:xfrm>
+          <a:prstGeom prst="rect">
+            <a:avLst/>
+          </a:prstGeom>
+          <a:noFill/>
+        </p:spPr>
+        <p:txBody>
+          <a:bodyPr wrap="none" rtlCol="0">
+            <a:spAutoFit/>
+          </a:bodyPr>
+          <a:lstStyle/>
+          <a:p>
+            <a:r>
+              <a:rPr lang="en-US" sz="1000" dirty="0"/>
+              <a:t>In channels: 16</a:t>
+            </a:r>
+          </a:p>
+          <a:p>
+            <a:r>
+              <a:rPr lang="en-US" sz="1000" dirty="0"/>
+              <a:t>Out channels: 32</a:t>
+            </a:r>
+          </a:p>
+          <a:p>
+            <a:r>
+              <a:rPr lang="en-US" sz="1000" dirty="0"/>
+              <a:t>Kernel: 3x3</a:t>
+            </a:r>
+          </a:p>
+          <a:p>
+            <a:r>
+              <a:rPr lang="en-US" sz="1000" dirty="0"/>
+              <a:t>Padding: 1</a:t>
+            </a:r>
+          </a:p>
+        </p:txBody>
+      </p:sp>
+      <p:sp>
+        <p:nvSpPr>
+          <p:cNvPr id="24" name="TextBox 23">
+            <a:extLst>
+              <a:ext uri="{FF2B5EF4-FFF2-40B4-BE49-F238E27FC236}">
+                <a16:creationId xmlns:a16="http://schemas.microsoft.com/office/drawing/2014/main" id="{76453293-6515-B261-D9FF-83DC10D0A36E}"/>
+              </a:ext>
+            </a:extLst>
+          </p:cNvPr>
+          <p:cNvSpPr txBox="1"/>
+          <p:nvPr/>
+        </p:nvSpPr>
+        <p:spPr>
+          <a:xfrm>
+            <a:off x="3829505" y="4348643"/>
+            <a:ext cx="585417" cy="246221"/>
+          </a:xfrm>
+          <a:prstGeom prst="rect">
+            <a:avLst/>
+          </a:prstGeom>
+          <a:noFill/>
+        </p:spPr>
+        <p:txBody>
+          <a:bodyPr wrap="none" rtlCol="0">
+            <a:spAutoFit/>
+          </a:bodyPr>
+          <a:lstStyle/>
+          <a:p>
+            <a:r>
+              <a:rPr lang="en-US" sz="1000" dirty="0"/>
+              <a:t>+ ReLu </a:t>
+            </a:r>
+            <a:endParaRPr lang="en-IL" sz="1000" dirty="0"/>
+          </a:p>
+        </p:txBody>
+      </p:sp>
+      <p:sp>
+        <p:nvSpPr>
+          <p:cNvPr id="25" name="TextBox 24">
+            <a:extLst>
+              <a:ext uri="{FF2B5EF4-FFF2-40B4-BE49-F238E27FC236}">
+                <a16:creationId xmlns:a16="http://schemas.microsoft.com/office/drawing/2014/main" id="{A5BC6359-4B52-CA4D-39A9-56DCAE3A58EA}"/>
+              </a:ext>
+            </a:extLst>
+          </p:cNvPr>
+          <p:cNvSpPr txBox="1"/>
+          <p:nvPr/>
+        </p:nvSpPr>
+        <p:spPr>
+          <a:xfrm>
+            <a:off x="2615430" y="4564771"/>
+            <a:ext cx="787395" cy="400110"/>
+          </a:xfrm>
+          <a:prstGeom prst="rect">
+            <a:avLst/>
+          </a:prstGeom>
+          <a:noFill/>
+        </p:spPr>
+        <p:txBody>
+          <a:bodyPr wrap="none" rtlCol="0">
+            <a:spAutoFit/>
+          </a:bodyPr>
+          <a:lstStyle/>
+          <a:p>
+            <a:r>
+              <a:rPr lang="en-US" sz="1000" dirty="0"/>
+              <a:t>Output:</a:t>
+            </a:r>
+          </a:p>
+          <a:p>
+            <a:r>
+              <a:rPr lang="en-US" sz="1000" dirty="0"/>
+              <a:t>[16x28x28]</a:t>
+            </a:r>
+            <a:endParaRPr lang="en-IL" sz="1000" dirty="0"/>
+          </a:p>
+        </p:txBody>
+      </p:sp>
+      <p:sp>
+        <p:nvSpPr>
+          <p:cNvPr id="26" name="TextBox 25">
+            <a:extLst>
+              <a:ext uri="{FF2B5EF4-FFF2-40B4-BE49-F238E27FC236}">
+                <a16:creationId xmlns:a16="http://schemas.microsoft.com/office/drawing/2014/main" id="{ADD112E5-8D1B-A78B-79C0-6D3272566ED0}"/>
+              </a:ext>
+            </a:extLst>
+          </p:cNvPr>
+          <p:cNvSpPr txBox="1"/>
+          <p:nvPr/>
+        </p:nvSpPr>
+        <p:spPr>
+          <a:xfrm>
+            <a:off x="3785675" y="4564771"/>
+            <a:ext cx="787395" cy="400110"/>
+          </a:xfrm>
+          <a:prstGeom prst="rect">
+            <a:avLst/>
+          </a:prstGeom>
+          <a:noFill/>
+        </p:spPr>
+        <p:txBody>
+          <a:bodyPr wrap="none" rtlCol="0">
+            <a:spAutoFit/>
+          </a:bodyPr>
+          <a:lstStyle/>
+          <a:p>
+            <a:r>
+              <a:rPr lang="en-US" sz="1000" dirty="0"/>
+              <a:t>Output:</a:t>
+            </a:r>
+          </a:p>
+          <a:p>
+            <a:r>
+              <a:rPr lang="en-US" sz="1000" dirty="0"/>
+              <a:t>[32x28x28]</a:t>
+            </a:r>
+            <a:endParaRPr lang="en-IL" sz="1000" dirty="0"/>
+          </a:p>
+        </p:txBody>
+      </p:sp>
+      <p:sp>
+        <p:nvSpPr>
+          <p:cNvPr id="27" name="TextBox 26">
+            <a:extLst>
+              <a:ext uri="{FF2B5EF4-FFF2-40B4-BE49-F238E27FC236}">
+                <a16:creationId xmlns:a16="http://schemas.microsoft.com/office/drawing/2014/main" id="{C5E89BFE-7E74-A2CD-33FC-F6F1ACDBDCAE}"/>
+              </a:ext>
+            </a:extLst>
+          </p:cNvPr>
+          <p:cNvSpPr txBox="1"/>
+          <p:nvPr/>
+        </p:nvSpPr>
+        <p:spPr>
+          <a:xfrm>
+            <a:off x="1550320" y="5733885"/>
+            <a:ext cx="1946367" cy="246221"/>
+          </a:xfrm>
+          <a:prstGeom prst="rect">
+            <a:avLst/>
+          </a:prstGeom>
+          <a:noFill/>
+        </p:spPr>
+        <p:txBody>
+          <a:bodyPr wrap="none" rtlCol="0">
+            <a:spAutoFit/>
+          </a:bodyPr>
+          <a:lstStyle/>
+          <a:p>
+            <a:r>
+              <a:rPr lang="en-US" sz="1000" dirty="0"/>
+              <a:t>* Sizes written in Pytorch format</a:t>
+            </a:r>
+            <a:endParaRPr lang="en-IL" sz="1000" dirty="0"/>
+          </a:p>
+        </p:txBody>
+      </p:sp>
+      <p:sp>
+        <p:nvSpPr>
+          <p:cNvPr id="28" name="TextBox 27">
+            <a:extLst>
+              <a:ext uri="{FF2B5EF4-FFF2-40B4-BE49-F238E27FC236}">
+                <a16:creationId xmlns:a16="http://schemas.microsoft.com/office/drawing/2014/main" id="{4B05258B-469C-6711-5DFC-E2B55990C839}"/>
+              </a:ext>
+            </a:extLst>
+          </p:cNvPr>
+          <p:cNvSpPr txBox="1"/>
+          <p:nvPr/>
+        </p:nvSpPr>
+        <p:spPr>
+          <a:xfrm>
+            <a:off x="5272650" y="2255045"/>
+            <a:ext cx="713657" cy="246221"/>
+          </a:xfrm>
+          <a:prstGeom prst="rect">
+            <a:avLst/>
+          </a:prstGeom>
+          <a:noFill/>
+        </p:spPr>
+        <p:txBody>
+          <a:bodyPr wrap="none" rtlCol="0">
+            <a:spAutoFit/>
+          </a:bodyPr>
+          <a:lstStyle/>
+          <a:p>
+            <a:r>
+              <a:rPr lang="en-US" sz="1000" b="1" dirty="0"/>
+              <a:t>Max Pool</a:t>
+            </a:r>
+            <a:endParaRPr lang="en-IL" sz="1000" b="1" dirty="0"/>
+          </a:p>
+        </p:txBody>
+      </p:sp>
+      <p:sp>
+        <p:nvSpPr>
+          <p:cNvPr id="29" name="TextBox 28">
+            <a:extLst>
+              <a:ext uri="{FF2B5EF4-FFF2-40B4-BE49-F238E27FC236}">
+                <a16:creationId xmlns:a16="http://schemas.microsoft.com/office/drawing/2014/main" id="{0D4636A7-EF10-94A1-1A4C-962B60B7FCE9}"/>
+              </a:ext>
+            </a:extLst>
+          </p:cNvPr>
+          <p:cNvSpPr txBox="1"/>
+          <p:nvPr/>
+        </p:nvSpPr>
+        <p:spPr>
+          <a:xfrm>
+            <a:off x="5221922" y="3594867"/>
+            <a:ext cx="795411" cy="400110"/>
+          </a:xfrm>
+          <a:prstGeom prst="rect">
+            <a:avLst/>
+          </a:prstGeom>
+          <a:noFill/>
+        </p:spPr>
+        <p:txBody>
+          <a:bodyPr wrap="none" rtlCol="0">
+            <a:spAutoFit/>
+          </a:bodyPr>
+          <a:lstStyle/>
+          <a:p>
+            <a:r>
+              <a:rPr lang="en-US" sz="1000" dirty="0"/>
+              <a:t>Kernel: 2x2</a:t>
+            </a:r>
+          </a:p>
+          <a:p>
+            <a:r>
+              <a:rPr lang="en-US" sz="1000" dirty="0"/>
+              <a:t>Stride: 2</a:t>
+            </a:r>
+          </a:p>
+        </p:txBody>
+      </p:sp>
+      <p:sp>
+        <p:nvSpPr>
+          <p:cNvPr id="30" name="TextBox 29">
+            <a:extLst>
+              <a:ext uri="{FF2B5EF4-FFF2-40B4-BE49-F238E27FC236}">
+                <a16:creationId xmlns:a16="http://schemas.microsoft.com/office/drawing/2014/main" id="{16C41FDA-2201-B250-FEB5-CABE8FD83E2B}"/>
+              </a:ext>
+            </a:extLst>
+          </p:cNvPr>
+          <p:cNvSpPr txBox="1"/>
+          <p:nvPr/>
+        </p:nvSpPr>
+        <p:spPr>
+          <a:xfrm>
+            <a:off x="6584926" y="2255045"/>
+            <a:ext cx="829073" cy="246221"/>
+          </a:xfrm>
+          <a:prstGeom prst="rect">
+            <a:avLst/>
+          </a:prstGeom>
+          <a:noFill/>
+        </p:spPr>
+        <p:txBody>
+          <a:bodyPr wrap="none" rtlCol="0">
+            <a:spAutoFit/>
+          </a:bodyPr>
+          <a:lstStyle/>
+          <a:p>
+            <a:r>
+              <a:rPr lang="en-US" sz="1000" b="1" dirty="0"/>
+              <a:t>Conv Layer</a:t>
+            </a:r>
+            <a:endParaRPr lang="en-IL" sz="1000" b="1" dirty="0"/>
+          </a:p>
+        </p:txBody>
+      </p:sp>
+      <p:sp>
+        <p:nvSpPr>
+          <p:cNvPr id="31" name="TextBox 30">
+            <a:extLst>
+              <a:ext uri="{FF2B5EF4-FFF2-40B4-BE49-F238E27FC236}">
+                <a16:creationId xmlns:a16="http://schemas.microsoft.com/office/drawing/2014/main" id="{FCA691D1-E3F8-7457-6F41-D7C7CBA5C725}"/>
+              </a:ext>
+            </a:extLst>
+          </p:cNvPr>
+          <p:cNvSpPr txBox="1"/>
+          <p:nvPr/>
+        </p:nvSpPr>
+        <p:spPr>
+          <a:xfrm>
+            <a:off x="6415931" y="3648848"/>
+            <a:ext cx="1130438" cy="707886"/>
+          </a:xfrm>
+          <a:prstGeom prst="rect">
+            <a:avLst/>
+          </a:prstGeom>
+          <a:noFill/>
+        </p:spPr>
+        <p:txBody>
+          <a:bodyPr wrap="none" rtlCol="0">
+            <a:spAutoFit/>
+          </a:bodyPr>
+          <a:lstStyle/>
+          <a:p>
+            <a:r>
+              <a:rPr lang="en-US" sz="1000" dirty="0"/>
+              <a:t>In channels: 32</a:t>
+            </a:r>
+          </a:p>
+          <a:p>
+            <a:r>
+              <a:rPr lang="en-US" sz="1000" dirty="0"/>
+              <a:t>Out channels: 64</a:t>
+            </a:r>
+          </a:p>
+          <a:p>
+            <a:r>
+              <a:rPr lang="en-US" sz="1000" dirty="0"/>
+              <a:t>Kernel: 3x3</a:t>
+            </a:r>
+          </a:p>
+          <a:p>
+            <a:r>
+              <a:rPr lang="en-US" sz="1000" dirty="0"/>
+              <a:t>Padding: 1</a:t>
+            </a:r>
+          </a:p>
+        </p:txBody>
+      </p:sp>
+      <p:sp>
+        <p:nvSpPr>
+          <p:cNvPr id="32" name="TextBox 31">
+            <a:extLst>
+              <a:ext uri="{FF2B5EF4-FFF2-40B4-BE49-F238E27FC236}">
+                <a16:creationId xmlns:a16="http://schemas.microsoft.com/office/drawing/2014/main" id="{23030C02-23CC-D3B2-7CD8-F1C1D8F49533}"/>
+              </a:ext>
+            </a:extLst>
+          </p:cNvPr>
+          <p:cNvSpPr txBox="1"/>
+          <p:nvPr/>
+        </p:nvSpPr>
+        <p:spPr>
+          <a:xfrm>
+            <a:off x="6459761" y="4348643"/>
+            <a:ext cx="585417" cy="246221"/>
+          </a:xfrm>
+          <a:prstGeom prst="rect">
+            <a:avLst/>
+          </a:prstGeom>
+          <a:noFill/>
+        </p:spPr>
+        <p:txBody>
+          <a:bodyPr wrap="none" rtlCol="0">
+            <a:spAutoFit/>
+          </a:bodyPr>
+          <a:lstStyle/>
+          <a:p>
+            <a:r>
+              <a:rPr lang="en-US" sz="1000" dirty="0"/>
+              <a:t>+ ReLu </a:t>
+            </a:r>
+            <a:endParaRPr lang="en-IL" sz="1000" dirty="0"/>
+          </a:p>
+        </p:txBody>
+      </p:sp>
+      <p:sp>
+        <p:nvSpPr>
+          <p:cNvPr id="33" name="TextBox 32">
+            <a:extLst>
+              <a:ext uri="{FF2B5EF4-FFF2-40B4-BE49-F238E27FC236}">
+                <a16:creationId xmlns:a16="http://schemas.microsoft.com/office/drawing/2014/main" id="{46AD72C2-F7E6-B1FD-E869-481E7CB38CE1}"/>
+              </a:ext>
+            </a:extLst>
+          </p:cNvPr>
+          <p:cNvSpPr txBox="1"/>
+          <p:nvPr/>
+        </p:nvSpPr>
+        <p:spPr>
+          <a:xfrm>
+            <a:off x="6415931" y="4564771"/>
+            <a:ext cx="787395" cy="400110"/>
+          </a:xfrm>
+          <a:prstGeom prst="rect">
+            <a:avLst/>
+          </a:prstGeom>
+          <a:noFill/>
+        </p:spPr>
+        <p:txBody>
+          <a:bodyPr wrap="none" rtlCol="0">
+            <a:spAutoFit/>
+          </a:bodyPr>
+          <a:lstStyle/>
+          <a:p>
+            <a:r>
+              <a:rPr lang="en-US" sz="1000" dirty="0"/>
+              <a:t>Output:</a:t>
+            </a:r>
+          </a:p>
+          <a:p>
+            <a:r>
+              <a:rPr lang="en-US" sz="1000" dirty="0"/>
+              <a:t>[64x28x28]</a:t>
+            </a:r>
+            <a:endParaRPr lang="en-IL" sz="1000" dirty="0"/>
+          </a:p>
+        </p:txBody>
+      </p:sp>
+      <p:sp>
+        <p:nvSpPr>
+          <p:cNvPr id="34" name="TextBox 33">
+            <a:extLst>
+              <a:ext uri="{FF2B5EF4-FFF2-40B4-BE49-F238E27FC236}">
+                <a16:creationId xmlns:a16="http://schemas.microsoft.com/office/drawing/2014/main" id="{1734DAB1-D604-A4AE-04BE-402FF107AD7E}"/>
+              </a:ext>
+            </a:extLst>
+          </p:cNvPr>
+          <p:cNvSpPr txBox="1"/>
+          <p:nvPr/>
+        </p:nvSpPr>
+        <p:spPr>
+          <a:xfrm>
+            <a:off x="5272650" y="4564771"/>
+            <a:ext cx="787395" cy="400110"/>
+          </a:xfrm>
+          <a:prstGeom prst="rect">
+            <a:avLst/>
+          </a:prstGeom>
+          <a:noFill/>
+        </p:spPr>
+        <p:txBody>
+          <a:bodyPr wrap="none" rtlCol="0">
+            <a:spAutoFit/>
+          </a:bodyPr>
+          <a:lstStyle/>
+          <a:p>
+            <a:r>
+              <a:rPr lang="en-US" sz="1000" dirty="0"/>
+              <a:t>Output:</a:t>
+            </a:r>
+          </a:p>
+          <a:p>
+            <a:r>
+              <a:rPr lang="en-US" sz="1000" dirty="0"/>
+              <a:t>[32x14x14]</a:t>
+            </a:r>
+            <a:endParaRPr lang="en-IL" sz="1000" dirty="0"/>
+          </a:p>
+        </p:txBody>
+      </p:sp>
+      <p:sp>
+        <p:nvSpPr>
+          <p:cNvPr id="36" name="TextBox 35">
+            <a:extLst>
+              <a:ext uri="{FF2B5EF4-FFF2-40B4-BE49-F238E27FC236}">
+                <a16:creationId xmlns:a16="http://schemas.microsoft.com/office/drawing/2014/main" id="{F760F29A-F46F-1412-0EA2-93246EAA607F}"/>
+              </a:ext>
+            </a:extLst>
+          </p:cNvPr>
+          <p:cNvSpPr txBox="1"/>
+          <p:nvPr/>
+        </p:nvSpPr>
+        <p:spPr>
+          <a:xfrm>
+            <a:off x="7888148" y="2255045"/>
+            <a:ext cx="713657" cy="246221"/>
+          </a:xfrm>
+          <a:prstGeom prst="rect">
+            <a:avLst/>
+          </a:prstGeom>
+          <a:noFill/>
+        </p:spPr>
+        <p:txBody>
+          <a:bodyPr wrap="none" rtlCol="0">
+            <a:spAutoFit/>
+          </a:bodyPr>
+          <a:lstStyle/>
+          <a:p>
+            <a:r>
+              <a:rPr lang="en-US" sz="1000" b="1" dirty="0"/>
+              <a:t>Max Pool</a:t>
+            </a:r>
+            <a:endParaRPr lang="en-IL" sz="1000" b="1" dirty="0"/>
+          </a:p>
+        </p:txBody>
+      </p:sp>
+      <p:sp>
+        <p:nvSpPr>
+          <p:cNvPr id="37" name="TextBox 36">
+            <a:extLst>
+              <a:ext uri="{FF2B5EF4-FFF2-40B4-BE49-F238E27FC236}">
+                <a16:creationId xmlns:a16="http://schemas.microsoft.com/office/drawing/2014/main" id="{A8581C16-A3B5-C6AA-92BE-BF33DF657138}"/>
+              </a:ext>
+            </a:extLst>
+          </p:cNvPr>
+          <p:cNvSpPr txBox="1"/>
+          <p:nvPr/>
+        </p:nvSpPr>
+        <p:spPr>
+          <a:xfrm>
+            <a:off x="7876862" y="3879917"/>
+            <a:ext cx="795411" cy="400110"/>
+          </a:xfrm>
+          <a:prstGeom prst="rect">
+            <a:avLst/>
+          </a:prstGeom>
+          <a:noFill/>
+        </p:spPr>
+        <p:txBody>
+          <a:bodyPr wrap="none" rtlCol="0">
+            <a:spAutoFit/>
+          </a:bodyPr>
+          <a:lstStyle/>
+          <a:p>
+            <a:r>
+              <a:rPr lang="en-US" sz="1000" dirty="0"/>
+              <a:t>Kernel: 2x2</a:t>
+            </a:r>
+          </a:p>
+          <a:p>
+            <a:r>
+              <a:rPr lang="en-US" sz="1000" dirty="0"/>
+              <a:t>Stride: 2</a:t>
+            </a:r>
+          </a:p>
+        </p:txBody>
+      </p:sp>
+      <p:sp>
+        <p:nvSpPr>
+          <p:cNvPr id="38" name="TextBox 37">
+            <a:extLst>
+              <a:ext uri="{FF2B5EF4-FFF2-40B4-BE49-F238E27FC236}">
+                <a16:creationId xmlns:a16="http://schemas.microsoft.com/office/drawing/2014/main" id="{180A903F-8713-876E-B9F3-CFE5977EBE3D}"/>
+              </a:ext>
+            </a:extLst>
+          </p:cNvPr>
+          <p:cNvSpPr txBox="1"/>
+          <p:nvPr/>
+        </p:nvSpPr>
+        <p:spPr>
+          <a:xfrm>
+            <a:off x="7927590" y="4849821"/>
+            <a:ext cx="649537" cy="400110"/>
+          </a:xfrm>
+          <a:prstGeom prst="rect">
+            <a:avLst/>
+          </a:prstGeom>
+          <a:noFill/>
+        </p:spPr>
+        <p:txBody>
+          <a:bodyPr wrap="none" rtlCol="0">
+            <a:spAutoFit/>
+          </a:bodyPr>
+          <a:lstStyle/>
+          <a:p>
+            <a:r>
+              <a:rPr lang="en-US" sz="1000" dirty="0"/>
+              <a:t>Output:</a:t>
+            </a:r>
+          </a:p>
+          <a:p>
+            <a:r>
+              <a:rPr lang="en-US" sz="1000" dirty="0"/>
+              <a:t>[64x7x7]</a:t>
+            </a:r>
+            <a:endParaRPr lang="en-IL" sz="1000" dirty="0"/>
+          </a:p>
+        </p:txBody>
+      </p:sp>
+      <p:sp>
+        <p:nvSpPr>
+          <p:cNvPr id="39" name="TextBox 38">
+            <a:extLst>
+              <a:ext uri="{FF2B5EF4-FFF2-40B4-BE49-F238E27FC236}">
+                <a16:creationId xmlns:a16="http://schemas.microsoft.com/office/drawing/2014/main" id="{D4786D3B-34EE-C5DA-3CC3-1330A6F74ACE}"/>
+              </a:ext>
+            </a:extLst>
+          </p:cNvPr>
+          <p:cNvSpPr txBox="1"/>
+          <p:nvPr/>
+        </p:nvSpPr>
+        <p:spPr>
+          <a:xfrm>
+            <a:off x="9189720" y="2042160"/>
+            <a:ext cx="45719" cy="369332"/>
+          </a:xfrm>
+          <a:prstGeom prst="rect">
+            <a:avLst/>
+          </a:prstGeom>
+          <a:noFill/>
+        </p:spPr>
+        <p:txBody>
+          <a:bodyPr wrap="square" rtlCol="0">
+            <a:spAutoFit/>
+          </a:bodyPr>
+          <a:lstStyle/>
+          <a:p>
             <a:endParaRPr lang="en-IL" dirty="0"/>
+          </a:p>
+        </p:txBody>
+      </p:sp>
+      <p:sp>
+        <p:nvSpPr>
+          <p:cNvPr id="40" name="TextBox 39">
+            <a:extLst>
+              <a:ext uri="{FF2B5EF4-FFF2-40B4-BE49-F238E27FC236}">
+                <a16:creationId xmlns:a16="http://schemas.microsoft.com/office/drawing/2014/main" id="{28FA4D08-BD68-C8A8-EE8C-B77251C09016}"/>
+              </a:ext>
+            </a:extLst>
+          </p:cNvPr>
+          <p:cNvSpPr txBox="1"/>
+          <p:nvPr/>
+        </p:nvSpPr>
+        <p:spPr>
+          <a:xfrm>
+            <a:off x="8855686" y="1915331"/>
+            <a:ext cx="546945" cy="246221"/>
+          </a:xfrm>
+          <a:prstGeom prst="rect">
+            <a:avLst/>
+          </a:prstGeom>
+          <a:noFill/>
+        </p:spPr>
+        <p:txBody>
+          <a:bodyPr wrap="none" rtlCol="0">
+            <a:spAutoFit/>
+          </a:bodyPr>
+          <a:lstStyle/>
+          <a:p>
+            <a:r>
+              <a:rPr lang="en-US" sz="1000" b="1" dirty="0"/>
+              <a:t>Linear</a:t>
+            </a:r>
+            <a:endParaRPr lang="en-IL" sz="1000" b="1" dirty="0"/>
+          </a:p>
+        </p:txBody>
+      </p:sp>
+      <p:sp>
+        <p:nvSpPr>
+          <p:cNvPr id="41" name="TextBox 40">
+            <a:extLst>
+              <a:ext uri="{FF2B5EF4-FFF2-40B4-BE49-F238E27FC236}">
+                <a16:creationId xmlns:a16="http://schemas.microsoft.com/office/drawing/2014/main" id="{1BFAC343-DFD2-F1EE-5D40-502E00F23D9A}"/>
+              </a:ext>
+            </a:extLst>
+          </p:cNvPr>
+          <p:cNvSpPr txBox="1"/>
+          <p:nvPr/>
+        </p:nvSpPr>
+        <p:spPr>
+          <a:xfrm>
+            <a:off x="8525292" y="4306128"/>
+            <a:ext cx="1175322" cy="400110"/>
+          </a:xfrm>
+          <a:prstGeom prst="rect">
+            <a:avLst/>
+          </a:prstGeom>
+          <a:noFill/>
+        </p:spPr>
+        <p:txBody>
+          <a:bodyPr wrap="none" rtlCol="0">
+            <a:spAutoFit/>
+          </a:bodyPr>
+          <a:lstStyle/>
+          <a:p>
+            <a:r>
+              <a:rPr lang="en-US" sz="1000" dirty="0"/>
+              <a:t>In features: 3136</a:t>
+            </a:r>
+          </a:p>
+          <a:p>
+            <a:r>
+              <a:rPr lang="en-US" sz="1000" dirty="0"/>
+              <a:t>Out features : 300</a:t>
+            </a:r>
+          </a:p>
+        </p:txBody>
+      </p:sp>
+      <p:sp>
+        <p:nvSpPr>
+          <p:cNvPr id="42" name="TextBox 41">
+            <a:extLst>
+              <a:ext uri="{FF2B5EF4-FFF2-40B4-BE49-F238E27FC236}">
+                <a16:creationId xmlns:a16="http://schemas.microsoft.com/office/drawing/2014/main" id="{440588BD-C5B8-807E-A547-102C76FD300C}"/>
+              </a:ext>
+            </a:extLst>
+          </p:cNvPr>
+          <p:cNvSpPr txBox="1"/>
+          <p:nvPr/>
+        </p:nvSpPr>
+        <p:spPr>
+          <a:xfrm>
+            <a:off x="9517438" y="2213967"/>
+            <a:ext cx="546945" cy="246221"/>
+          </a:xfrm>
+          <a:prstGeom prst="rect">
+            <a:avLst/>
+          </a:prstGeom>
+          <a:noFill/>
+        </p:spPr>
+        <p:txBody>
+          <a:bodyPr wrap="none" rtlCol="0">
+            <a:spAutoFit/>
+          </a:bodyPr>
+          <a:lstStyle/>
+          <a:p>
+            <a:r>
+              <a:rPr lang="en-US" sz="1000" b="1" dirty="0"/>
+              <a:t>Linear</a:t>
+            </a:r>
+            <a:endParaRPr lang="en-IL" sz="1000" b="1" dirty="0"/>
+          </a:p>
+        </p:txBody>
+      </p:sp>
+      <p:sp>
+        <p:nvSpPr>
+          <p:cNvPr id="43" name="TextBox 42">
+            <a:extLst>
+              <a:ext uri="{FF2B5EF4-FFF2-40B4-BE49-F238E27FC236}">
+                <a16:creationId xmlns:a16="http://schemas.microsoft.com/office/drawing/2014/main" id="{068CD701-D0DE-6A55-604F-CE07E489F306}"/>
+              </a:ext>
+            </a:extLst>
+          </p:cNvPr>
+          <p:cNvSpPr txBox="1"/>
+          <p:nvPr/>
+        </p:nvSpPr>
+        <p:spPr>
+          <a:xfrm>
+            <a:off x="9302782" y="3948533"/>
+            <a:ext cx="1106393" cy="400110"/>
+          </a:xfrm>
+          <a:prstGeom prst="rect">
+            <a:avLst/>
+          </a:prstGeom>
+          <a:noFill/>
+        </p:spPr>
+        <p:txBody>
+          <a:bodyPr wrap="none" rtlCol="0">
+            <a:spAutoFit/>
+          </a:bodyPr>
+          <a:lstStyle/>
+          <a:p>
+            <a:r>
+              <a:rPr lang="en-US" sz="1000" dirty="0"/>
+              <a:t>In features: 300</a:t>
+            </a:r>
+          </a:p>
+          <a:p>
+            <a:r>
+              <a:rPr lang="en-US" sz="1000" dirty="0"/>
+              <a:t>Out features : 10</a:t>
+            </a:r>
+          </a:p>
+        </p:txBody>
+      </p:sp>
+      <p:sp>
+        <p:nvSpPr>
+          <p:cNvPr id="44" name="TextBox 43">
+            <a:extLst>
+              <a:ext uri="{FF2B5EF4-FFF2-40B4-BE49-F238E27FC236}">
+                <a16:creationId xmlns:a16="http://schemas.microsoft.com/office/drawing/2014/main" id="{121E8E4C-FCD1-92E9-F636-E2B7ADB5DC3C}"/>
+              </a:ext>
+            </a:extLst>
+          </p:cNvPr>
+          <p:cNvSpPr txBox="1"/>
+          <p:nvPr/>
+        </p:nvSpPr>
+        <p:spPr>
+          <a:xfrm>
+            <a:off x="10064383" y="2641529"/>
+            <a:ext cx="938077" cy="246221"/>
+          </a:xfrm>
+          <a:prstGeom prst="rect">
+            <a:avLst/>
+          </a:prstGeom>
+          <a:noFill/>
+        </p:spPr>
+        <p:txBody>
+          <a:bodyPr wrap="none" rtlCol="0">
+            <a:spAutoFit/>
+          </a:bodyPr>
+          <a:lstStyle/>
+          <a:p>
+            <a:r>
+              <a:rPr lang="en-US" sz="1000" b="1" dirty="0"/>
+              <a:t>Output Layer</a:t>
+            </a:r>
+            <a:endParaRPr lang="en-IL" sz="1000" b="1" dirty="0"/>
+          </a:p>
+        </p:txBody>
+      </p:sp>
+      <p:sp>
+        <p:nvSpPr>
+          <p:cNvPr id="45" name="TextBox 44">
+            <a:extLst>
+              <a:ext uri="{FF2B5EF4-FFF2-40B4-BE49-F238E27FC236}">
+                <a16:creationId xmlns:a16="http://schemas.microsoft.com/office/drawing/2014/main" id="{0B322DA7-F549-A07B-4C34-E791D503EC11}"/>
+              </a:ext>
+            </a:extLst>
+          </p:cNvPr>
+          <p:cNvSpPr txBox="1"/>
+          <p:nvPr/>
+        </p:nvSpPr>
+        <p:spPr>
+          <a:xfrm>
+            <a:off x="10246377" y="3633696"/>
+            <a:ext cx="524503" cy="246221"/>
+          </a:xfrm>
+          <a:prstGeom prst="rect">
+            <a:avLst/>
+          </a:prstGeom>
+          <a:noFill/>
+        </p:spPr>
+        <p:txBody>
+          <a:bodyPr wrap="none" rtlCol="0">
+            <a:spAutoFit/>
+          </a:bodyPr>
+          <a:lstStyle/>
+          <a:p>
+            <a:r>
+              <a:rPr lang="en-US" sz="1000" dirty="0"/>
+              <a:t>[1x10]</a:t>
+            </a:r>
+            <a:endParaRPr lang="en-IL" sz="1000" dirty="0"/>
+          </a:p>
+        </p:txBody>
+      </p:sp>
+      <p:sp>
+        <p:nvSpPr>
+          <p:cNvPr id="48" name="TextBox 47">
+            <a:extLst>
+              <a:ext uri="{FF2B5EF4-FFF2-40B4-BE49-F238E27FC236}">
+                <a16:creationId xmlns:a16="http://schemas.microsoft.com/office/drawing/2014/main" id="{ACE8E1D2-1725-06CC-7393-88B502F446BA}"/>
+              </a:ext>
+            </a:extLst>
+          </p:cNvPr>
+          <p:cNvSpPr txBox="1"/>
+          <p:nvPr/>
+        </p:nvSpPr>
+        <p:spPr>
+          <a:xfrm>
+            <a:off x="8821221" y="4863778"/>
+            <a:ext cx="615874" cy="400110"/>
+          </a:xfrm>
+          <a:prstGeom prst="rect">
+            <a:avLst/>
+          </a:prstGeom>
+          <a:noFill/>
+        </p:spPr>
+        <p:txBody>
+          <a:bodyPr wrap="none" rtlCol="0">
+            <a:spAutoFit/>
+          </a:bodyPr>
+          <a:lstStyle/>
+          <a:p>
+            <a:r>
+              <a:rPr lang="en-US" sz="1000" dirty="0"/>
+              <a:t>Output:</a:t>
+            </a:r>
+          </a:p>
+          <a:p>
+            <a:r>
+              <a:rPr lang="en-US" sz="1000" dirty="0"/>
+              <a:t>[1x300]</a:t>
+            </a:r>
+            <a:endParaRPr lang="en-IL" sz="1000" dirty="0"/>
+          </a:p>
+        </p:txBody>
+      </p:sp>
+      <p:sp>
+        <p:nvSpPr>
+          <p:cNvPr id="49" name="TextBox 48">
+            <a:extLst>
+              <a:ext uri="{FF2B5EF4-FFF2-40B4-BE49-F238E27FC236}">
+                <a16:creationId xmlns:a16="http://schemas.microsoft.com/office/drawing/2014/main" id="{F0729AA5-E6DC-9917-0559-0726CD1A0CA7}"/>
+              </a:ext>
+            </a:extLst>
+          </p:cNvPr>
+          <p:cNvSpPr txBox="1"/>
+          <p:nvPr/>
+        </p:nvSpPr>
+        <p:spPr>
+          <a:xfrm>
+            <a:off x="9564865" y="4863778"/>
+            <a:ext cx="615874" cy="400110"/>
+          </a:xfrm>
+          <a:prstGeom prst="rect">
+            <a:avLst/>
+          </a:prstGeom>
+          <a:noFill/>
+        </p:spPr>
+        <p:txBody>
+          <a:bodyPr wrap="none" rtlCol="0">
+            <a:spAutoFit/>
+          </a:bodyPr>
+          <a:lstStyle/>
+          <a:p>
+            <a:r>
+              <a:rPr lang="en-US" sz="1000" dirty="0"/>
+              <a:t>Output:</a:t>
+            </a:r>
+          </a:p>
+          <a:p>
+            <a:r>
+              <a:rPr lang="en-US" sz="1000" dirty="0"/>
+              <a:t>[1x10]</a:t>
+            </a:r>
+            <a:endParaRPr lang="en-IL" sz="1000" dirty="0"/>
+          </a:p>
+        </p:txBody>
+      </p:sp>
+      <p:sp>
+        <p:nvSpPr>
+          <p:cNvPr id="50" name="TextBox 49">
+            <a:extLst>
+              <a:ext uri="{FF2B5EF4-FFF2-40B4-BE49-F238E27FC236}">
+                <a16:creationId xmlns:a16="http://schemas.microsoft.com/office/drawing/2014/main" id="{E0F80283-E181-006C-335E-53C00E6C95D0}"/>
+              </a:ext>
+            </a:extLst>
+          </p:cNvPr>
+          <p:cNvSpPr txBox="1"/>
+          <p:nvPr/>
+        </p:nvSpPr>
+        <p:spPr>
+          <a:xfrm>
+            <a:off x="8829148" y="4661898"/>
+            <a:ext cx="585417" cy="246221"/>
+          </a:xfrm>
+          <a:prstGeom prst="rect">
+            <a:avLst/>
+          </a:prstGeom>
+          <a:noFill/>
+        </p:spPr>
+        <p:txBody>
+          <a:bodyPr wrap="none" rtlCol="0">
+            <a:spAutoFit/>
+          </a:bodyPr>
+          <a:lstStyle/>
+          <a:p>
+            <a:r>
+              <a:rPr lang="en-US" sz="1000" dirty="0"/>
+              <a:t>+ ReLu </a:t>
+            </a:r>
+            <a:endParaRPr lang="en-IL" sz="1000" dirty="0"/>
+          </a:p>
+        </p:txBody>
+      </p:sp>
+      <p:sp>
+        <p:nvSpPr>
+          <p:cNvPr id="51" name="TextBox 50">
+            <a:extLst>
+              <a:ext uri="{FF2B5EF4-FFF2-40B4-BE49-F238E27FC236}">
+                <a16:creationId xmlns:a16="http://schemas.microsoft.com/office/drawing/2014/main" id="{D74EA98D-09AC-18D1-BEC5-974AF01BFF33}"/>
+              </a:ext>
+            </a:extLst>
+          </p:cNvPr>
+          <p:cNvSpPr txBox="1"/>
+          <p:nvPr/>
+        </p:nvSpPr>
+        <p:spPr>
+          <a:xfrm>
+            <a:off x="9544690" y="4411558"/>
+            <a:ext cx="761747" cy="246221"/>
+          </a:xfrm>
+          <a:prstGeom prst="rect">
+            <a:avLst/>
+          </a:prstGeom>
+          <a:noFill/>
+        </p:spPr>
+        <p:txBody>
+          <a:bodyPr wrap="none" rtlCol="0">
+            <a:spAutoFit/>
+          </a:bodyPr>
+          <a:lstStyle/>
+          <a:p>
+            <a:r>
+              <a:rPr lang="en-US" sz="1000" dirty="0"/>
+              <a:t>+ SoftMax </a:t>
+            </a:r>
+            <a:endParaRPr lang="en-IL" sz="1000" dirty="0"/>
           </a:p>
         </p:txBody>
       </p:sp>
     </p:spTree>
     <p:extLst>
       <p:ext uri="{BB962C8B-B14F-4D97-AF65-F5344CB8AC3E}">
-        <p14:creationId xmlns:p14="http://schemas.microsoft.com/office/powerpoint/2010/main" val="2633373327"/>
+        <p14:creationId xmlns:p14="http://schemas.microsoft.com/office/powerpoint/2010/main" val="326524742"/>
+      </p:ext>
+    </p:extLst>
+  </p:cSld>
+  <p:clrMapOvr>
+    <a:masterClrMapping/>
+  </p:clrMapOvr>
+</p:sld>
+</file>
+
+<file path=ppt/slides/slide20.xml><?xml version="1.0" encoding="utf-8"?>
+<p:sld xmlns:a="http://schemas.openxmlformats.org/drawingml/2006/main" xmlns:r="http://schemas.openxmlformats.org/officeDocument/2006/relationships" xmlns:p="http://schemas.openxmlformats.org/presentationml/2006/main">
+  <p:cSld>
+    <p:spTree>
+      <p:nvGrpSpPr>
+        <p:cNvPr id="1" name=""/>
+        <p:cNvGrpSpPr/>
+        <p:nvPr/>
+      </p:nvGrpSpPr>
+      <p:grpSpPr>
+        <a:xfrm>
+          <a:off x="0" y="0"/>
+          <a:ext cx="0" cy="0"/>
+          <a:chOff x="0" y="0"/>
+          <a:chExt cx="0" cy="0"/>
+        </a:xfrm>
+      </p:grpSpPr>
+      <p:sp>
+        <p:nvSpPr>
+          <p:cNvPr id="4" name="TextBox 3">
+            <a:extLst>
+              <a:ext uri="{FF2B5EF4-FFF2-40B4-BE49-F238E27FC236}">
+                <a16:creationId xmlns:a16="http://schemas.microsoft.com/office/drawing/2014/main" id="{73C87555-096D-CF7C-8A49-C6E0D5864D5B}"/>
+              </a:ext>
+            </a:extLst>
+          </p:cNvPr>
+          <p:cNvSpPr txBox="1"/>
+          <p:nvPr/>
+        </p:nvSpPr>
+        <p:spPr>
+          <a:xfrm>
+            <a:off x="1892808" y="566928"/>
+            <a:ext cx="1231427" cy="369332"/>
+          </a:xfrm>
+          <a:prstGeom prst="rect">
+            <a:avLst/>
+          </a:prstGeom>
+          <a:noFill/>
+        </p:spPr>
+        <p:txBody>
+          <a:bodyPr wrap="none" rtlCol="0">
+            <a:spAutoFit/>
+          </a:bodyPr>
+          <a:lstStyle/>
+          <a:p>
+            <a:r>
+              <a:rPr lang="en-US" dirty="0"/>
+              <a:t>Q3-l2 1e-4</a:t>
+            </a:r>
+            <a:endParaRPr lang="en-IL" dirty="0"/>
+          </a:p>
+        </p:txBody>
+      </p:sp>
+      <p:pic>
+        <p:nvPicPr>
+          <p:cNvPr id="6" name="Picture 5">
+            <a:extLst>
+              <a:ext uri="{FF2B5EF4-FFF2-40B4-BE49-F238E27FC236}">
+                <a16:creationId xmlns:a16="http://schemas.microsoft.com/office/drawing/2014/main" id="{D97EECDB-102B-46E2-CEC6-E8BAECFD4775}"/>
+              </a:ext>
+            </a:extLst>
+          </p:cNvPr>
+          <p:cNvPicPr>
+            <a:picLocks noChangeAspect="1"/>
+          </p:cNvPicPr>
+          <p:nvPr/>
+        </p:nvPicPr>
+        <p:blipFill>
+          <a:blip r:embed="rId2"/>
+          <a:stretch>
+            <a:fillRect/>
+          </a:stretch>
+        </p:blipFill>
+        <p:spPr>
+          <a:xfrm>
+            <a:off x="3048000" y="1143000"/>
+            <a:ext cx="6096000" cy="4572000"/>
+          </a:xfrm>
+          <a:prstGeom prst="rect">
+            <a:avLst/>
+          </a:prstGeom>
+        </p:spPr>
+      </p:pic>
+    </p:spTree>
+    <p:extLst>
+      <p:ext uri="{BB962C8B-B14F-4D97-AF65-F5344CB8AC3E}">
+        <p14:creationId xmlns:p14="http://schemas.microsoft.com/office/powerpoint/2010/main" val="688320250"/>
+      </p:ext>
+    </p:extLst>
+  </p:cSld>
+  <p:clrMapOvr>
+    <a:masterClrMapping/>
+  </p:clrMapOvr>
+</p:sld>
+</file>
+
+<file path=ppt/slides/slide21.xml><?xml version="1.0" encoding="utf-8"?>
+<p:sld xmlns:a="http://schemas.openxmlformats.org/drawingml/2006/main" xmlns:r="http://schemas.openxmlformats.org/officeDocument/2006/relationships" xmlns:p="http://schemas.openxmlformats.org/presentationml/2006/main">
+  <p:cSld>
+    <p:spTree>
+      <p:nvGrpSpPr>
+        <p:cNvPr id="1" name="">
+          <a:extLst>
+            <a:ext uri="{FF2B5EF4-FFF2-40B4-BE49-F238E27FC236}">
+              <a16:creationId xmlns:a16="http://schemas.microsoft.com/office/drawing/2014/main" id="{0C2ECD15-98F1-518C-EBCE-0A3F7972C848}"/>
+            </a:ext>
+          </a:extLst>
+        </p:cNvPr>
+        <p:cNvGrpSpPr/>
+        <p:nvPr/>
+      </p:nvGrpSpPr>
+      <p:grpSpPr>
+        <a:xfrm>
+          <a:off x="0" y="0"/>
+          <a:ext cx="0" cy="0"/>
+          <a:chOff x="0" y="0"/>
+          <a:chExt cx="0" cy="0"/>
+        </a:xfrm>
+      </p:grpSpPr>
+      <p:sp>
+        <p:nvSpPr>
+          <p:cNvPr id="4" name="TextBox 3">
+            <a:extLst>
+              <a:ext uri="{FF2B5EF4-FFF2-40B4-BE49-F238E27FC236}">
+                <a16:creationId xmlns:a16="http://schemas.microsoft.com/office/drawing/2014/main" id="{9EC02A38-C2F3-5E51-CA29-D91EAC52AA41}"/>
+              </a:ext>
+            </a:extLst>
+          </p:cNvPr>
+          <p:cNvSpPr txBox="1"/>
+          <p:nvPr/>
+        </p:nvSpPr>
+        <p:spPr>
+          <a:xfrm>
+            <a:off x="1892808" y="566928"/>
+            <a:ext cx="1231427" cy="369332"/>
+          </a:xfrm>
+          <a:prstGeom prst="rect">
+            <a:avLst/>
+          </a:prstGeom>
+          <a:noFill/>
+        </p:spPr>
+        <p:txBody>
+          <a:bodyPr wrap="none" rtlCol="0">
+            <a:spAutoFit/>
+          </a:bodyPr>
+          <a:lstStyle/>
+          <a:p>
+            <a:r>
+              <a:rPr lang="en-US" dirty="0"/>
+              <a:t>Q3-l2 1e-4</a:t>
+            </a:r>
+            <a:endParaRPr lang="en-IL" dirty="0"/>
+          </a:p>
+        </p:txBody>
+      </p:sp>
+      <p:pic>
+        <p:nvPicPr>
+          <p:cNvPr id="3" name="Picture 2">
+            <a:extLst>
+              <a:ext uri="{FF2B5EF4-FFF2-40B4-BE49-F238E27FC236}">
+                <a16:creationId xmlns:a16="http://schemas.microsoft.com/office/drawing/2014/main" id="{9C4D73D2-C2F6-9EEA-3D4F-8CF87381D0E2}"/>
+              </a:ext>
+            </a:extLst>
+          </p:cNvPr>
+          <p:cNvPicPr>
+            <a:picLocks noChangeAspect="1"/>
+          </p:cNvPicPr>
+          <p:nvPr/>
+        </p:nvPicPr>
+        <p:blipFill>
+          <a:blip r:embed="rId2"/>
+          <a:stretch>
+            <a:fillRect/>
+          </a:stretch>
+        </p:blipFill>
+        <p:spPr>
+          <a:xfrm>
+            <a:off x="2286000" y="1047750"/>
+            <a:ext cx="7620000" cy="4762500"/>
+          </a:xfrm>
+          <a:prstGeom prst="rect">
+            <a:avLst/>
+          </a:prstGeom>
+        </p:spPr>
+      </p:pic>
+    </p:spTree>
+    <p:extLst>
+      <p:ext uri="{BB962C8B-B14F-4D97-AF65-F5344CB8AC3E}">
+        <p14:creationId xmlns:p14="http://schemas.microsoft.com/office/powerpoint/2010/main" val="1520232942"/>
+      </p:ext>
+    </p:extLst>
+  </p:cSld>
+  <p:clrMapOvr>
+    <a:masterClrMapping/>
+  </p:clrMapOvr>
+</p:sld>
+</file>
+
+<file path=ppt/slides/slide22.xml><?xml version="1.0" encoding="utf-8"?>
+<p:sld xmlns:a="http://schemas.openxmlformats.org/drawingml/2006/main" xmlns:r="http://schemas.openxmlformats.org/officeDocument/2006/relationships" xmlns:p="http://schemas.openxmlformats.org/presentationml/2006/main">
+  <p:cSld>
+    <p:spTree>
+      <p:nvGrpSpPr>
+        <p:cNvPr id="1" name="">
+          <a:extLst>
+            <a:ext uri="{FF2B5EF4-FFF2-40B4-BE49-F238E27FC236}">
+              <a16:creationId xmlns:a16="http://schemas.microsoft.com/office/drawing/2014/main" id="{B62AF8E7-F8EC-D8A3-1BE3-04D1DF4F988B}"/>
+            </a:ext>
+          </a:extLst>
+        </p:cNvPr>
+        <p:cNvGrpSpPr/>
+        <p:nvPr/>
+      </p:nvGrpSpPr>
+      <p:grpSpPr>
+        <a:xfrm>
+          <a:off x="0" y="0"/>
+          <a:ext cx="0" cy="0"/>
+          <a:chOff x="0" y="0"/>
+          <a:chExt cx="0" cy="0"/>
+        </a:xfrm>
+      </p:grpSpPr>
+      <p:sp>
+        <p:nvSpPr>
+          <p:cNvPr id="4" name="TextBox 3">
+            <a:extLst>
+              <a:ext uri="{FF2B5EF4-FFF2-40B4-BE49-F238E27FC236}">
+                <a16:creationId xmlns:a16="http://schemas.microsoft.com/office/drawing/2014/main" id="{418F2034-0E96-C775-4F0F-F2C067D0D008}"/>
+              </a:ext>
+            </a:extLst>
+          </p:cNvPr>
+          <p:cNvSpPr txBox="1"/>
+          <p:nvPr/>
+        </p:nvSpPr>
+        <p:spPr>
+          <a:xfrm>
+            <a:off x="1892808" y="566928"/>
+            <a:ext cx="1231427" cy="369332"/>
+          </a:xfrm>
+          <a:prstGeom prst="rect">
+            <a:avLst/>
+          </a:prstGeom>
+          <a:noFill/>
+        </p:spPr>
+        <p:txBody>
+          <a:bodyPr wrap="none" rtlCol="0">
+            <a:spAutoFit/>
+          </a:bodyPr>
+          <a:lstStyle/>
+          <a:p>
+            <a:r>
+              <a:rPr lang="en-US" dirty="0"/>
+              <a:t>Q3-l2 1e-4</a:t>
+            </a:r>
+            <a:endParaRPr lang="en-IL" dirty="0"/>
+          </a:p>
+        </p:txBody>
+      </p:sp>
+      <p:pic>
+        <p:nvPicPr>
+          <p:cNvPr id="3" name="Picture 2">
+            <a:extLst>
+              <a:ext uri="{FF2B5EF4-FFF2-40B4-BE49-F238E27FC236}">
+                <a16:creationId xmlns:a16="http://schemas.microsoft.com/office/drawing/2014/main" id="{94BA4912-82C9-324E-8C71-FB4338B99CAE}"/>
+              </a:ext>
+            </a:extLst>
+          </p:cNvPr>
+          <p:cNvPicPr>
+            <a:picLocks noChangeAspect="1"/>
+          </p:cNvPicPr>
+          <p:nvPr/>
+        </p:nvPicPr>
+        <p:blipFill>
+          <a:blip r:embed="rId2"/>
+          <a:stretch>
+            <a:fillRect/>
+          </a:stretch>
+        </p:blipFill>
+        <p:spPr>
+          <a:xfrm>
+            <a:off x="3048000" y="1143000"/>
+            <a:ext cx="6096000" cy="4572000"/>
+          </a:xfrm>
+          <a:prstGeom prst="rect">
+            <a:avLst/>
+          </a:prstGeom>
+        </p:spPr>
+      </p:pic>
+    </p:spTree>
+    <p:extLst>
+      <p:ext uri="{BB962C8B-B14F-4D97-AF65-F5344CB8AC3E}">
+        <p14:creationId xmlns:p14="http://schemas.microsoft.com/office/powerpoint/2010/main" val="2193585764"/>
       </p:ext>
     </p:extLst>
   </p:cSld>
@@ -4945,10 +6208,10 @@
       </p:grpSpPr>
       <p:pic>
         <p:nvPicPr>
-          <p:cNvPr id="7" name="Content Placeholder 6" descr="A graph of a number of classes&#10;&#10;AI-generated content may be incorrect.">
-            <a:extLst>
-              <a:ext uri="{FF2B5EF4-FFF2-40B4-BE49-F238E27FC236}">
-                <a16:creationId xmlns:a16="http://schemas.microsoft.com/office/drawing/2014/main" id="{6AE5DAB8-F8B8-0C33-CFED-8EF98C1F3E62}"/>
+          <p:cNvPr id="5" name="Content Placeholder 4" descr="A graph of a train&#10;&#10;AI-generated content may be incorrect.">
+            <a:extLst>
+              <a:ext uri="{FF2B5EF4-FFF2-40B4-BE49-F238E27FC236}">
+                <a16:creationId xmlns:a16="http://schemas.microsoft.com/office/drawing/2014/main" id="{DBD03F75-0BAC-FA1E-A1BF-7D11CF1F6E9C}"/>
               </a:ext>
             </a:extLst>
           </p:cNvPr>
@@ -4973,8 +6236,8 @@
         </p:blipFill>
         <p:spPr>
           <a:xfrm>
-            <a:off x="2614930" y="1825625"/>
-            <a:ext cx="6962140" cy="4351338"/>
+            <a:off x="3195108" y="1253331"/>
+            <a:ext cx="5801784" cy="4351338"/>
           </a:xfrm>
         </p:spPr>
       </p:pic>
@@ -4983,7 +6246,7 @@
           <p:cNvPr id="2" name="TextBox 1">
             <a:extLst>
               <a:ext uri="{FF2B5EF4-FFF2-40B4-BE49-F238E27FC236}">
-                <a16:creationId xmlns:a16="http://schemas.microsoft.com/office/drawing/2014/main" id="{8F3278A9-6FF1-F9E9-AADF-EFCF05084FB8}"/>
+                <a16:creationId xmlns:a16="http://schemas.microsoft.com/office/drawing/2014/main" id="{843A37E2-0C72-5E5B-0B7A-0E065B1B3451}"/>
               </a:ext>
             </a:extLst>
           </p:cNvPr>
@@ -5017,7 +6280,7 @@
     </p:spTree>
     <p:extLst>
       <p:ext uri="{BB962C8B-B14F-4D97-AF65-F5344CB8AC3E}">
-        <p14:creationId xmlns:p14="http://schemas.microsoft.com/office/powerpoint/2010/main" val="202456653"/>
+        <p14:creationId xmlns:p14="http://schemas.microsoft.com/office/powerpoint/2010/main" val="2633373327"/>
       </p:ext>
     </p:extLst>
   </p:cSld>
@@ -5046,17 +6309,19 @@
       </p:grpSpPr>
       <p:pic>
         <p:nvPicPr>
-          <p:cNvPr id="5" name="Picture 4" descr="A graph of a number of classes&#10;&#10;AI-generated content may be incorrect.">
-            <a:extLst>
-              <a:ext uri="{FF2B5EF4-FFF2-40B4-BE49-F238E27FC236}">
-                <a16:creationId xmlns:a16="http://schemas.microsoft.com/office/drawing/2014/main" id="{3DBD21F7-30E4-D661-3293-AEED21732654}"/>
+          <p:cNvPr id="7" name="Content Placeholder 6" descr="A graph of a number of classes&#10;&#10;AI-generated content may be incorrect.">
+            <a:extLst>
+              <a:ext uri="{FF2B5EF4-FFF2-40B4-BE49-F238E27FC236}">
+                <a16:creationId xmlns:a16="http://schemas.microsoft.com/office/drawing/2014/main" id="{6AE5DAB8-F8B8-0C33-CFED-8EF98C1F3E62}"/>
               </a:ext>
             </a:extLst>
           </p:cNvPr>
           <p:cNvPicPr>
-            <a:picLocks noChangeAspect="1"/>
+            <a:picLocks noGrp="1" noChangeAspect="1"/>
           </p:cNvPicPr>
-          <p:nvPr/>
+          <p:nvPr>
+            <p:ph idx="1"/>
+          </p:nvPr>
         </p:nvPicPr>
         <p:blipFill>
           <a:blip r:embed="rId2">
@@ -5072,92 +6337,17 @@
         </p:blipFill>
         <p:spPr>
           <a:xfrm>
-            <a:off x="2286000" y="1047750"/>
-            <a:ext cx="7620000" cy="4762500"/>
-          </a:xfrm>
-          <a:prstGeom prst="rect">
-            <a:avLst/>
-          </a:prstGeom>
+            <a:off x="2614930" y="1825625"/>
+            <a:ext cx="6962140" cy="4351338"/>
+          </a:xfrm>
         </p:spPr>
       </p:pic>
-      <p:pic>
-        <p:nvPicPr>
-          <p:cNvPr id="7" name="Picture 6" descr="A graph of a train&#10;&#10;AI-generated content may be incorrect.">
-            <a:extLst>
-              <a:ext uri="{FF2B5EF4-FFF2-40B4-BE49-F238E27FC236}">
-                <a16:creationId xmlns:a16="http://schemas.microsoft.com/office/drawing/2014/main" id="{F140D038-4A5A-FAD3-3D27-71740FD103DB}"/>
-              </a:ext>
-            </a:extLst>
-          </p:cNvPr>
-          <p:cNvPicPr>
-            <a:picLocks noChangeAspect="1"/>
-          </p:cNvPicPr>
-          <p:nvPr/>
-        </p:nvPicPr>
-        <p:blipFill>
-          <a:blip r:embed="rId3">
-            <a:extLst>
-              <a:ext uri="{28A0092B-C50C-407E-A947-70E740481C1C}">
-                <a14:useLocalDpi xmlns:a14="http://schemas.microsoft.com/office/drawing/2010/main" val="0"/>
-              </a:ext>
-            </a:extLst>
-          </a:blip>
-          <a:stretch>
-            <a:fillRect/>
-          </a:stretch>
-        </p:blipFill>
-        <p:spPr>
-          <a:xfrm>
-            <a:off x="3048000" y="1143000"/>
-            <a:ext cx="6096000" cy="4572000"/>
-          </a:xfrm>
-          <a:prstGeom prst="rect">
-            <a:avLst/>
-          </a:prstGeom>
-        </p:spPr>
-      </p:pic>
-      <p:pic>
-        <p:nvPicPr>
-          <p:cNvPr id="9" name="Picture 8" descr="A graph showing a number of numbers&#10;&#10;AI-generated content may be incorrect.">
-            <a:extLst>
-              <a:ext uri="{FF2B5EF4-FFF2-40B4-BE49-F238E27FC236}">
-                <a16:creationId xmlns:a16="http://schemas.microsoft.com/office/drawing/2014/main" id="{FD372095-ED85-EFFF-8850-C70A14B8DD6F}"/>
-              </a:ext>
-            </a:extLst>
-          </p:cNvPr>
-          <p:cNvPicPr>
-            <a:picLocks noChangeAspect="1"/>
-          </p:cNvPicPr>
-          <p:nvPr/>
-        </p:nvPicPr>
-        <p:blipFill>
-          <a:blip r:embed="rId4">
-            <a:extLst>
-              <a:ext uri="{28A0092B-C50C-407E-A947-70E740481C1C}">
-                <a14:useLocalDpi xmlns:a14="http://schemas.microsoft.com/office/drawing/2010/main" val="0"/>
-              </a:ext>
-            </a:extLst>
-          </a:blip>
-          <a:stretch>
-            <a:fillRect/>
-          </a:stretch>
-        </p:blipFill>
-        <p:spPr>
-          <a:xfrm>
-            <a:off x="3048000" y="1143000"/>
-            <a:ext cx="6096000" cy="4572000"/>
-          </a:xfrm>
-          <a:prstGeom prst="rect">
-            <a:avLst/>
-          </a:prstGeom>
-        </p:spPr>
-      </p:pic>
       <p:sp>
         <p:nvSpPr>
           <p:cNvPr id="2" name="TextBox 1">
             <a:extLst>
               <a:ext uri="{FF2B5EF4-FFF2-40B4-BE49-F238E27FC236}">
-                <a16:creationId xmlns:a16="http://schemas.microsoft.com/office/drawing/2014/main" id="{2040FBB2-E79C-3C12-AB89-14DFE8F0C6CE}"/>
+                <a16:creationId xmlns:a16="http://schemas.microsoft.com/office/drawing/2014/main" id="{8F3278A9-6FF1-F9E9-AADF-EFCF05084FB8}"/>
               </a:ext>
             </a:extLst>
           </p:cNvPr>
@@ -5191,7 +6381,7 @@
     </p:spTree>
     <p:extLst>
       <p:ext uri="{BB962C8B-B14F-4D97-AF65-F5344CB8AC3E}">
-        <p14:creationId xmlns:p14="http://schemas.microsoft.com/office/powerpoint/2010/main" val="2242172314"/>
+        <p14:creationId xmlns:p14="http://schemas.microsoft.com/office/powerpoint/2010/main" val="202456653"/>
       </p:ext>
     </p:extLst>
   </p:cSld>
@@ -5218,48 +6408,12 @@
           <a:chExt cx="0" cy="0"/>
         </a:xfrm>
       </p:grpSpPr>
-      <p:sp>
-        <p:nvSpPr>
-          <p:cNvPr id="4" name="TextBox 3">
-            <a:extLst>
-              <a:ext uri="{FF2B5EF4-FFF2-40B4-BE49-F238E27FC236}">
-                <a16:creationId xmlns:a16="http://schemas.microsoft.com/office/drawing/2014/main" id="{BBFCB2BD-192A-BA34-20DE-770542860CDA}"/>
-              </a:ext>
-            </a:extLst>
-          </p:cNvPr>
-          <p:cNvSpPr txBox="1"/>
-          <p:nvPr/>
-        </p:nvSpPr>
-        <p:spPr>
-          <a:xfrm>
-            <a:off x="1892808" y="566928"/>
-            <a:ext cx="437940" cy="369332"/>
-          </a:xfrm>
-          <a:prstGeom prst="rect">
-            <a:avLst/>
-          </a:prstGeom>
-          <a:noFill/>
-        </p:spPr>
-        <p:txBody>
-          <a:bodyPr wrap="none" rtlCol="0">
-            <a:spAutoFit/>
-          </a:bodyPr>
-          <a:lstStyle/>
-          <a:p>
-            <a:r>
-              <a:rPr lang="en-US" dirty="0"/>
-              <a:t>q2</a:t>
-            </a:r>
-            <a:endParaRPr lang="en-IL" dirty="0"/>
-          </a:p>
-        </p:txBody>
-      </p:sp>
       <p:pic>
         <p:nvPicPr>
-          <p:cNvPr id="6" name="Picture 5" descr="A graph of a train vs. validation loss&#10;&#10;AI-generated content may be incorrect.">
-            <a:extLst>
-              <a:ext uri="{FF2B5EF4-FFF2-40B4-BE49-F238E27FC236}">
-                <a16:creationId xmlns:a16="http://schemas.microsoft.com/office/drawing/2014/main" id="{5E9FEA45-576A-A5AB-EB71-11B3D68A38E0}"/>
+          <p:cNvPr id="5" name="Picture 4" descr="A graph of a number of classes&#10;&#10;AI-generated content may be incorrect.">
+            <a:extLst>
+              <a:ext uri="{FF2B5EF4-FFF2-40B4-BE49-F238E27FC236}">
+                <a16:creationId xmlns:a16="http://schemas.microsoft.com/office/drawing/2014/main" id="{3DBD21F7-30E4-D661-3293-AEED21732654}"/>
               </a:ext>
             </a:extLst>
           </p:cNvPr>
@@ -5282,6 +6436,42 @@
         </p:blipFill>
         <p:spPr>
           <a:xfrm>
+            <a:off x="2286000" y="1047750"/>
+            <a:ext cx="7620000" cy="4762500"/>
+          </a:xfrm>
+          <a:prstGeom prst="rect">
+            <a:avLst/>
+          </a:prstGeom>
+        </p:spPr>
+      </p:pic>
+      <p:pic>
+        <p:nvPicPr>
+          <p:cNvPr id="7" name="Picture 6" descr="A graph of a train&#10;&#10;AI-generated content may be incorrect.">
+            <a:extLst>
+              <a:ext uri="{FF2B5EF4-FFF2-40B4-BE49-F238E27FC236}">
+                <a16:creationId xmlns:a16="http://schemas.microsoft.com/office/drawing/2014/main" id="{F140D038-4A5A-FAD3-3D27-71740FD103DB}"/>
+              </a:ext>
+            </a:extLst>
+          </p:cNvPr>
+          <p:cNvPicPr>
+            <a:picLocks noChangeAspect="1"/>
+          </p:cNvPicPr>
+          <p:nvPr/>
+        </p:nvPicPr>
+        <p:blipFill>
+          <a:blip r:embed="rId3">
+            <a:extLst>
+              <a:ext uri="{28A0092B-C50C-407E-A947-70E740481C1C}">
+                <a14:useLocalDpi xmlns:a14="http://schemas.microsoft.com/office/drawing/2010/main" val="0"/>
+              </a:ext>
+            </a:extLst>
+          </a:blip>
+          <a:stretch>
+            <a:fillRect/>
+          </a:stretch>
+        </p:blipFill>
+        <p:spPr>
+          <a:xfrm>
             <a:off x="3048000" y="1143000"/>
             <a:ext cx="6096000" cy="4572000"/>
           </a:xfrm>
@@ -5290,10 +6480,82 @@
           </a:prstGeom>
         </p:spPr>
       </p:pic>
+      <p:pic>
+        <p:nvPicPr>
+          <p:cNvPr id="9" name="Picture 8" descr="A graph showing a number of numbers&#10;&#10;AI-generated content may be incorrect.">
+            <a:extLst>
+              <a:ext uri="{FF2B5EF4-FFF2-40B4-BE49-F238E27FC236}">
+                <a16:creationId xmlns:a16="http://schemas.microsoft.com/office/drawing/2014/main" id="{FD372095-ED85-EFFF-8850-C70A14B8DD6F}"/>
+              </a:ext>
+            </a:extLst>
+          </p:cNvPr>
+          <p:cNvPicPr>
+            <a:picLocks noChangeAspect="1"/>
+          </p:cNvPicPr>
+          <p:nvPr/>
+        </p:nvPicPr>
+        <p:blipFill>
+          <a:blip r:embed="rId4">
+            <a:extLst>
+              <a:ext uri="{28A0092B-C50C-407E-A947-70E740481C1C}">
+                <a14:useLocalDpi xmlns:a14="http://schemas.microsoft.com/office/drawing/2010/main" val="0"/>
+              </a:ext>
+            </a:extLst>
+          </a:blip>
+          <a:stretch>
+            <a:fillRect/>
+          </a:stretch>
+        </p:blipFill>
+        <p:spPr>
+          <a:xfrm>
+            <a:off x="3048000" y="1143000"/>
+            <a:ext cx="6096000" cy="4572000"/>
+          </a:xfrm>
+          <a:prstGeom prst="rect">
+            <a:avLst/>
+          </a:prstGeom>
+        </p:spPr>
+      </p:pic>
+      <p:sp>
+        <p:nvSpPr>
+          <p:cNvPr id="2" name="TextBox 1">
+            <a:extLst>
+              <a:ext uri="{FF2B5EF4-FFF2-40B4-BE49-F238E27FC236}">
+                <a16:creationId xmlns:a16="http://schemas.microsoft.com/office/drawing/2014/main" id="{2040FBB2-E79C-3C12-AB89-14DFE8F0C6CE}"/>
+              </a:ext>
+            </a:extLst>
+          </p:cNvPr>
+          <p:cNvSpPr txBox="1"/>
+          <p:nvPr/>
+        </p:nvSpPr>
+        <p:spPr>
+          <a:xfrm>
+            <a:off x="1892808" y="566928"/>
+            <a:ext cx="437940" cy="369332"/>
+          </a:xfrm>
+          <a:prstGeom prst="rect">
+            <a:avLst/>
+          </a:prstGeom>
+          <a:noFill/>
+        </p:spPr>
+        <p:txBody>
+          <a:bodyPr wrap="none" rtlCol="0">
+            <a:spAutoFit/>
+          </a:bodyPr>
+          <a:lstStyle/>
+          <a:p>
+            <a:r>
+              <a:rPr lang="en-US" dirty="0"/>
+              <a:t>q1</a:t>
+            </a:r>
+            <a:endParaRPr lang="en-IL" dirty="0"/>
+          </a:p>
+        </p:txBody>
+      </p:sp>
     </p:spTree>
     <p:extLst>
       <p:ext uri="{BB962C8B-B14F-4D97-AF65-F5344CB8AC3E}">
-        <p14:creationId xmlns:p14="http://schemas.microsoft.com/office/powerpoint/2010/main" val="3130758607"/>
+        <p14:creationId xmlns:p14="http://schemas.microsoft.com/office/powerpoint/2010/main" val="2242172314"/>
       </p:ext>
     </p:extLst>
   </p:cSld>
@@ -5322,10 +6584,10 @@
       </p:grpSpPr>
       <p:sp>
         <p:nvSpPr>
-          <p:cNvPr id="5" name="TextBox 4">
-            <a:extLst>
-              <a:ext uri="{FF2B5EF4-FFF2-40B4-BE49-F238E27FC236}">
-                <a16:creationId xmlns:a16="http://schemas.microsoft.com/office/drawing/2014/main" id="{C6E1CBA5-49D2-233A-BE36-49DA35D6A1D8}"/>
+          <p:cNvPr id="4" name="TextBox 3">
+            <a:extLst>
+              <a:ext uri="{FF2B5EF4-FFF2-40B4-BE49-F238E27FC236}">
+                <a16:creationId xmlns:a16="http://schemas.microsoft.com/office/drawing/2014/main" id="{6AD7115B-3024-F510-DD2C-71616D426C45}"/>
               </a:ext>
             </a:extLst>
           </p:cNvPr>
@@ -5334,8 +6596,8 @@
         </p:nvSpPr>
         <p:spPr>
           <a:xfrm>
-            <a:off x="1892808" y="566928"/>
-            <a:ext cx="437940" cy="369332"/>
+            <a:off x="6096000" y="2917371"/>
+            <a:ext cx="1354858" cy="1200329"/>
           </a:xfrm>
           <a:prstGeom prst="rect">
             <a:avLst/>
@@ -5349,53 +6611,17 @@
           <a:lstStyle/>
           <a:p>
             <a:r>
-              <a:rPr lang="en-US" dirty="0"/>
-              <a:t>q2</a:t>
-            </a:r>
-            <a:endParaRPr lang="en-IL" dirty="0"/>
-          </a:p>
-        </p:txBody>
-      </p:sp>
-      <p:pic>
-        <p:nvPicPr>
-          <p:cNvPr id="7" name="Picture 6" descr="A graph with green squares&#10;&#10;AI-generated content may be incorrect.">
-            <a:extLst>
-              <a:ext uri="{FF2B5EF4-FFF2-40B4-BE49-F238E27FC236}">
-                <a16:creationId xmlns:a16="http://schemas.microsoft.com/office/drawing/2014/main" id="{40E48AD7-CC79-BEC0-3461-16246EFC7C1E}"/>
-              </a:ext>
-            </a:extLst>
-          </p:cNvPr>
-          <p:cNvPicPr>
-            <a:picLocks noChangeAspect="1"/>
-          </p:cNvPicPr>
-          <p:nvPr/>
-        </p:nvPicPr>
-        <p:blipFill>
-          <a:blip r:embed="rId2">
-            <a:extLst>
-              <a:ext uri="{28A0092B-C50C-407E-A947-70E740481C1C}">
-                <a14:useLocalDpi xmlns:a14="http://schemas.microsoft.com/office/drawing/2010/main" val="0"/>
-              </a:ext>
-            </a:extLst>
-          </a:blip>
-          <a:stretch>
-            <a:fillRect/>
-          </a:stretch>
-        </p:blipFill>
-        <p:spPr>
-          <a:xfrm>
-            <a:off x="3169914" y="1234435"/>
-            <a:ext cx="5852172" cy="4389129"/>
-          </a:xfrm>
-          <a:prstGeom prst="rect">
-            <a:avLst/>
-          </a:prstGeom>
-        </p:spPr>
-      </p:pic>
+              <a:rPr lang="en-US" sz="7200" dirty="0"/>
+              <a:t>Q2</a:t>
+            </a:r>
+            <a:endParaRPr lang="en-IL" sz="7200" dirty="0"/>
+          </a:p>
+        </p:txBody>
+      </p:sp>
     </p:spTree>
     <p:extLst>
       <p:ext uri="{BB962C8B-B14F-4D97-AF65-F5344CB8AC3E}">
-        <p14:creationId xmlns:p14="http://schemas.microsoft.com/office/powerpoint/2010/main" val="3143842451"/>
+        <p14:creationId xmlns:p14="http://schemas.microsoft.com/office/powerpoint/2010/main" val="411748237"/>
       </p:ext>
     </p:extLst>
   </p:cSld>
@@ -5422,12 +6648,48 @@
           <a:chExt cx="0" cy="0"/>
         </a:xfrm>
       </p:grpSpPr>
+      <p:sp>
+        <p:nvSpPr>
+          <p:cNvPr id="4" name="TextBox 3">
+            <a:extLst>
+              <a:ext uri="{FF2B5EF4-FFF2-40B4-BE49-F238E27FC236}">
+                <a16:creationId xmlns:a16="http://schemas.microsoft.com/office/drawing/2014/main" id="{BBFCB2BD-192A-BA34-20DE-770542860CDA}"/>
+              </a:ext>
+            </a:extLst>
+          </p:cNvPr>
+          <p:cNvSpPr txBox="1"/>
+          <p:nvPr/>
+        </p:nvSpPr>
+        <p:spPr>
+          <a:xfrm>
+            <a:off x="1892808" y="566928"/>
+            <a:ext cx="437940" cy="369332"/>
+          </a:xfrm>
+          <a:prstGeom prst="rect">
+            <a:avLst/>
+          </a:prstGeom>
+          <a:noFill/>
+        </p:spPr>
+        <p:txBody>
+          <a:bodyPr wrap="none" rtlCol="0">
+            <a:spAutoFit/>
+          </a:bodyPr>
+          <a:lstStyle/>
+          <a:p>
+            <a:r>
+              <a:rPr lang="en-US" dirty="0"/>
+              <a:t>q2</a:t>
+            </a:r>
+            <a:endParaRPr lang="en-IL" dirty="0"/>
+          </a:p>
+        </p:txBody>
+      </p:sp>
       <p:pic>
         <p:nvPicPr>
-          <p:cNvPr id="5" name="Picture 4">
-            <a:extLst>
-              <a:ext uri="{FF2B5EF4-FFF2-40B4-BE49-F238E27FC236}">
-                <a16:creationId xmlns:a16="http://schemas.microsoft.com/office/drawing/2014/main" id="{1A6FA13F-10B2-A6E0-4D48-78AE7EF4726A}"/>
+          <p:cNvPr id="6" name="Picture 5" descr="A graph of a train vs. validation loss&#10;&#10;AI-generated content may be incorrect.">
+            <a:extLst>
+              <a:ext uri="{FF2B5EF4-FFF2-40B4-BE49-F238E27FC236}">
+                <a16:creationId xmlns:a16="http://schemas.microsoft.com/office/drawing/2014/main" id="{5E9FEA45-576A-A5AB-EB71-11B3D68A38E0}"/>
               </a:ext>
             </a:extLst>
           </p:cNvPr>
@@ -5437,61 +6699,31 @@
           <p:nvPr/>
         </p:nvPicPr>
         <p:blipFill>
-          <a:blip r:embed="rId2"/>
+          <a:blip r:embed="rId2">
+            <a:extLst>
+              <a:ext uri="{28A0092B-C50C-407E-A947-70E740481C1C}">
+                <a14:useLocalDpi xmlns:a14="http://schemas.microsoft.com/office/drawing/2010/main" val="0"/>
+              </a:ext>
+            </a:extLst>
+          </a:blip>
           <a:stretch>
             <a:fillRect/>
           </a:stretch>
         </p:blipFill>
         <p:spPr>
           <a:xfrm>
-            <a:off x="2286000" y="1047750"/>
-            <a:ext cx="7620000" cy="4762500"/>
+            <a:off x="3048000" y="1143000"/>
+            <a:ext cx="6096000" cy="4572000"/>
           </a:xfrm>
           <a:prstGeom prst="rect">
             <a:avLst/>
           </a:prstGeom>
         </p:spPr>
       </p:pic>
-      <p:sp>
-        <p:nvSpPr>
-          <p:cNvPr id="6" name="TextBox 5">
-            <a:extLst>
-              <a:ext uri="{FF2B5EF4-FFF2-40B4-BE49-F238E27FC236}">
-                <a16:creationId xmlns:a16="http://schemas.microsoft.com/office/drawing/2014/main" id="{DBE279E3-4EFA-DE1C-20CF-2EAB78D73474}"/>
-              </a:ext>
-            </a:extLst>
-          </p:cNvPr>
-          <p:cNvSpPr txBox="1"/>
-          <p:nvPr/>
-        </p:nvSpPr>
-        <p:spPr>
-          <a:xfrm>
-            <a:off x="1892808" y="566928"/>
-            <a:ext cx="437940" cy="369332"/>
-          </a:xfrm>
-          <a:prstGeom prst="rect">
-            <a:avLst/>
-          </a:prstGeom>
-          <a:noFill/>
-        </p:spPr>
-        <p:txBody>
-          <a:bodyPr wrap="none" rtlCol="0">
-            <a:spAutoFit/>
-          </a:bodyPr>
-          <a:lstStyle/>
-          <a:p>
-            <a:r>
-              <a:rPr lang="en-US" dirty="0"/>
-              <a:t>q2</a:t>
-            </a:r>
-            <a:endParaRPr lang="en-IL" dirty="0"/>
-          </a:p>
-        </p:txBody>
-      </p:sp>
     </p:spTree>
     <p:extLst>
       <p:ext uri="{BB962C8B-B14F-4D97-AF65-F5344CB8AC3E}">
-        <p14:creationId xmlns:p14="http://schemas.microsoft.com/office/powerpoint/2010/main" val="2192902738"/>
+        <p14:creationId xmlns:p14="http://schemas.microsoft.com/office/powerpoint/2010/main" val="3130758607"/>
       </p:ext>
     </p:extLst>
   </p:cSld>
@@ -5518,12 +6750,48 @@
           <a:chExt cx="0" cy="0"/>
         </a:xfrm>
       </p:grpSpPr>
+      <p:sp>
+        <p:nvSpPr>
+          <p:cNvPr id="5" name="TextBox 4">
+            <a:extLst>
+              <a:ext uri="{FF2B5EF4-FFF2-40B4-BE49-F238E27FC236}">
+                <a16:creationId xmlns:a16="http://schemas.microsoft.com/office/drawing/2014/main" id="{C6E1CBA5-49D2-233A-BE36-49DA35D6A1D8}"/>
+              </a:ext>
+            </a:extLst>
+          </p:cNvPr>
+          <p:cNvSpPr txBox="1"/>
+          <p:nvPr/>
+        </p:nvSpPr>
+        <p:spPr>
+          <a:xfrm>
+            <a:off x="1892808" y="566928"/>
+            <a:ext cx="437940" cy="369332"/>
+          </a:xfrm>
+          <a:prstGeom prst="rect">
+            <a:avLst/>
+          </a:prstGeom>
+          <a:noFill/>
+        </p:spPr>
+        <p:txBody>
+          <a:bodyPr wrap="none" rtlCol="0">
+            <a:spAutoFit/>
+          </a:bodyPr>
+          <a:lstStyle/>
+          <a:p>
+            <a:r>
+              <a:rPr lang="en-US" dirty="0"/>
+              <a:t>q2</a:t>
+            </a:r>
+            <a:endParaRPr lang="en-IL" dirty="0"/>
+          </a:p>
+        </p:txBody>
+      </p:sp>
       <p:pic>
         <p:nvPicPr>
-          <p:cNvPr id="5" name="Picture 4">
-            <a:extLst>
-              <a:ext uri="{FF2B5EF4-FFF2-40B4-BE49-F238E27FC236}">
-                <a16:creationId xmlns:a16="http://schemas.microsoft.com/office/drawing/2014/main" id="{A31A28AE-9097-3C7A-1BB3-C2454160DF85}"/>
+          <p:cNvPr id="7" name="Picture 6" descr="A graph with green squares&#10;&#10;AI-generated content may be incorrect.">
+            <a:extLst>
+              <a:ext uri="{FF2B5EF4-FFF2-40B4-BE49-F238E27FC236}">
+                <a16:creationId xmlns:a16="http://schemas.microsoft.com/office/drawing/2014/main" id="{40E48AD7-CC79-BEC0-3461-16246EFC7C1E}"/>
               </a:ext>
             </a:extLst>
           </p:cNvPr>
@@ -5533,61 +6801,31 @@
           <p:nvPr/>
         </p:nvPicPr>
         <p:blipFill>
-          <a:blip r:embed="rId2"/>
+          <a:blip r:embed="rId2">
+            <a:extLst>
+              <a:ext uri="{28A0092B-C50C-407E-A947-70E740481C1C}">
+                <a14:useLocalDpi xmlns:a14="http://schemas.microsoft.com/office/drawing/2010/main" val="0"/>
+              </a:ext>
+            </a:extLst>
+          </a:blip>
           <a:stretch>
             <a:fillRect/>
           </a:stretch>
         </p:blipFill>
         <p:spPr>
           <a:xfrm>
-            <a:off x="2286000" y="1524000"/>
-            <a:ext cx="7620000" cy="3810000"/>
+            <a:off x="3169914" y="1234435"/>
+            <a:ext cx="5852172" cy="4389129"/>
           </a:xfrm>
           <a:prstGeom prst="rect">
             <a:avLst/>
           </a:prstGeom>
         </p:spPr>
       </p:pic>
-      <p:sp>
-        <p:nvSpPr>
-          <p:cNvPr id="6" name="TextBox 5">
-            <a:extLst>
-              <a:ext uri="{FF2B5EF4-FFF2-40B4-BE49-F238E27FC236}">
-                <a16:creationId xmlns:a16="http://schemas.microsoft.com/office/drawing/2014/main" id="{830FC197-008C-2BE1-C576-499604F1EBE3}"/>
-              </a:ext>
-            </a:extLst>
-          </p:cNvPr>
-          <p:cNvSpPr txBox="1"/>
-          <p:nvPr/>
-        </p:nvSpPr>
-        <p:spPr>
-          <a:xfrm>
-            <a:off x="1892808" y="566928"/>
-            <a:ext cx="437940" cy="369332"/>
-          </a:xfrm>
-          <a:prstGeom prst="rect">
-            <a:avLst/>
-          </a:prstGeom>
-          <a:noFill/>
-        </p:spPr>
-        <p:txBody>
-          <a:bodyPr wrap="none" rtlCol="0">
-            <a:spAutoFit/>
-          </a:bodyPr>
-          <a:lstStyle/>
-          <a:p>
-            <a:r>
-              <a:rPr lang="en-US" dirty="0"/>
-              <a:t>q2</a:t>
-            </a:r>
-            <a:endParaRPr lang="en-IL" dirty="0"/>
-          </a:p>
-        </p:txBody>
-      </p:sp>
     </p:spTree>
     <p:extLst>
       <p:ext uri="{BB962C8B-B14F-4D97-AF65-F5344CB8AC3E}">
-        <p14:creationId xmlns:p14="http://schemas.microsoft.com/office/powerpoint/2010/main" val="2671251749"/>
+        <p14:creationId xmlns:p14="http://schemas.microsoft.com/office/powerpoint/2010/main" val="3143842451"/>
       </p:ext>
     </p:extLst>
   </p:cSld>
@@ -5614,48 +6852,12 @@
           <a:chExt cx="0" cy="0"/>
         </a:xfrm>
       </p:grpSpPr>
-      <p:sp>
-        <p:nvSpPr>
-          <p:cNvPr id="4" name="TextBox 3">
-            <a:extLst>
-              <a:ext uri="{FF2B5EF4-FFF2-40B4-BE49-F238E27FC236}">
-                <a16:creationId xmlns:a16="http://schemas.microsoft.com/office/drawing/2014/main" id="{C1398661-1654-0166-B5B9-09A829BBF066}"/>
-              </a:ext>
-            </a:extLst>
-          </p:cNvPr>
-          <p:cNvSpPr txBox="1"/>
-          <p:nvPr/>
-        </p:nvSpPr>
-        <p:spPr>
-          <a:xfrm>
-            <a:off x="1892808" y="566928"/>
-            <a:ext cx="437940" cy="369332"/>
-          </a:xfrm>
-          <a:prstGeom prst="rect">
-            <a:avLst/>
-          </a:prstGeom>
-          <a:noFill/>
-        </p:spPr>
-        <p:txBody>
-          <a:bodyPr wrap="none" rtlCol="0">
-            <a:spAutoFit/>
-          </a:bodyPr>
-          <a:lstStyle/>
-          <a:p>
-            <a:r>
-              <a:rPr lang="en-US" dirty="0"/>
-              <a:t>q2</a:t>
-            </a:r>
-            <a:endParaRPr lang="en-IL" dirty="0"/>
-          </a:p>
-        </p:txBody>
-      </p:sp>
       <p:pic>
         <p:nvPicPr>
-          <p:cNvPr id="6" name="Picture 5">
-            <a:extLst>
-              <a:ext uri="{FF2B5EF4-FFF2-40B4-BE49-F238E27FC236}">
-                <a16:creationId xmlns:a16="http://schemas.microsoft.com/office/drawing/2014/main" id="{BCDD23CE-66BD-7FB2-6E11-FF968A2195F9}"/>
+          <p:cNvPr id="5" name="Picture 4">
+            <a:extLst>
+              <a:ext uri="{FF2B5EF4-FFF2-40B4-BE49-F238E27FC236}">
+                <a16:creationId xmlns:a16="http://schemas.microsoft.com/office/drawing/2014/main" id="{1A6FA13F-10B2-A6E0-4D48-78AE7EF4726A}"/>
               </a:ext>
             </a:extLst>
           </p:cNvPr>
@@ -5672,18 +6874,54 @@
         </p:blipFill>
         <p:spPr>
           <a:xfrm>
-            <a:off x="2286000" y="1524000"/>
-            <a:ext cx="7620000" cy="3810000"/>
+            <a:off x="2286000" y="1047750"/>
+            <a:ext cx="7620000" cy="4762500"/>
           </a:xfrm>
           <a:prstGeom prst="rect">
             <a:avLst/>
           </a:prstGeom>
         </p:spPr>
       </p:pic>
+      <p:sp>
+        <p:nvSpPr>
+          <p:cNvPr id="6" name="TextBox 5">
+            <a:extLst>
+              <a:ext uri="{FF2B5EF4-FFF2-40B4-BE49-F238E27FC236}">
+                <a16:creationId xmlns:a16="http://schemas.microsoft.com/office/drawing/2014/main" id="{DBE279E3-4EFA-DE1C-20CF-2EAB78D73474}"/>
+              </a:ext>
+            </a:extLst>
+          </p:cNvPr>
+          <p:cNvSpPr txBox="1"/>
+          <p:nvPr/>
+        </p:nvSpPr>
+        <p:spPr>
+          <a:xfrm>
+            <a:off x="1892808" y="566928"/>
+            <a:ext cx="437940" cy="369332"/>
+          </a:xfrm>
+          <a:prstGeom prst="rect">
+            <a:avLst/>
+          </a:prstGeom>
+          <a:noFill/>
+        </p:spPr>
+        <p:txBody>
+          <a:bodyPr wrap="none" rtlCol="0">
+            <a:spAutoFit/>
+          </a:bodyPr>
+          <a:lstStyle/>
+          <a:p>
+            <a:r>
+              <a:rPr lang="en-US" dirty="0"/>
+              <a:t>q2</a:t>
+            </a:r>
+            <a:endParaRPr lang="en-IL" dirty="0"/>
+          </a:p>
+        </p:txBody>
+      </p:sp>
     </p:spTree>
     <p:extLst>
       <p:ext uri="{BB962C8B-B14F-4D97-AF65-F5344CB8AC3E}">
-        <p14:creationId xmlns:p14="http://schemas.microsoft.com/office/powerpoint/2010/main" val="3143617862"/>
+        <p14:creationId xmlns:p14="http://schemas.microsoft.com/office/powerpoint/2010/main" val="2192902738"/>
       </p:ext>
     </p:extLst>
   </p:cSld>

--- a/hw_1_images.pptx
+++ b/hw_1_images.pptx
@@ -27,6 +27,11 @@
     <p:sldId id="276" r:id="rId21"/>
     <p:sldId id="277" r:id="rId22"/>
     <p:sldId id="278" r:id="rId23"/>
+    <p:sldId id="280" r:id="rId24"/>
+    <p:sldId id="281" r:id="rId25"/>
+    <p:sldId id="282" r:id="rId26"/>
+    <p:sldId id="283" r:id="rId27"/>
+    <p:sldId id="284" r:id="rId28"/>
   </p:sldIdLst>
   <p:sldSz cx="12192000" cy="6858000"/>
   <p:notesSz cx="6858000" cy="9144000"/>
@@ -6180,6 +6185,348 @@
     <p:extLst>
       <p:ext uri="{BB962C8B-B14F-4D97-AF65-F5344CB8AC3E}">
         <p14:creationId xmlns:p14="http://schemas.microsoft.com/office/powerpoint/2010/main" val="2193585764"/>
+      </p:ext>
+    </p:extLst>
+  </p:cSld>
+  <p:clrMapOvr>
+    <a:masterClrMapping/>
+  </p:clrMapOvr>
+</p:sld>
+</file>
+
+<file path=ppt/slides/slide23.xml><?xml version="1.0" encoding="utf-8"?>
+<p:sld xmlns:a="http://schemas.openxmlformats.org/drawingml/2006/main" xmlns:r="http://schemas.openxmlformats.org/officeDocument/2006/relationships" xmlns:p="http://schemas.openxmlformats.org/presentationml/2006/main">
+  <p:cSld>
+    <p:spTree>
+      <p:nvGrpSpPr>
+        <p:cNvPr id="1" name="">
+          <a:extLst>
+            <a:ext uri="{FF2B5EF4-FFF2-40B4-BE49-F238E27FC236}">
+              <a16:creationId xmlns:a16="http://schemas.microsoft.com/office/drawing/2014/main" id="{D6443EA9-CD92-710E-4494-13E64431BFB3}"/>
+            </a:ext>
+          </a:extLst>
+        </p:cNvPr>
+        <p:cNvGrpSpPr/>
+        <p:nvPr/>
+      </p:nvGrpSpPr>
+      <p:grpSpPr>
+        <a:xfrm>
+          <a:off x="0" y="0"/>
+          <a:ext cx="0" cy="0"/>
+          <a:chOff x="0" y="0"/>
+          <a:chExt cx="0" cy="0"/>
+        </a:xfrm>
+      </p:grpSpPr>
+      <p:sp>
+        <p:nvSpPr>
+          <p:cNvPr id="4" name="TextBox 3">
+            <a:extLst>
+              <a:ext uri="{FF2B5EF4-FFF2-40B4-BE49-F238E27FC236}">
+                <a16:creationId xmlns:a16="http://schemas.microsoft.com/office/drawing/2014/main" id="{D05AA99F-70FE-E86A-09BD-A3B3DD1CA631}"/>
+              </a:ext>
+            </a:extLst>
+          </p:cNvPr>
+          <p:cNvSpPr txBox="1"/>
+          <p:nvPr/>
+        </p:nvSpPr>
+        <p:spPr>
+          <a:xfrm>
+            <a:off x="6096000" y="2917371"/>
+            <a:ext cx="1354858" cy="1200329"/>
+          </a:xfrm>
+          <a:prstGeom prst="rect">
+            <a:avLst/>
+          </a:prstGeom>
+          <a:noFill/>
+        </p:spPr>
+        <p:txBody>
+          <a:bodyPr wrap="none" rtlCol="0">
+            <a:spAutoFit/>
+          </a:bodyPr>
+          <a:lstStyle/>
+          <a:p>
+            <a:r>
+              <a:rPr lang="en-US" sz="7200" dirty="0"/>
+              <a:t>Q4</a:t>
+            </a:r>
+            <a:endParaRPr lang="en-IL" sz="7200" dirty="0"/>
+          </a:p>
+        </p:txBody>
+      </p:sp>
+    </p:spTree>
+    <p:extLst>
+      <p:ext uri="{BB962C8B-B14F-4D97-AF65-F5344CB8AC3E}">
+        <p14:creationId xmlns:p14="http://schemas.microsoft.com/office/powerpoint/2010/main" val="15940155"/>
+      </p:ext>
+    </p:extLst>
+  </p:cSld>
+  <p:clrMapOvr>
+    <a:masterClrMapping/>
+  </p:clrMapOvr>
+</p:sld>
+</file>
+
+<file path=ppt/slides/slide24.xml><?xml version="1.0" encoding="utf-8"?>
+<p:sld xmlns:a="http://schemas.openxmlformats.org/drawingml/2006/main" xmlns:r="http://schemas.openxmlformats.org/officeDocument/2006/relationships" xmlns:p="http://schemas.openxmlformats.org/presentationml/2006/main">
+  <p:cSld>
+    <p:spTree>
+      <p:nvGrpSpPr>
+        <p:cNvPr id="1" name=""/>
+        <p:cNvGrpSpPr/>
+        <p:nvPr/>
+      </p:nvGrpSpPr>
+      <p:grpSpPr>
+        <a:xfrm>
+          <a:off x="0" y="0"/>
+          <a:ext cx="0" cy="0"/>
+          <a:chOff x="0" y="0"/>
+          <a:chExt cx="0" cy="0"/>
+        </a:xfrm>
+      </p:grpSpPr>
+      <p:pic>
+        <p:nvPicPr>
+          <p:cNvPr id="4" name="Picture 3">
+            <a:extLst>
+              <a:ext uri="{FF2B5EF4-FFF2-40B4-BE49-F238E27FC236}">
+                <a16:creationId xmlns:a16="http://schemas.microsoft.com/office/drawing/2014/main" id="{F01D7900-3608-91EA-AEA3-397A5BAFB3D8}"/>
+              </a:ext>
+            </a:extLst>
+          </p:cNvPr>
+          <p:cNvPicPr>
+            <a:picLocks noChangeAspect="1"/>
+          </p:cNvPicPr>
+          <p:nvPr/>
+        </p:nvPicPr>
+        <p:blipFill>
+          <a:blip r:embed="rId2"/>
+          <a:stretch>
+            <a:fillRect/>
+          </a:stretch>
+        </p:blipFill>
+        <p:spPr>
+          <a:xfrm>
+            <a:off x="3035617" y="2408872"/>
+            <a:ext cx="6120765" cy="2040255"/>
+          </a:xfrm>
+          <a:prstGeom prst="rect">
+            <a:avLst/>
+          </a:prstGeom>
+        </p:spPr>
+      </p:pic>
+    </p:spTree>
+    <p:extLst>
+      <p:ext uri="{BB962C8B-B14F-4D97-AF65-F5344CB8AC3E}">
+        <p14:creationId xmlns:p14="http://schemas.microsoft.com/office/powerpoint/2010/main" val="1951728983"/>
+      </p:ext>
+    </p:extLst>
+  </p:cSld>
+  <p:clrMapOvr>
+    <a:masterClrMapping/>
+  </p:clrMapOvr>
+</p:sld>
+</file>
+
+<file path=ppt/slides/slide25.xml><?xml version="1.0" encoding="utf-8"?>
+<p:sld xmlns:a="http://schemas.openxmlformats.org/drawingml/2006/main" xmlns:r="http://schemas.openxmlformats.org/officeDocument/2006/relationships" xmlns:p="http://schemas.openxmlformats.org/presentationml/2006/main">
+  <p:cSld>
+    <p:spTree>
+      <p:nvGrpSpPr>
+        <p:cNvPr id="1" name=""/>
+        <p:cNvGrpSpPr/>
+        <p:nvPr/>
+      </p:nvGrpSpPr>
+      <p:grpSpPr>
+        <a:xfrm>
+          <a:off x="0" y="0"/>
+          <a:ext cx="0" cy="0"/>
+          <a:chOff x="0" y="0"/>
+          <a:chExt cx="0" cy="0"/>
+        </a:xfrm>
+      </p:grpSpPr>
+      <p:pic>
+        <p:nvPicPr>
+          <p:cNvPr id="5" name="Picture 4">
+            <a:extLst>
+              <a:ext uri="{FF2B5EF4-FFF2-40B4-BE49-F238E27FC236}">
+                <a16:creationId xmlns:a16="http://schemas.microsoft.com/office/drawing/2014/main" id="{FBD6913A-DD7B-99B7-6EC0-2C9AA9C1CDC8}"/>
+              </a:ext>
+            </a:extLst>
+          </p:cNvPr>
+          <p:cNvPicPr>
+            <a:picLocks noChangeAspect="1"/>
+          </p:cNvPicPr>
+          <p:nvPr/>
+        </p:nvPicPr>
+        <p:blipFill>
+          <a:blip r:embed="rId2"/>
+          <a:stretch>
+            <a:fillRect/>
+          </a:stretch>
+        </p:blipFill>
+        <p:spPr>
+          <a:xfrm>
+            <a:off x="3048000" y="1143000"/>
+            <a:ext cx="6096000" cy="4572000"/>
+          </a:xfrm>
+          <a:prstGeom prst="rect">
+            <a:avLst/>
+          </a:prstGeom>
+        </p:spPr>
+      </p:pic>
+    </p:spTree>
+    <p:extLst>
+      <p:ext uri="{BB962C8B-B14F-4D97-AF65-F5344CB8AC3E}">
+        <p14:creationId xmlns:p14="http://schemas.microsoft.com/office/powerpoint/2010/main" val="1146369322"/>
+      </p:ext>
+    </p:extLst>
+  </p:cSld>
+  <p:clrMapOvr>
+    <a:masterClrMapping/>
+  </p:clrMapOvr>
+</p:sld>
+</file>
+
+<file path=ppt/slides/slide26.xml><?xml version="1.0" encoding="utf-8"?>
+<p:sld xmlns:a="http://schemas.openxmlformats.org/drawingml/2006/main" xmlns:r="http://schemas.openxmlformats.org/officeDocument/2006/relationships" xmlns:p="http://schemas.openxmlformats.org/presentationml/2006/main">
+  <p:cSld>
+    <p:spTree>
+      <p:nvGrpSpPr>
+        <p:cNvPr id="1" name=""/>
+        <p:cNvGrpSpPr/>
+        <p:nvPr/>
+      </p:nvGrpSpPr>
+      <p:grpSpPr>
+        <a:xfrm>
+          <a:off x="0" y="0"/>
+          <a:ext cx="0" cy="0"/>
+          <a:chOff x="0" y="0"/>
+          <a:chExt cx="0" cy="0"/>
+        </a:xfrm>
+      </p:grpSpPr>
+      <p:pic>
+        <p:nvPicPr>
+          <p:cNvPr id="5" name="Picture 4">
+            <a:extLst>
+              <a:ext uri="{FF2B5EF4-FFF2-40B4-BE49-F238E27FC236}">
+                <a16:creationId xmlns:a16="http://schemas.microsoft.com/office/drawing/2014/main" id="{C1F88784-81E0-9893-8875-2847774D9DF4}"/>
+              </a:ext>
+            </a:extLst>
+          </p:cNvPr>
+          <p:cNvPicPr>
+            <a:picLocks noChangeAspect="1"/>
+          </p:cNvPicPr>
+          <p:nvPr/>
+        </p:nvPicPr>
+        <p:blipFill>
+          <a:blip r:embed="rId2"/>
+          <a:stretch>
+            <a:fillRect/>
+          </a:stretch>
+        </p:blipFill>
+        <p:spPr>
+          <a:xfrm>
+            <a:off x="3048000" y="1143000"/>
+            <a:ext cx="6096000" cy="4572000"/>
+          </a:xfrm>
+          <a:prstGeom prst="rect">
+            <a:avLst/>
+          </a:prstGeom>
+        </p:spPr>
+      </p:pic>
+      <p:pic>
+        <p:nvPicPr>
+          <p:cNvPr id="7" name="Picture 6">
+            <a:extLst>
+              <a:ext uri="{FF2B5EF4-FFF2-40B4-BE49-F238E27FC236}">
+                <a16:creationId xmlns:a16="http://schemas.microsoft.com/office/drawing/2014/main" id="{E3BD2104-6A3F-5DDB-1F1A-E22C5CD21A31}"/>
+              </a:ext>
+            </a:extLst>
+          </p:cNvPr>
+          <p:cNvPicPr>
+            <a:picLocks noChangeAspect="1"/>
+          </p:cNvPicPr>
+          <p:nvPr/>
+        </p:nvPicPr>
+        <p:blipFill>
+          <a:blip r:embed="rId2"/>
+          <a:stretch>
+            <a:fillRect/>
+          </a:stretch>
+        </p:blipFill>
+        <p:spPr>
+          <a:xfrm>
+            <a:off x="3048000" y="1143000"/>
+            <a:ext cx="6096000" cy="4572000"/>
+          </a:xfrm>
+          <a:prstGeom prst="rect">
+            <a:avLst/>
+          </a:prstGeom>
+        </p:spPr>
+      </p:pic>
+    </p:spTree>
+    <p:extLst>
+      <p:ext uri="{BB962C8B-B14F-4D97-AF65-F5344CB8AC3E}">
+        <p14:creationId xmlns:p14="http://schemas.microsoft.com/office/powerpoint/2010/main" val="3674313948"/>
+      </p:ext>
+    </p:extLst>
+  </p:cSld>
+  <p:clrMapOvr>
+    <a:masterClrMapping/>
+  </p:clrMapOvr>
+</p:sld>
+</file>
+
+<file path=ppt/slides/slide27.xml><?xml version="1.0" encoding="utf-8"?>
+<p:sld xmlns:a="http://schemas.openxmlformats.org/drawingml/2006/main" xmlns:r="http://schemas.openxmlformats.org/officeDocument/2006/relationships" xmlns:p="http://schemas.openxmlformats.org/presentationml/2006/main">
+  <p:cSld>
+    <p:spTree>
+      <p:nvGrpSpPr>
+        <p:cNvPr id="1" name=""/>
+        <p:cNvGrpSpPr/>
+        <p:nvPr/>
+      </p:nvGrpSpPr>
+      <p:grpSpPr>
+        <a:xfrm>
+          <a:off x="0" y="0"/>
+          <a:ext cx="0" cy="0"/>
+          <a:chOff x="0" y="0"/>
+          <a:chExt cx="0" cy="0"/>
+        </a:xfrm>
+      </p:grpSpPr>
+      <p:pic>
+        <p:nvPicPr>
+          <p:cNvPr id="5" name="Picture 4">
+            <a:extLst>
+              <a:ext uri="{FF2B5EF4-FFF2-40B4-BE49-F238E27FC236}">
+                <a16:creationId xmlns:a16="http://schemas.microsoft.com/office/drawing/2014/main" id="{399F9ACC-80EC-500D-320C-69FDE234AF52}"/>
+              </a:ext>
+            </a:extLst>
+          </p:cNvPr>
+          <p:cNvPicPr>
+            <a:picLocks noChangeAspect="1"/>
+          </p:cNvPicPr>
+          <p:nvPr/>
+        </p:nvPicPr>
+        <p:blipFill>
+          <a:blip r:embed="rId2"/>
+          <a:stretch>
+            <a:fillRect/>
+          </a:stretch>
+        </p:blipFill>
+        <p:spPr>
+          <a:xfrm>
+            <a:off x="2286000" y="1047750"/>
+            <a:ext cx="7620000" cy="4762500"/>
+          </a:xfrm>
+          <a:prstGeom prst="rect">
+            <a:avLst/>
+          </a:prstGeom>
+        </p:spPr>
+      </p:pic>
+    </p:spTree>
+    <p:extLst>
+      <p:ext uri="{BB962C8B-B14F-4D97-AF65-F5344CB8AC3E}">
+        <p14:creationId xmlns:p14="http://schemas.microsoft.com/office/powerpoint/2010/main" val="2878961974"/>
       </p:ext>
     </p:extLst>
   </p:cSld>
